--- a/res/DevOps_hackaton.pptx
+++ b/res/DevOps_hackaton.pptx
@@ -6,15 +6,25 @@
   </p:sldMasterIdLst>
   <p:sldIdLst>
     <p:sldId id="267" r:id="rId2"/>
-    <p:sldId id="268" r:id="rId3"/>
-    <p:sldId id="273" r:id="rId4"/>
-    <p:sldId id="269" r:id="rId5"/>
-    <p:sldId id="270" r:id="rId6"/>
-    <p:sldId id="271" r:id="rId7"/>
-    <p:sldId id="276" r:id="rId8"/>
-    <p:sldId id="272" r:id="rId9"/>
-    <p:sldId id="274" r:id="rId10"/>
-    <p:sldId id="275" r:id="rId11"/>
+    <p:sldId id="285" r:id="rId3"/>
+    <p:sldId id="268" r:id="rId4"/>
+    <p:sldId id="277" r:id="rId5"/>
+    <p:sldId id="273" r:id="rId6"/>
+    <p:sldId id="279" r:id="rId7"/>
+    <p:sldId id="269" r:id="rId8"/>
+    <p:sldId id="283" r:id="rId9"/>
+    <p:sldId id="281" r:id="rId10"/>
+    <p:sldId id="270" r:id="rId11"/>
+    <p:sldId id="271" r:id="rId12"/>
+    <p:sldId id="272" r:id="rId13"/>
+    <p:sldId id="274" r:id="rId14"/>
+    <p:sldId id="286" r:id="rId15"/>
+    <p:sldId id="276" r:id="rId16"/>
+    <p:sldId id="284" r:id="rId17"/>
+    <p:sldId id="282" r:id="rId18"/>
+    <p:sldId id="278" r:id="rId19"/>
+    <p:sldId id="275" r:id="rId20"/>
+    <p:sldId id="280" r:id="rId21"/>
   </p:sldIdLst>
   <p:sldSz cx="12192000" cy="6858000"/>
   <p:notesSz cx="6858000" cy="9144000"/>
@@ -124,7 +134,8 @@
 <file path=ppt/revisionInfo.xml><?xml version="1.0" encoding="utf-8"?>
 <p1510:revInfo xmlns:a="http://schemas.openxmlformats.org/drawingml/2006/main" xmlns:r="http://schemas.openxmlformats.org/officeDocument/2006/relationships" xmlns:p1510="http://schemas.microsoft.com/office/powerpoint/2015/10/main">
   <p1510:revLst>
-    <p1510:client id="{4F3205D0-99F2-4E46-86CD-F6870FB4E703}" v="4" dt="2023-11-21T12:16:45.096"/>
+    <p1510:client id="{139EC1B9-3BB7-44F3-ABC5-C4D60C503EFE}" v="254" dt="2024-10-29T09:42:46.219"/>
+    <p1510:client id="{6319AD4F-FF93-4BD9-B412-AF1770B5094E}" v="4" dt="2024-10-29T13:40:01.124"/>
   </p1510:revLst>
 </p1510:revInfo>
 </file>
@@ -395,26 +406,848 @@
     </pc:docChg>
   </pc:docChgLst>
   <pc:docChgLst>
-    <pc:chgData name="Jörgen Damberg" userId="3defc36d214de914" providerId="LiveId" clId="{13D1519E-2324-405D-B17D-59724E0013EE}"/>
-    <pc:docChg chg="modSld">
-      <pc:chgData name="Jörgen Damberg" userId="3defc36d214de914" providerId="LiveId" clId="{13D1519E-2324-405D-B17D-59724E0013EE}" dt="2023-11-21T13:57:44.624" v="252" actId="20577"/>
+    <pc:chgData name="Jörgen Damberg" userId="3defc36d214de914" providerId="LiveId" clId="{6319AD4F-FF93-4BD9-B412-AF1770B5094E}"/>
+    <pc:docChg chg="custSel addSld delSld modSld sldOrd">
+      <pc:chgData name="Jörgen Damberg" userId="3defc36d214de914" providerId="LiveId" clId="{6319AD4F-FF93-4BD9-B412-AF1770B5094E}" dt="2024-10-29T15:51:46.319" v="297" actId="14826"/>
       <pc:docMkLst>
         <pc:docMk/>
       </pc:docMkLst>
       <pc:sldChg chg="modSp mod">
-        <pc:chgData name="Jörgen Damberg" userId="3defc36d214de914" providerId="LiveId" clId="{13D1519E-2324-405D-B17D-59724E0013EE}" dt="2023-11-21T13:57:44.624" v="252" actId="20577"/>
+        <pc:chgData name="Jörgen Damberg" userId="3defc36d214de914" providerId="LiveId" clId="{6319AD4F-FF93-4BD9-B412-AF1770B5094E}" dt="2024-10-29T15:51:46.319" v="297" actId="14826"/>
+        <pc:sldMkLst>
+          <pc:docMk/>
+          <pc:sldMk cId="1068838018" sldId="268"/>
+        </pc:sldMkLst>
+        <pc:picChg chg="mod">
+          <ac:chgData name="Jörgen Damberg" userId="3defc36d214de914" providerId="LiveId" clId="{6319AD4F-FF93-4BD9-B412-AF1770B5094E}" dt="2024-10-29T15:51:46.319" v="297" actId="14826"/>
+          <ac:picMkLst>
+            <pc:docMk/>
+            <pc:sldMk cId="1068838018" sldId="268"/>
+            <ac:picMk id="5" creationId="{7BC52BD8-5943-37C9-1F62-D2BB5F63876C}"/>
+          </ac:picMkLst>
+        </pc:picChg>
+      </pc:sldChg>
+      <pc:sldChg chg="delSp modSp mod delAnim">
+        <pc:chgData name="Jörgen Damberg" userId="3defc36d214de914" providerId="LiveId" clId="{6319AD4F-FF93-4BD9-B412-AF1770B5094E}" dt="2024-10-29T13:40:25.559" v="210" actId="6549"/>
+        <pc:sldMkLst>
+          <pc:docMk/>
+          <pc:sldMk cId="2331929315" sldId="271"/>
+        </pc:sldMkLst>
+        <pc:spChg chg="mod">
+          <ac:chgData name="Jörgen Damberg" userId="3defc36d214de914" providerId="LiveId" clId="{6319AD4F-FF93-4BD9-B412-AF1770B5094E}" dt="2024-10-29T13:40:25.559" v="210" actId="6549"/>
+          <ac:spMkLst>
+            <pc:docMk/>
+            <pc:sldMk cId="2331929315" sldId="271"/>
+            <ac:spMk id="2" creationId="{7D479A95-4EC7-85C2-2B4F-3EB74B80677F}"/>
+          </ac:spMkLst>
+        </pc:spChg>
+        <pc:spChg chg="del">
+          <ac:chgData name="Jörgen Damberg" userId="3defc36d214de914" providerId="LiveId" clId="{6319AD4F-FF93-4BD9-B412-AF1770B5094E}" dt="2024-10-29T13:39:58.863" v="66" actId="21"/>
+          <ac:spMkLst>
+            <pc:docMk/>
+            <pc:sldMk cId="2331929315" sldId="271"/>
+            <ac:spMk id="7" creationId="{7780F544-4E80-F39A-B975-08FFD0DDE0E0}"/>
+          </ac:spMkLst>
+        </pc:spChg>
+        <pc:picChg chg="del">
+          <ac:chgData name="Jörgen Damberg" userId="3defc36d214de914" providerId="LiveId" clId="{6319AD4F-FF93-4BD9-B412-AF1770B5094E}" dt="2024-10-29T13:39:58.863" v="66" actId="21"/>
+          <ac:picMkLst>
+            <pc:docMk/>
+            <pc:sldMk cId="2331929315" sldId="271"/>
+            <ac:picMk id="6" creationId="{B4C1A5E6-A563-09BC-C61D-3DED11B01681}"/>
+          </ac:picMkLst>
+        </pc:picChg>
+      </pc:sldChg>
+      <pc:sldChg chg="modSp mod ord">
+        <pc:chgData name="Jörgen Damberg" userId="3defc36d214de914" providerId="LiveId" clId="{6319AD4F-FF93-4BD9-B412-AF1770B5094E}" dt="2024-10-29T13:41:03.445" v="215" actId="6549"/>
+        <pc:sldMkLst>
+          <pc:docMk/>
+          <pc:sldMk cId="2340791043" sldId="272"/>
+        </pc:sldMkLst>
+        <pc:spChg chg="mod">
+          <ac:chgData name="Jörgen Damberg" userId="3defc36d214de914" providerId="LiveId" clId="{6319AD4F-FF93-4BD9-B412-AF1770B5094E}" dt="2024-10-29T13:41:03.445" v="215" actId="6549"/>
+          <ac:spMkLst>
+            <pc:docMk/>
+            <pc:sldMk cId="2340791043" sldId="272"/>
+            <ac:spMk id="2" creationId="{DA076D3E-2D32-5B5C-3939-A5220BD6A93F}"/>
+          </ac:spMkLst>
+        </pc:spChg>
+      </pc:sldChg>
+      <pc:sldChg chg="modSp mod ord">
+        <pc:chgData name="Jörgen Damberg" userId="3defc36d214de914" providerId="LiveId" clId="{6319AD4F-FF93-4BD9-B412-AF1770B5094E}" dt="2024-10-29T13:41:41.646" v="293"/>
+        <pc:sldMkLst>
+          <pc:docMk/>
+          <pc:sldMk cId="102281822" sldId="274"/>
+        </pc:sldMkLst>
+        <pc:spChg chg="mod">
+          <ac:chgData name="Jörgen Damberg" userId="3defc36d214de914" providerId="LiveId" clId="{6319AD4F-FF93-4BD9-B412-AF1770B5094E}" dt="2024-10-29T13:41:36.787" v="291" actId="6549"/>
+          <ac:spMkLst>
+            <pc:docMk/>
+            <pc:sldMk cId="102281822" sldId="274"/>
+            <ac:spMk id="2" creationId="{404A466C-2979-B594-4FC6-2DE391364CE6}"/>
+          </ac:spMkLst>
+        </pc:spChg>
+        <pc:spChg chg="mod">
+          <ac:chgData name="Jörgen Damberg" userId="3defc36d214de914" providerId="LiveId" clId="{6319AD4F-FF93-4BD9-B412-AF1770B5094E}" dt="2024-10-29T13:41:33.153" v="290" actId="20577"/>
+          <ac:spMkLst>
+            <pc:docMk/>
+            <pc:sldMk cId="102281822" sldId="274"/>
+            <ac:spMk id="3" creationId="{D4ED046A-62F6-FEF1-D6CC-FF2A3D51334E}"/>
+          </ac:spMkLst>
+        </pc:spChg>
+      </pc:sldChg>
+      <pc:sldChg chg="ord">
+        <pc:chgData name="Jörgen Damberg" userId="3defc36d214de914" providerId="LiveId" clId="{6319AD4F-FF93-4BD9-B412-AF1770B5094E}" dt="2024-10-29T13:38:57.243" v="62"/>
+        <pc:sldMkLst>
+          <pc:docMk/>
+          <pc:sldMk cId="79354784" sldId="275"/>
+        </pc:sldMkLst>
+      </pc:sldChg>
+      <pc:sldChg chg="ord">
+        <pc:chgData name="Jörgen Damberg" userId="3defc36d214de914" providerId="LiveId" clId="{6319AD4F-FF93-4BD9-B412-AF1770B5094E}" dt="2024-10-29T13:41:58.823" v="295"/>
+        <pc:sldMkLst>
+          <pc:docMk/>
+          <pc:sldMk cId="430114465" sldId="276"/>
+        </pc:sldMkLst>
+      </pc:sldChg>
+      <pc:sldChg chg="addSp modSp mod modAnim">
+        <pc:chgData name="Jörgen Damberg" userId="3defc36d214de914" providerId="LiveId" clId="{6319AD4F-FF93-4BD9-B412-AF1770B5094E}" dt="2024-10-29T13:38:06.046" v="56"/>
+        <pc:sldMkLst>
+          <pc:docMk/>
+          <pc:sldMk cId="234574440" sldId="278"/>
+        </pc:sldMkLst>
+        <pc:spChg chg="add mod">
+          <ac:chgData name="Jörgen Damberg" userId="3defc36d214de914" providerId="LiveId" clId="{6319AD4F-FF93-4BD9-B412-AF1770B5094E}" dt="2024-10-29T13:38:02.417" v="55" actId="1036"/>
+          <ac:spMkLst>
+            <pc:docMk/>
+            <pc:sldMk cId="234574440" sldId="278"/>
+            <ac:spMk id="2" creationId="{3BB5D0A9-5502-6E05-B439-964A5EF16BDD}"/>
+          </ac:spMkLst>
+        </pc:spChg>
+        <pc:spChg chg="add mod">
+          <ac:chgData name="Jörgen Damberg" userId="3defc36d214de914" providerId="LiveId" clId="{6319AD4F-FF93-4BD9-B412-AF1770B5094E}" dt="2024-10-29T13:37:49.244" v="47" actId="1036"/>
+          <ac:spMkLst>
+            <pc:docMk/>
+            <pc:sldMk cId="234574440" sldId="278"/>
+            <ac:spMk id="3" creationId="{605002DC-FE37-32A9-9FDE-0DE2394B97CD}"/>
+          </ac:spMkLst>
+        </pc:spChg>
+      </pc:sldChg>
+      <pc:sldChg chg="ord">
+        <pc:chgData name="Jörgen Damberg" userId="3defc36d214de914" providerId="LiveId" clId="{6319AD4F-FF93-4BD9-B412-AF1770B5094E}" dt="2024-10-29T13:38:57.243" v="62"/>
+        <pc:sldMkLst>
+          <pc:docMk/>
+          <pc:sldMk cId="2619073819" sldId="280"/>
+        </pc:sldMkLst>
+      </pc:sldChg>
+      <pc:sldChg chg="addSp modSp new mod ord modAnim">
+        <pc:chgData name="Jörgen Damberg" userId="3defc36d214de914" providerId="LiveId" clId="{6319AD4F-FF93-4BD9-B412-AF1770B5094E}" dt="2024-10-29T13:40:52.758" v="214"/>
+        <pc:sldMkLst>
+          <pc:docMk/>
+          <pc:sldMk cId="92869228" sldId="286"/>
+        </pc:sldMkLst>
+        <pc:spChg chg="mod">
+          <ac:chgData name="Jörgen Damberg" userId="3defc36d214de914" providerId="LiveId" clId="{6319AD4F-FF93-4BD9-B412-AF1770B5094E}" dt="2024-10-29T13:40:14.906" v="156" actId="1036"/>
+          <ac:spMkLst>
+            <pc:docMk/>
+            <pc:sldMk cId="92869228" sldId="286"/>
+            <ac:spMk id="2" creationId="{89895B5C-8045-77D1-C18B-81A88B858017}"/>
+          </ac:spMkLst>
+        </pc:spChg>
+        <pc:spChg chg="add mod">
+          <ac:chgData name="Jörgen Damberg" userId="3defc36d214de914" providerId="LiveId" clId="{6319AD4F-FF93-4BD9-B412-AF1770B5094E}" dt="2024-10-29T13:40:20.168" v="208" actId="1036"/>
+          <ac:spMkLst>
+            <pc:docMk/>
+            <pc:sldMk cId="92869228" sldId="286"/>
+            <ac:spMk id="7" creationId="{7780F544-4E80-F39A-B975-08FFD0DDE0E0}"/>
+          </ac:spMkLst>
+        </pc:spChg>
+        <pc:picChg chg="add mod">
+          <ac:chgData name="Jörgen Damberg" userId="3defc36d214de914" providerId="LiveId" clId="{6319AD4F-FF93-4BD9-B412-AF1770B5094E}" dt="2024-10-29T13:40:07.395" v="68" actId="14100"/>
+          <ac:picMkLst>
+            <pc:docMk/>
+            <pc:sldMk cId="92869228" sldId="286"/>
+            <ac:picMk id="6" creationId="{B4C1A5E6-A563-09BC-C61D-3DED11B01681}"/>
+          </ac:picMkLst>
+        </pc:picChg>
+      </pc:sldChg>
+      <pc:sldChg chg="addSp delSp modSp new del mod ord">
+        <pc:chgData name="Jörgen Damberg" userId="3defc36d214de914" providerId="LiveId" clId="{6319AD4F-FF93-4BD9-B412-AF1770B5094E}" dt="2024-10-29T13:37:13.280" v="18" actId="47"/>
+        <pc:sldMkLst>
+          <pc:docMk/>
+          <pc:sldMk cId="589114669" sldId="286"/>
+        </pc:sldMkLst>
+        <pc:spChg chg="add del mod">
+          <ac:chgData name="Jörgen Damberg" userId="3defc36d214de914" providerId="LiveId" clId="{6319AD4F-FF93-4BD9-B412-AF1770B5094E}" dt="2024-10-29T13:37:11.294" v="17" actId="478"/>
+          <ac:spMkLst>
+            <pc:docMk/>
+            <pc:sldMk cId="589114669" sldId="286"/>
+            <ac:spMk id="2" creationId="{D8D3655A-5217-5331-1EB8-5EC51B2B4835}"/>
+          </ac:spMkLst>
+        </pc:spChg>
+        <pc:spChg chg="add del mod">
+          <ac:chgData name="Jörgen Damberg" userId="3defc36d214de914" providerId="LiveId" clId="{6319AD4F-FF93-4BD9-B412-AF1770B5094E}" dt="2024-10-29T13:37:09.906" v="16" actId="478"/>
+          <ac:spMkLst>
+            <pc:docMk/>
+            <pc:sldMk cId="589114669" sldId="286"/>
+            <ac:spMk id="3" creationId="{24B930DD-907D-62D8-6A10-33C67E69CC28}"/>
+          </ac:spMkLst>
+        </pc:spChg>
+      </pc:sldChg>
+      <pc:sldChg chg="new del">
+        <pc:chgData name="Jörgen Damberg" userId="3defc36d214de914" providerId="LiveId" clId="{6319AD4F-FF93-4BD9-B412-AF1770B5094E}" dt="2024-10-29T13:39:46.206" v="64" actId="47"/>
+        <pc:sldMkLst>
+          <pc:docMk/>
+          <pc:sldMk cId="1613205188" sldId="286"/>
+        </pc:sldMkLst>
+      </pc:sldChg>
+    </pc:docChg>
+  </pc:docChgLst>
+  <pc:docChgLst>
+    <pc:chgData name="Jörgen Damberg" userId="3defc36d214de914" providerId="LiveId" clId="{139EC1B9-3BB7-44F3-ABC5-C4D60C503EFE}"/>
+    <pc:docChg chg="undo custSel addSld delSld modSld sldOrd">
+      <pc:chgData name="Jörgen Damberg" userId="3defc36d214de914" providerId="LiveId" clId="{139EC1B9-3BB7-44F3-ABC5-C4D60C503EFE}" dt="2024-10-29T09:43:06.130" v="2189"/>
+      <pc:docMkLst>
+        <pc:docMk/>
+      </pc:docMkLst>
+      <pc:sldChg chg="addSp modSp mod modAnim">
+        <pc:chgData name="Jörgen Damberg" userId="3defc36d214de914" providerId="LiveId" clId="{139EC1B9-3BB7-44F3-ABC5-C4D60C503EFE}" dt="2024-10-29T08:50:24.561" v="1884"/>
+        <pc:sldMkLst>
+          <pc:docMk/>
+          <pc:sldMk cId="1068838018" sldId="268"/>
+        </pc:sldMkLst>
+        <pc:spChg chg="mod">
+          <ac:chgData name="Jörgen Damberg" userId="3defc36d214de914" providerId="LiveId" clId="{139EC1B9-3BB7-44F3-ABC5-C4D60C503EFE}" dt="2024-10-29T08:50:14.375" v="1880" actId="20577"/>
+          <ac:spMkLst>
+            <pc:docMk/>
+            <pc:sldMk cId="1068838018" sldId="268"/>
+            <ac:spMk id="2" creationId="{457297FD-8CF2-1D28-3B95-58E01FA1D69D}"/>
+          </ac:spMkLst>
+        </pc:spChg>
+        <pc:picChg chg="add mod">
+          <ac:chgData name="Jörgen Damberg" userId="3defc36d214de914" providerId="LiveId" clId="{139EC1B9-3BB7-44F3-ABC5-C4D60C503EFE}" dt="2024-10-29T08:50:20.386" v="1883" actId="1076"/>
+          <ac:picMkLst>
+            <pc:docMk/>
+            <pc:sldMk cId="1068838018" sldId="268"/>
+            <ac:picMk id="5" creationId="{7BC52BD8-5943-37C9-1F62-D2BB5F63876C}"/>
+          </ac:picMkLst>
+        </pc:picChg>
+      </pc:sldChg>
+      <pc:sldChg chg="ord">
+        <pc:chgData name="Jörgen Damberg" userId="3defc36d214de914" providerId="LiveId" clId="{139EC1B9-3BB7-44F3-ABC5-C4D60C503EFE}" dt="2024-10-29T08:32:54.465" v="1306"/>
+        <pc:sldMkLst>
+          <pc:docMk/>
+          <pc:sldMk cId="2729233413" sldId="269"/>
+        </pc:sldMkLst>
+      </pc:sldChg>
+      <pc:sldChg chg="ord">
+        <pc:chgData name="Jörgen Damberg" userId="3defc36d214de914" providerId="LiveId" clId="{139EC1B9-3BB7-44F3-ABC5-C4D60C503EFE}" dt="2024-10-29T09:39:30.528" v="2103"/>
         <pc:sldMkLst>
           <pc:docMk/>
           <pc:sldMk cId="424267287" sldId="270"/>
         </pc:sldMkLst>
+      </pc:sldChg>
+      <pc:sldChg chg="addSp modSp mod ord modAnim">
+        <pc:chgData name="Jörgen Damberg" userId="3defc36d214de914" providerId="LiveId" clId="{139EC1B9-3BB7-44F3-ABC5-C4D60C503EFE}" dt="2024-10-29T09:42:48.251" v="2187" actId="1038"/>
+        <pc:sldMkLst>
+          <pc:docMk/>
+          <pc:sldMk cId="2331929315" sldId="271"/>
+        </pc:sldMkLst>
         <pc:spChg chg="mod">
-          <ac:chgData name="Jörgen Damberg" userId="3defc36d214de914" providerId="LiveId" clId="{13D1519E-2324-405D-B17D-59724E0013EE}" dt="2023-11-21T13:57:44.624" v="252" actId="20577"/>
+          <ac:chgData name="Jörgen Damberg" userId="3defc36d214de914" providerId="LiveId" clId="{139EC1B9-3BB7-44F3-ABC5-C4D60C503EFE}" dt="2024-10-29T09:42:14.815" v="2114" actId="14100"/>
           <ac:spMkLst>
             <pc:docMk/>
-            <pc:sldMk cId="424267287" sldId="270"/>
-            <ac:spMk id="3" creationId="{E1B42C95-383B-00B8-90BE-437EB7052B07}"/>
+            <pc:sldMk cId="2331929315" sldId="271"/>
+            <ac:spMk id="3" creationId="{C1313DEB-322D-2CB5-1B34-D3A79AD73A9D}"/>
           </ac:spMkLst>
         </pc:spChg>
+        <pc:spChg chg="add mod">
+          <ac:chgData name="Jörgen Damberg" userId="3defc36d214de914" providerId="LiveId" clId="{139EC1B9-3BB7-44F3-ABC5-C4D60C503EFE}" dt="2024-10-29T09:42:48.251" v="2187" actId="1038"/>
+          <ac:spMkLst>
+            <pc:docMk/>
+            <pc:sldMk cId="2331929315" sldId="271"/>
+            <ac:spMk id="7" creationId="{7780F544-4E80-F39A-B975-08FFD0DDE0E0}"/>
+          </ac:spMkLst>
+        </pc:spChg>
+        <pc:picChg chg="add mod">
+          <ac:chgData name="Jörgen Damberg" userId="3defc36d214de914" providerId="LiveId" clId="{139EC1B9-3BB7-44F3-ABC5-C4D60C503EFE}" dt="2024-10-29T09:42:07.846" v="2113" actId="1076"/>
+          <ac:picMkLst>
+            <pc:docMk/>
+            <pc:sldMk cId="2331929315" sldId="271"/>
+            <ac:picMk id="6" creationId="{B4C1A5E6-A563-09BC-C61D-3DED11B01681}"/>
+          </ac:picMkLst>
+        </pc:picChg>
+      </pc:sldChg>
+      <pc:sldChg chg="ord">
+        <pc:chgData name="Jörgen Damberg" userId="3defc36d214de914" providerId="LiveId" clId="{139EC1B9-3BB7-44F3-ABC5-C4D60C503EFE}" dt="2024-10-29T09:39:53.631" v="2109"/>
+        <pc:sldMkLst>
+          <pc:docMk/>
+          <pc:sldMk cId="2340791043" sldId="272"/>
+        </pc:sldMkLst>
+      </pc:sldChg>
+      <pc:sldChg chg="addSp modSp mod ord">
+        <pc:chgData name="Jörgen Damberg" userId="3defc36d214de914" providerId="LiveId" clId="{139EC1B9-3BB7-44F3-ABC5-C4D60C503EFE}" dt="2024-10-29T08:32:43.708" v="1302"/>
+        <pc:sldMkLst>
+          <pc:docMk/>
+          <pc:sldMk cId="1635395493" sldId="273"/>
+        </pc:sldMkLst>
+        <pc:picChg chg="add mod">
+          <ac:chgData name="Jörgen Damberg" userId="3defc36d214de914" providerId="LiveId" clId="{139EC1B9-3BB7-44F3-ABC5-C4D60C503EFE}" dt="2024-10-29T07:49:38.442" v="81"/>
+          <ac:picMkLst>
+            <pc:docMk/>
+            <pc:sldMk cId="1635395493" sldId="273"/>
+            <ac:picMk id="8" creationId="{ABF4A914-6F12-0BF0-1C00-C3B1882557DE}"/>
+          </ac:picMkLst>
+        </pc:picChg>
+      </pc:sldChg>
+      <pc:sldChg chg="ord">
+        <pc:chgData name="Jörgen Damberg" userId="3defc36d214de914" providerId="LiveId" clId="{139EC1B9-3BB7-44F3-ABC5-C4D60C503EFE}" dt="2024-10-29T07:55:55.436" v="121"/>
+        <pc:sldMkLst>
+          <pc:docMk/>
+          <pc:sldMk cId="79354784" sldId="275"/>
+        </pc:sldMkLst>
+      </pc:sldChg>
+      <pc:sldChg chg="ord">
+        <pc:chgData name="Jörgen Damberg" userId="3defc36d214de914" providerId="LiveId" clId="{139EC1B9-3BB7-44F3-ABC5-C4D60C503EFE}" dt="2024-10-29T09:39:48.564" v="2107"/>
+        <pc:sldMkLst>
+          <pc:docMk/>
+          <pc:sldMk cId="430114465" sldId="276"/>
+        </pc:sldMkLst>
+      </pc:sldChg>
+      <pc:sldChg chg="addSp delSp modSp new mod modAnim">
+        <pc:chgData name="Jörgen Damberg" userId="3defc36d214de914" providerId="LiveId" clId="{139EC1B9-3BB7-44F3-ABC5-C4D60C503EFE}" dt="2024-10-29T08:30:14.861" v="1167" actId="21"/>
+        <pc:sldMkLst>
+          <pc:docMk/>
+          <pc:sldMk cId="4134515106" sldId="277"/>
+        </pc:sldMkLst>
+        <pc:spChg chg="mod">
+          <ac:chgData name="Jörgen Damberg" userId="3defc36d214de914" providerId="LiveId" clId="{139EC1B9-3BB7-44F3-ABC5-C4D60C503EFE}" dt="2024-10-29T07:47:38.053" v="14" actId="20577"/>
+          <ac:spMkLst>
+            <pc:docMk/>
+            <pc:sldMk cId="4134515106" sldId="277"/>
+            <ac:spMk id="2" creationId="{3183D83B-D714-067A-4216-BFFCCBFBB881}"/>
+          </ac:spMkLst>
+        </pc:spChg>
+        <pc:spChg chg="mod">
+          <ac:chgData name="Jörgen Damberg" userId="3defc36d214de914" providerId="LiveId" clId="{139EC1B9-3BB7-44F3-ABC5-C4D60C503EFE}" dt="2024-10-29T07:48:01.580" v="74" actId="20577"/>
+          <ac:spMkLst>
+            <pc:docMk/>
+            <pc:sldMk cId="4134515106" sldId="277"/>
+            <ac:spMk id="3" creationId="{FB095E4E-B66C-87BA-1FA3-6BCDA0D951B7}"/>
+          </ac:spMkLst>
+        </pc:spChg>
+        <pc:picChg chg="add del mod">
+          <ac:chgData name="Jörgen Damberg" userId="3defc36d214de914" providerId="LiveId" clId="{139EC1B9-3BB7-44F3-ABC5-C4D60C503EFE}" dt="2024-10-29T08:30:14.861" v="1167" actId="21"/>
+          <ac:picMkLst>
+            <pc:docMk/>
+            <pc:sldMk cId="4134515106" sldId="277"/>
+            <ac:picMk id="2050" creationId="{35A7A9CF-ADA5-3FFE-EA7D-FCD049FA046A}"/>
+          </ac:picMkLst>
+        </pc:picChg>
+      </pc:sldChg>
+      <pc:sldChg chg="addSp delSp modSp new mod ord modAnim">
+        <pc:chgData name="Jörgen Damberg" userId="3defc36d214de914" providerId="LiveId" clId="{139EC1B9-3BB7-44F3-ABC5-C4D60C503EFE}" dt="2024-10-29T08:21:35.432" v="915" actId="207"/>
+        <pc:sldMkLst>
+          <pc:docMk/>
+          <pc:sldMk cId="234574440" sldId="278"/>
+        </pc:sldMkLst>
+        <pc:spChg chg="add mod">
+          <ac:chgData name="Jörgen Damberg" userId="3defc36d214de914" providerId="LiveId" clId="{139EC1B9-3BB7-44F3-ABC5-C4D60C503EFE}" dt="2024-10-29T08:15:42.610" v="677" actId="1036"/>
+          <ac:spMkLst>
+            <pc:docMk/>
+            <pc:sldMk cId="234574440" sldId="278"/>
+            <ac:spMk id="4" creationId="{6F342DBC-59AB-022E-6986-56A99960E71D}"/>
+          </ac:spMkLst>
+        </pc:spChg>
+        <pc:spChg chg="add mod ord">
+          <ac:chgData name="Jörgen Damberg" userId="3defc36d214de914" providerId="LiveId" clId="{139EC1B9-3BB7-44F3-ABC5-C4D60C503EFE}" dt="2024-10-29T08:15:42.610" v="677" actId="1036"/>
+          <ac:spMkLst>
+            <pc:docMk/>
+            <pc:sldMk cId="234574440" sldId="278"/>
+            <ac:spMk id="5" creationId="{5245ED24-7690-2FCB-D2E9-C8911E7D0324}"/>
+          </ac:spMkLst>
+        </pc:spChg>
+        <pc:spChg chg="add mod">
+          <ac:chgData name="Jörgen Damberg" userId="3defc36d214de914" providerId="LiveId" clId="{139EC1B9-3BB7-44F3-ABC5-C4D60C503EFE}" dt="2024-10-29T08:15:42.610" v="677" actId="1036"/>
+          <ac:spMkLst>
+            <pc:docMk/>
+            <pc:sldMk cId="234574440" sldId="278"/>
+            <ac:spMk id="6" creationId="{43FCEBA6-F044-A5DD-11A9-5E0D5C79E71A}"/>
+          </ac:spMkLst>
+        </pc:spChg>
+        <pc:spChg chg="add mod">
+          <ac:chgData name="Jörgen Damberg" userId="3defc36d214de914" providerId="LiveId" clId="{139EC1B9-3BB7-44F3-ABC5-C4D60C503EFE}" dt="2024-10-29T08:15:42.610" v="677" actId="1036"/>
+          <ac:spMkLst>
+            <pc:docMk/>
+            <pc:sldMk cId="234574440" sldId="278"/>
+            <ac:spMk id="7" creationId="{853EFF92-935B-FA8B-74E6-B475E73816DB}"/>
+          </ac:spMkLst>
+        </pc:spChg>
+        <pc:spChg chg="add mod">
+          <ac:chgData name="Jörgen Damberg" userId="3defc36d214de914" providerId="LiveId" clId="{139EC1B9-3BB7-44F3-ABC5-C4D60C503EFE}" dt="2024-10-29T08:15:42.610" v="677" actId="1036"/>
+          <ac:spMkLst>
+            <pc:docMk/>
+            <pc:sldMk cId="234574440" sldId="278"/>
+            <ac:spMk id="8" creationId="{2A030D92-A7F4-B7D8-0CE3-D6AC94FA2B99}"/>
+          </ac:spMkLst>
+        </pc:spChg>
+        <pc:spChg chg="add mod">
+          <ac:chgData name="Jörgen Damberg" userId="3defc36d214de914" providerId="LiveId" clId="{139EC1B9-3BB7-44F3-ABC5-C4D60C503EFE}" dt="2024-10-29T08:15:42.610" v="677" actId="1036"/>
+          <ac:spMkLst>
+            <pc:docMk/>
+            <pc:sldMk cId="234574440" sldId="278"/>
+            <ac:spMk id="9" creationId="{28F6418B-5302-D0F8-24D1-5C70EFD381E6}"/>
+          </ac:spMkLst>
+        </pc:spChg>
+        <pc:spChg chg="add mod ord">
+          <ac:chgData name="Jörgen Damberg" userId="3defc36d214de914" providerId="LiveId" clId="{139EC1B9-3BB7-44F3-ABC5-C4D60C503EFE}" dt="2024-10-29T08:15:42.610" v="677" actId="1036"/>
+          <ac:spMkLst>
+            <pc:docMk/>
+            <pc:sldMk cId="234574440" sldId="278"/>
+            <ac:spMk id="10" creationId="{9A61BA2C-C827-5FE4-8504-488F507F2624}"/>
+          </ac:spMkLst>
+        </pc:spChg>
+        <pc:spChg chg="add mod">
+          <ac:chgData name="Jörgen Damberg" userId="3defc36d214de914" providerId="LiveId" clId="{139EC1B9-3BB7-44F3-ABC5-C4D60C503EFE}" dt="2024-10-29T08:19:15.273" v="708" actId="1037"/>
+          <ac:spMkLst>
+            <pc:docMk/>
+            <pc:sldMk cId="234574440" sldId="278"/>
+            <ac:spMk id="11" creationId="{C4EFB30B-0D58-9125-96A5-0CD3A6C47858}"/>
+          </ac:spMkLst>
+        </pc:spChg>
+        <pc:spChg chg="add mod ord">
+          <ac:chgData name="Jörgen Damberg" userId="3defc36d214de914" providerId="LiveId" clId="{139EC1B9-3BB7-44F3-ABC5-C4D60C503EFE}" dt="2024-10-29T08:21:35.432" v="915" actId="207"/>
+          <ac:spMkLst>
+            <pc:docMk/>
+            <pc:sldMk cId="234574440" sldId="278"/>
+            <ac:spMk id="12" creationId="{60595978-949D-19D1-D70D-6ADBE749725F}"/>
+          </ac:spMkLst>
+        </pc:spChg>
+        <pc:spChg chg="add del mod topLvl">
+          <ac:chgData name="Jörgen Damberg" userId="3defc36d214de914" providerId="LiveId" clId="{139EC1B9-3BB7-44F3-ABC5-C4D60C503EFE}" dt="2024-10-29T08:13:31.419" v="361"/>
+          <ac:spMkLst>
+            <pc:docMk/>
+            <pc:sldMk cId="234574440" sldId="278"/>
+            <ac:spMk id="13" creationId="{E471F75F-637A-62F8-124F-D2B7495D486E}"/>
+          </ac:spMkLst>
+        </pc:spChg>
+        <pc:spChg chg="add del mod topLvl">
+          <ac:chgData name="Jörgen Damberg" userId="3defc36d214de914" providerId="LiveId" clId="{139EC1B9-3BB7-44F3-ABC5-C4D60C503EFE}" dt="2024-10-29T08:13:31.419" v="361"/>
+          <ac:spMkLst>
+            <pc:docMk/>
+            <pc:sldMk cId="234574440" sldId="278"/>
+            <ac:spMk id="14" creationId="{A2D3F7FA-8615-32A6-761D-71F26844A751}"/>
+          </ac:spMkLst>
+        </pc:spChg>
+        <pc:spChg chg="add mod ord">
+          <ac:chgData name="Jörgen Damberg" userId="3defc36d214de914" providerId="LiveId" clId="{139EC1B9-3BB7-44F3-ABC5-C4D60C503EFE}" dt="2024-10-29T08:21:10.200" v="913" actId="14100"/>
+          <ac:spMkLst>
+            <pc:docMk/>
+            <pc:sldMk cId="234574440" sldId="278"/>
+            <ac:spMk id="15" creationId="{36F335F6-ED7F-BB83-F867-6053E65596F8}"/>
+          </ac:spMkLst>
+        </pc:spChg>
+        <pc:spChg chg="mod">
+          <ac:chgData name="Jörgen Damberg" userId="3defc36d214de914" providerId="LiveId" clId="{139EC1B9-3BB7-44F3-ABC5-C4D60C503EFE}" dt="2024-10-29T08:15:42.610" v="677" actId="1036"/>
+          <ac:spMkLst>
+            <pc:docMk/>
+            <pc:sldMk cId="234574440" sldId="278"/>
+            <ac:spMk id="17" creationId="{B5BB1B7A-BD37-F5D3-BC68-8D29072DB8A7}"/>
+          </ac:spMkLst>
+        </pc:spChg>
+        <pc:spChg chg="add mod">
+          <ac:chgData name="Jörgen Damberg" userId="3defc36d214de914" providerId="LiveId" clId="{139EC1B9-3BB7-44F3-ABC5-C4D60C503EFE}" dt="2024-10-29T08:15:42.610" v="677" actId="1036"/>
+          <ac:spMkLst>
+            <pc:docMk/>
+            <pc:sldMk cId="234574440" sldId="278"/>
+            <ac:spMk id="18" creationId="{82F49004-C08E-F260-6D0F-4F917FCA353D}"/>
+          </ac:spMkLst>
+        </pc:spChg>
+        <pc:spChg chg="add mod">
+          <ac:chgData name="Jörgen Damberg" userId="3defc36d214de914" providerId="LiveId" clId="{139EC1B9-3BB7-44F3-ABC5-C4D60C503EFE}" dt="2024-10-29T08:15:56.747" v="681" actId="14100"/>
+          <ac:spMkLst>
+            <pc:docMk/>
+            <pc:sldMk cId="234574440" sldId="278"/>
+            <ac:spMk id="19" creationId="{768BE6D7-FAED-7CC8-9CEF-F2A554494303}"/>
+          </ac:spMkLst>
+        </pc:spChg>
+        <pc:spChg chg="add mod">
+          <ac:chgData name="Jörgen Damberg" userId="3defc36d214de914" providerId="LiveId" clId="{139EC1B9-3BB7-44F3-ABC5-C4D60C503EFE}" dt="2024-10-29T08:19:56.910" v="811" actId="1036"/>
+          <ac:spMkLst>
+            <pc:docMk/>
+            <pc:sldMk cId="234574440" sldId="278"/>
+            <ac:spMk id="20" creationId="{2BF782B6-EBEF-11D6-109A-3CBF72B3D252}"/>
+          </ac:spMkLst>
+        </pc:spChg>
+        <pc:spChg chg="add mod">
+          <ac:chgData name="Jörgen Damberg" userId="3defc36d214de914" providerId="LiveId" clId="{139EC1B9-3BB7-44F3-ABC5-C4D60C503EFE}" dt="2024-10-29T08:21:05.571" v="912" actId="1076"/>
+          <ac:spMkLst>
+            <pc:docMk/>
+            <pc:sldMk cId="234574440" sldId="278"/>
+            <ac:spMk id="21" creationId="{88313303-9D5C-F407-72C5-60D8055C9C8D}"/>
+          </ac:spMkLst>
+        </pc:spChg>
+        <pc:grpChg chg="add del mod">
+          <ac:chgData name="Jörgen Damberg" userId="3defc36d214de914" providerId="LiveId" clId="{139EC1B9-3BB7-44F3-ABC5-C4D60C503EFE}" dt="2024-10-29T08:13:21.399" v="360" actId="165"/>
+          <ac:grpSpMkLst>
+            <pc:docMk/>
+            <pc:sldMk cId="234574440" sldId="278"/>
+            <ac:grpSpMk id="16" creationId="{FD6B722E-E027-2B05-DD34-07C3606D8314}"/>
+          </ac:grpSpMkLst>
+        </pc:grpChg>
+        <pc:picChg chg="add mod">
+          <ac:chgData name="Jörgen Damberg" userId="3defc36d214de914" providerId="LiveId" clId="{139EC1B9-3BB7-44F3-ABC5-C4D60C503EFE}" dt="2024-10-29T07:49:43.797" v="86"/>
+          <ac:picMkLst>
+            <pc:docMk/>
+            <pc:sldMk cId="234574440" sldId="278"/>
+            <ac:picMk id="3" creationId="{13CDD145-D2A7-4C10-A731-EC1530C9D26A}"/>
+          </ac:picMkLst>
+        </pc:picChg>
+      </pc:sldChg>
+      <pc:sldChg chg="addSp delSp modSp new mod ord">
+        <pc:chgData name="Jörgen Damberg" userId="3defc36d214de914" providerId="LiveId" clId="{139EC1B9-3BB7-44F3-ABC5-C4D60C503EFE}" dt="2024-10-29T08:32:50.148" v="1304"/>
+        <pc:sldMkLst>
+          <pc:docMk/>
+          <pc:sldMk cId="2723589595" sldId="279"/>
+        </pc:sldMkLst>
+        <pc:spChg chg="del">
+          <ac:chgData name="Jörgen Damberg" userId="3defc36d214de914" providerId="LiveId" clId="{139EC1B9-3BB7-44F3-ABC5-C4D60C503EFE}" dt="2024-10-29T07:49:48.377" v="88"/>
+          <ac:spMkLst>
+            <pc:docMk/>
+            <pc:sldMk cId="2723589595" sldId="279"/>
+            <ac:spMk id="4" creationId="{F3447F11-37C9-AFD6-6C87-904498A18767}"/>
+          </ac:spMkLst>
+        </pc:spChg>
+        <pc:picChg chg="add mod">
+          <ac:chgData name="Jörgen Damberg" userId="3defc36d214de914" providerId="LiveId" clId="{139EC1B9-3BB7-44F3-ABC5-C4D60C503EFE}" dt="2024-10-29T07:50:00.398" v="93" actId="1076"/>
+          <ac:picMkLst>
+            <pc:docMk/>
+            <pc:sldMk cId="2723589595" sldId="279"/>
+            <ac:picMk id="7" creationId="{76A1C8E6-66F6-A58F-DC33-A8CE8F5FFB45}"/>
+          </ac:picMkLst>
+        </pc:picChg>
+      </pc:sldChg>
+      <pc:sldChg chg="addSp delSp modSp new mod">
+        <pc:chgData name="Jörgen Damberg" userId="3defc36d214de914" providerId="LiveId" clId="{139EC1B9-3BB7-44F3-ABC5-C4D60C503EFE}" dt="2024-10-29T07:51:32.103" v="117" actId="478"/>
+        <pc:sldMkLst>
+          <pc:docMk/>
+          <pc:sldMk cId="2619073819" sldId="280"/>
+        </pc:sldMkLst>
+        <pc:spChg chg="mod ord">
+          <ac:chgData name="Jörgen Damberg" userId="3defc36d214de914" providerId="LiveId" clId="{139EC1B9-3BB7-44F3-ABC5-C4D60C503EFE}" dt="2024-10-29T07:51:24.611" v="114" actId="166"/>
+          <ac:spMkLst>
+            <pc:docMk/>
+            <pc:sldMk cId="2619073819" sldId="280"/>
+            <ac:spMk id="2" creationId="{7BCD8967-68D0-B132-0468-08B0C6072C15}"/>
+          </ac:spMkLst>
+        </pc:spChg>
+        <pc:spChg chg="del mod">
+          <ac:chgData name="Jörgen Damberg" userId="3defc36d214de914" providerId="LiveId" clId="{139EC1B9-3BB7-44F3-ABC5-C4D60C503EFE}" dt="2024-10-29T07:51:32.103" v="117" actId="478"/>
+          <ac:spMkLst>
+            <pc:docMk/>
+            <pc:sldMk cId="2619073819" sldId="280"/>
+            <ac:spMk id="3" creationId="{E473EB0E-FDE1-8424-BC2E-ED581A197CC5}"/>
+          </ac:spMkLst>
+        </pc:spChg>
+        <pc:spChg chg="del">
+          <ac:chgData name="Jörgen Damberg" userId="3defc36d214de914" providerId="LiveId" clId="{139EC1B9-3BB7-44F3-ABC5-C4D60C503EFE}" dt="2024-10-29T07:51:05.887" v="95"/>
+          <ac:spMkLst>
+            <pc:docMk/>
+            <pc:sldMk cId="2619073819" sldId="280"/>
+            <ac:spMk id="4" creationId="{840648CC-7751-DFAA-30D3-3350C188C6C1}"/>
+          </ac:spMkLst>
+        </pc:spChg>
+        <pc:picChg chg="add mod">
+          <ac:chgData name="Jörgen Damberg" userId="3defc36d214de914" providerId="LiveId" clId="{139EC1B9-3BB7-44F3-ABC5-C4D60C503EFE}" dt="2024-10-29T07:51:16.111" v="99" actId="1076"/>
+          <ac:picMkLst>
+            <pc:docMk/>
+            <pc:sldMk cId="2619073819" sldId="280"/>
+            <ac:picMk id="7" creationId="{AA403BDD-70BA-89C6-D428-8DEADA3D974D}"/>
+          </ac:picMkLst>
+        </pc:picChg>
+      </pc:sldChg>
+      <pc:sldChg chg="addSp modSp new mod modAnim">
+        <pc:chgData name="Jörgen Damberg" userId="3defc36d214de914" providerId="LiveId" clId="{139EC1B9-3BB7-44F3-ABC5-C4D60C503EFE}" dt="2024-10-29T08:28:52.741" v="1128"/>
+        <pc:sldMkLst>
+          <pc:docMk/>
+          <pc:sldMk cId="2272486956" sldId="281"/>
+        </pc:sldMkLst>
+        <pc:spChg chg="mod">
+          <ac:chgData name="Jörgen Damberg" userId="3defc36d214de914" providerId="LiveId" clId="{139EC1B9-3BB7-44F3-ABC5-C4D60C503EFE}" dt="2024-10-29T08:26:36.357" v="937" actId="20577"/>
+          <ac:spMkLst>
+            <pc:docMk/>
+            <pc:sldMk cId="2272486956" sldId="281"/>
+            <ac:spMk id="2" creationId="{3FD58D68-9634-5213-79AE-988D5CFE2DA9}"/>
+          </ac:spMkLst>
+        </pc:spChg>
+        <pc:spChg chg="mod">
+          <ac:chgData name="Jörgen Damberg" userId="3defc36d214de914" providerId="LiveId" clId="{139EC1B9-3BB7-44F3-ABC5-C4D60C503EFE}" dt="2024-10-29T08:28:38.305" v="1126" actId="12"/>
+          <ac:spMkLst>
+            <pc:docMk/>
+            <pc:sldMk cId="2272486956" sldId="281"/>
+            <ac:spMk id="3" creationId="{B2EC5810-D9E2-0D8D-1DA9-C13608F9D3EF}"/>
+          </ac:spMkLst>
+        </pc:spChg>
+        <pc:picChg chg="add mod">
+          <ac:chgData name="Jörgen Damberg" userId="3defc36d214de914" providerId="LiveId" clId="{139EC1B9-3BB7-44F3-ABC5-C4D60C503EFE}" dt="2024-10-29T08:27:59.823" v="1066" actId="1036"/>
+          <ac:picMkLst>
+            <pc:docMk/>
+            <pc:sldMk cId="2272486956" sldId="281"/>
+            <ac:picMk id="1026" creationId="{C29031F2-6771-F4B9-6526-EBAE4DED4608}"/>
+          </ac:picMkLst>
+        </pc:picChg>
+      </pc:sldChg>
+      <pc:sldChg chg="addSp delSp modSp new add del mod modAnim">
+        <pc:chgData name="Jörgen Damberg" userId="3defc36d214de914" providerId="LiveId" clId="{139EC1B9-3BB7-44F3-ABC5-C4D60C503EFE}" dt="2024-10-29T08:46:03.001" v="1872" actId="403"/>
+        <pc:sldMkLst>
+          <pc:docMk/>
+          <pc:sldMk cId="1062604321" sldId="282"/>
+        </pc:sldMkLst>
+        <pc:spChg chg="mod">
+          <ac:chgData name="Jörgen Damberg" userId="3defc36d214de914" providerId="LiveId" clId="{139EC1B9-3BB7-44F3-ABC5-C4D60C503EFE}" dt="2024-10-29T08:29:18.561" v="1164" actId="20577"/>
+          <ac:spMkLst>
+            <pc:docMk/>
+            <pc:sldMk cId="1062604321" sldId="282"/>
+            <ac:spMk id="2" creationId="{A448B92B-1857-1736-AF26-726EC3892882}"/>
+          </ac:spMkLst>
+        </pc:spChg>
+        <pc:spChg chg="del">
+          <ac:chgData name="Jörgen Damberg" userId="3defc36d214de914" providerId="LiveId" clId="{139EC1B9-3BB7-44F3-ABC5-C4D60C503EFE}" dt="2024-10-29T08:45:15.821" v="1788" actId="478"/>
+          <ac:spMkLst>
+            <pc:docMk/>
+            <pc:sldMk cId="1062604321" sldId="282"/>
+            <ac:spMk id="3" creationId="{9928D504-C401-89EE-BD29-CF327AF0B91D}"/>
+          </ac:spMkLst>
+        </pc:spChg>
+        <pc:spChg chg="add">
+          <ac:chgData name="Jörgen Damberg" userId="3defc36d214de914" providerId="LiveId" clId="{139EC1B9-3BB7-44F3-ABC5-C4D60C503EFE}" dt="2024-10-29T08:39:57.400" v="1440"/>
+          <ac:spMkLst>
+            <pc:docMk/>
+            <pc:sldMk cId="1062604321" sldId="282"/>
+            <ac:spMk id="8" creationId="{FBD8D4EB-C5B4-4F49-3942-0ED8E4905AA2}"/>
+          </ac:spMkLst>
+        </pc:spChg>
+        <pc:graphicFrameChg chg="add del modGraphic">
+          <ac:chgData name="Jörgen Damberg" userId="3defc36d214de914" providerId="LiveId" clId="{139EC1B9-3BB7-44F3-ABC5-C4D60C503EFE}" dt="2024-10-29T08:38:42.754" v="1402" actId="478"/>
+          <ac:graphicFrameMkLst>
+            <pc:docMk/>
+            <pc:sldMk cId="1062604321" sldId="282"/>
+            <ac:graphicFrameMk id="5" creationId="{1D4BF3F8-D811-2F52-4F2C-1AFFA07E5549}"/>
+          </ac:graphicFrameMkLst>
+        </pc:graphicFrameChg>
+        <pc:graphicFrameChg chg="add del">
+          <ac:chgData name="Jörgen Damberg" userId="3defc36d214de914" providerId="LiveId" clId="{139EC1B9-3BB7-44F3-ABC5-C4D60C503EFE}" dt="2024-10-29T08:38:53.266" v="1404" actId="3680"/>
+          <ac:graphicFrameMkLst>
+            <pc:docMk/>
+            <pc:sldMk cId="1062604321" sldId="282"/>
+            <ac:graphicFrameMk id="6" creationId="{32BF44FA-FBEA-B041-9C37-FAD1C5B3CF12}"/>
+          </ac:graphicFrameMkLst>
+        </pc:graphicFrameChg>
+        <pc:graphicFrameChg chg="add mod ord modGraphic">
+          <ac:chgData name="Jörgen Damberg" userId="3defc36d214de914" providerId="LiveId" clId="{139EC1B9-3BB7-44F3-ABC5-C4D60C503EFE}" dt="2024-10-29T08:46:03.001" v="1872" actId="403"/>
+          <ac:graphicFrameMkLst>
+            <pc:docMk/>
+            <pc:sldMk cId="1062604321" sldId="282"/>
+            <ac:graphicFrameMk id="7" creationId="{984708F4-F3C6-27B6-EE15-3B032E9B29CD}"/>
+          </ac:graphicFrameMkLst>
+        </pc:graphicFrameChg>
+        <pc:picChg chg="add mod">
+          <ac:chgData name="Jörgen Damberg" userId="3defc36d214de914" providerId="LiveId" clId="{139EC1B9-3BB7-44F3-ABC5-C4D60C503EFE}" dt="2024-10-29T08:45:23.259" v="1826" actId="1036"/>
+          <ac:picMkLst>
+            <pc:docMk/>
+            <pc:sldMk cId="1062604321" sldId="282"/>
+            <ac:picMk id="9" creationId="{CFA69F99-111A-ED32-3E10-977B20819E56}"/>
+          </ac:picMkLst>
+        </pc:picChg>
+        <pc:picChg chg="add mod ord">
+          <ac:chgData name="Jörgen Damberg" userId="3defc36d214de914" providerId="LiveId" clId="{139EC1B9-3BB7-44F3-ABC5-C4D60C503EFE}" dt="2024-10-29T08:45:41.586" v="1844" actId="167"/>
+          <ac:picMkLst>
+            <pc:docMk/>
+            <pc:sldMk cId="1062604321" sldId="282"/>
+            <ac:picMk id="11" creationId="{4F6F9ECF-B166-9663-DBF2-15659C1B0D89}"/>
+          </ac:picMkLst>
+        </pc:picChg>
+        <pc:picChg chg="add del">
+          <ac:chgData name="Jörgen Damberg" userId="3defc36d214de914" providerId="LiveId" clId="{139EC1B9-3BB7-44F3-ABC5-C4D60C503EFE}" dt="2024-10-29T08:44:30.442" v="1783" actId="21"/>
+          <ac:picMkLst>
+            <pc:docMk/>
+            <pc:sldMk cId="1062604321" sldId="282"/>
+            <ac:picMk id="5124" creationId="{F1CC4611-7783-BBEE-E123-1A412B92B135}"/>
+          </ac:picMkLst>
+        </pc:picChg>
+      </pc:sldChg>
+      <pc:sldChg chg="addSp delSp modSp new mod modAnim">
+        <pc:chgData name="Jörgen Damberg" userId="3defc36d214de914" providerId="LiveId" clId="{139EC1B9-3BB7-44F3-ABC5-C4D60C503EFE}" dt="2024-10-29T08:58:49.427" v="2101"/>
+        <pc:sldMkLst>
+          <pc:docMk/>
+          <pc:sldMk cId="3215299412" sldId="283"/>
+        </pc:sldMkLst>
+        <pc:spChg chg="mod">
+          <ac:chgData name="Jörgen Damberg" userId="3defc36d214de914" providerId="LiveId" clId="{139EC1B9-3BB7-44F3-ABC5-C4D60C503EFE}" dt="2024-10-29T08:32:37.869" v="1300" actId="14100"/>
+          <ac:spMkLst>
+            <pc:docMk/>
+            <pc:sldMk cId="3215299412" sldId="283"/>
+            <ac:spMk id="2" creationId="{EE7030B2-3EA4-47D4-1B57-AB95C977688C}"/>
+          </ac:spMkLst>
+        </pc:spChg>
+        <pc:spChg chg="del">
+          <ac:chgData name="Jörgen Damberg" userId="3defc36d214de914" providerId="LiveId" clId="{139EC1B9-3BB7-44F3-ABC5-C4D60C503EFE}" dt="2024-10-29T08:32:09.889" v="1184" actId="478"/>
+          <ac:spMkLst>
+            <pc:docMk/>
+            <pc:sldMk cId="3215299412" sldId="283"/>
+            <ac:spMk id="3" creationId="{60A9AA6C-DD52-435B-F0CB-C3107C224BA7}"/>
+          </ac:spMkLst>
+        </pc:spChg>
+        <pc:picChg chg="add mod">
+          <ac:chgData name="Jörgen Damberg" userId="3defc36d214de914" providerId="LiveId" clId="{139EC1B9-3BB7-44F3-ABC5-C4D60C503EFE}" dt="2024-10-29T08:32:05.275" v="1183" actId="14100"/>
+          <ac:picMkLst>
+            <pc:docMk/>
+            <pc:sldMk cId="3215299412" sldId="283"/>
+            <ac:picMk id="2050" creationId="{35A7A9CF-ADA5-3FFE-EA7D-FCD049FA046A}"/>
+          </ac:picMkLst>
+        </pc:picChg>
+        <pc:picChg chg="add mod">
+          <ac:chgData name="Jörgen Damberg" userId="3defc36d214de914" providerId="LiveId" clId="{139EC1B9-3BB7-44F3-ABC5-C4D60C503EFE}" dt="2024-10-29T08:30:48.183" v="1175" actId="1076"/>
+          <ac:picMkLst>
+            <pc:docMk/>
+            <pc:sldMk cId="3215299412" sldId="283"/>
+            <ac:picMk id="3074" creationId="{FEAA87F4-5804-B075-DA10-B6C3D36DD8B7}"/>
+          </ac:picMkLst>
+        </pc:picChg>
+        <pc:picChg chg="add mod">
+          <ac:chgData name="Jörgen Damberg" userId="3defc36d214de914" providerId="LiveId" clId="{139EC1B9-3BB7-44F3-ABC5-C4D60C503EFE}" dt="2024-10-29T08:31:30.591" v="1180" actId="1076"/>
+          <ac:picMkLst>
+            <pc:docMk/>
+            <pc:sldMk cId="3215299412" sldId="283"/>
+            <ac:picMk id="3076" creationId="{F2F17B01-0B89-4BFB-4865-A17937E89AC4}"/>
+          </ac:picMkLst>
+        </pc:picChg>
+      </pc:sldChg>
+      <pc:sldChg chg="addSp modSp new mod ord">
+        <pc:chgData name="Jörgen Damberg" userId="3defc36d214de914" providerId="LiveId" clId="{139EC1B9-3BB7-44F3-ABC5-C4D60C503EFE}" dt="2024-10-29T09:43:06.130" v="2189"/>
+        <pc:sldMkLst>
+          <pc:docMk/>
+          <pc:sldMk cId="2087386200" sldId="284"/>
+        </pc:sldMkLst>
+        <pc:spChg chg="mod">
+          <ac:chgData name="Jörgen Damberg" userId="3defc36d214de914" providerId="LiveId" clId="{139EC1B9-3BB7-44F3-ABC5-C4D60C503EFE}" dt="2024-10-29T08:35:19.047" v="1324" actId="20577"/>
+          <ac:spMkLst>
+            <pc:docMk/>
+            <pc:sldMk cId="2087386200" sldId="284"/>
+            <ac:spMk id="2" creationId="{FB729065-CB1F-2A16-AED6-149E053B96D5}"/>
+          </ac:spMkLst>
+        </pc:spChg>
+        <pc:spChg chg="add mod ord">
+          <ac:chgData name="Jörgen Damberg" userId="3defc36d214de914" providerId="LiveId" clId="{139EC1B9-3BB7-44F3-ABC5-C4D60C503EFE}" dt="2024-10-29T08:36:43.315" v="1397" actId="166"/>
+          <ac:spMkLst>
+            <pc:docMk/>
+            <pc:sldMk cId="2087386200" sldId="284"/>
+            <ac:spMk id="5" creationId="{F9017F5F-9B57-A8BC-FF1E-8AD0CA61948D}"/>
+          </ac:spMkLst>
+        </pc:spChg>
+        <pc:spChg chg="add mod">
+          <ac:chgData name="Jörgen Damberg" userId="3defc36d214de914" providerId="LiveId" clId="{139EC1B9-3BB7-44F3-ABC5-C4D60C503EFE}" dt="2024-10-29T08:36:29.779" v="1342" actId="1038"/>
+          <ac:spMkLst>
+            <pc:docMk/>
+            <pc:sldMk cId="2087386200" sldId="284"/>
+            <ac:spMk id="6" creationId="{C01D3D39-4100-7D47-409B-E83D9E0CBF63}"/>
+          </ac:spMkLst>
+        </pc:spChg>
+        <pc:spChg chg="add mod">
+          <ac:chgData name="Jörgen Damberg" userId="3defc36d214de914" providerId="LiveId" clId="{139EC1B9-3BB7-44F3-ABC5-C4D60C503EFE}" dt="2024-10-29T08:36:36.514" v="1396" actId="1037"/>
+          <ac:spMkLst>
+            <pc:docMk/>
+            <pc:sldMk cId="2087386200" sldId="284"/>
+            <ac:spMk id="7" creationId="{AB899A18-41D9-519E-F8D0-7B316185254A}"/>
+          </ac:spMkLst>
+        </pc:spChg>
+        <pc:picChg chg="add mod">
+          <ac:chgData name="Jörgen Damberg" userId="3defc36d214de914" providerId="LiveId" clId="{139EC1B9-3BB7-44F3-ABC5-C4D60C503EFE}" dt="2024-10-29T08:35:40.509" v="1329" actId="1076"/>
+          <ac:picMkLst>
+            <pc:docMk/>
+            <pc:sldMk cId="2087386200" sldId="284"/>
+            <ac:picMk id="4098" creationId="{D593FDFC-3DD9-47E7-B072-8621B8BCD561}"/>
+          </ac:picMkLst>
+        </pc:picChg>
+      </pc:sldChg>
+      <pc:sldChg chg="addSp delSp modSp new mod modAnim">
+        <pc:chgData name="Jörgen Damberg" userId="3defc36d214de914" providerId="LiveId" clId="{139EC1B9-3BB7-44F3-ABC5-C4D60C503EFE}" dt="2024-10-29T08:58:19.505" v="2100"/>
+        <pc:sldMkLst>
+          <pc:docMk/>
+          <pc:sldMk cId="4127779700" sldId="285"/>
+        </pc:sldMkLst>
+        <pc:spChg chg="mod">
+          <ac:chgData name="Jörgen Damberg" userId="3defc36d214de914" providerId="LiveId" clId="{139EC1B9-3BB7-44F3-ABC5-C4D60C503EFE}" dt="2024-10-29T08:51:06.166" v="1891" actId="20577"/>
+          <ac:spMkLst>
+            <pc:docMk/>
+            <pc:sldMk cId="4127779700" sldId="285"/>
+            <ac:spMk id="2" creationId="{317A8212-7BA1-17D5-5DE1-29AF79BEBA85}"/>
+          </ac:spMkLst>
+        </pc:spChg>
+        <pc:spChg chg="del">
+          <ac:chgData name="Jörgen Damberg" userId="3defc36d214de914" providerId="LiveId" clId="{139EC1B9-3BB7-44F3-ABC5-C4D60C503EFE}" dt="2024-10-29T08:51:34.185" v="1952" actId="478"/>
+          <ac:spMkLst>
+            <pc:docMk/>
+            <pc:sldMk cId="4127779700" sldId="285"/>
+            <ac:spMk id="4" creationId="{F85F71C4-D1B3-CCE3-9D82-7FB64B445707}"/>
+          </ac:spMkLst>
+        </pc:spChg>
+        <pc:spChg chg="mod">
+          <ac:chgData name="Jörgen Damberg" userId="3defc36d214de914" providerId="LiveId" clId="{139EC1B9-3BB7-44F3-ABC5-C4D60C503EFE}" dt="2024-10-29T08:56:16.217" v="2092" actId="552"/>
+          <ac:spMkLst>
+            <pc:docMk/>
+            <pc:sldMk cId="4127779700" sldId="285"/>
+            <ac:spMk id="5" creationId="{29DD1380-F399-92AD-DF5B-CBC67FA63D07}"/>
+          </ac:spMkLst>
+        </pc:spChg>
+        <pc:spChg chg="add mod">
+          <ac:chgData name="Jörgen Damberg" userId="3defc36d214de914" providerId="LiveId" clId="{139EC1B9-3BB7-44F3-ABC5-C4D60C503EFE}" dt="2024-10-29T08:56:16.217" v="2092" actId="552"/>
+          <ac:spMkLst>
+            <pc:docMk/>
+            <pc:sldMk cId="4127779700" sldId="285"/>
+            <ac:spMk id="6" creationId="{9AE4AEBA-2797-8634-2A35-C225D1AD5BD1}"/>
+          </ac:spMkLst>
+        </pc:spChg>
+        <pc:spChg chg="add mod">
+          <ac:chgData name="Jörgen Damberg" userId="3defc36d214de914" providerId="LiveId" clId="{139EC1B9-3BB7-44F3-ABC5-C4D60C503EFE}" dt="2024-10-29T08:56:16.217" v="2092" actId="552"/>
+          <ac:spMkLst>
+            <pc:docMk/>
+            <pc:sldMk cId="4127779700" sldId="285"/>
+            <ac:spMk id="7" creationId="{16D21F15-37DF-423C-BB4D-E3CAD3D90479}"/>
+          </ac:spMkLst>
+        </pc:spChg>
+        <pc:spChg chg="add mod">
+          <ac:chgData name="Jörgen Damberg" userId="3defc36d214de914" providerId="LiveId" clId="{139EC1B9-3BB7-44F3-ABC5-C4D60C503EFE}" dt="2024-10-29T08:56:16.217" v="2092" actId="552"/>
+          <ac:spMkLst>
+            <pc:docMk/>
+            <pc:sldMk cId="4127779700" sldId="285"/>
+            <ac:spMk id="8" creationId="{11A0D937-97D1-E611-4910-F2E9C8950EB9}"/>
+          </ac:spMkLst>
+        </pc:spChg>
+        <pc:spChg chg="add mod">
+          <ac:chgData name="Jörgen Damberg" userId="3defc36d214de914" providerId="LiveId" clId="{139EC1B9-3BB7-44F3-ABC5-C4D60C503EFE}" dt="2024-10-29T08:52:35.557" v="2011" actId="14100"/>
+          <ac:spMkLst>
+            <pc:docMk/>
+            <pc:sldMk cId="4127779700" sldId="285"/>
+            <ac:spMk id="9" creationId="{B9D8938D-BE10-B028-392B-65644C2EC3A2}"/>
+          </ac:spMkLst>
+        </pc:spChg>
+        <pc:picChg chg="add mod">
+          <ac:chgData name="Jörgen Damberg" userId="3defc36d214de914" providerId="LiveId" clId="{139EC1B9-3BB7-44F3-ABC5-C4D60C503EFE}" dt="2024-10-29T08:57:06.375" v="2094"/>
+          <ac:picMkLst>
+            <pc:docMk/>
+            <pc:sldMk cId="4127779700" sldId="285"/>
+            <ac:picMk id="10" creationId="{9759B05B-B5AD-A389-56AF-8900EE3883C8}"/>
+          </ac:picMkLst>
+        </pc:picChg>
+        <pc:picChg chg="add mod">
+          <ac:chgData name="Jörgen Damberg" userId="3defc36d214de914" providerId="LiveId" clId="{139EC1B9-3BB7-44F3-ABC5-C4D60C503EFE}" dt="2024-10-29T08:57:57.423" v="2098" actId="1076"/>
+          <ac:picMkLst>
+            <pc:docMk/>
+            <pc:sldMk cId="4127779700" sldId="285"/>
+            <ac:picMk id="12" creationId="{4ED789AF-8D71-10A8-A116-1AABA7002AB1}"/>
+          </ac:picMkLst>
+        </pc:picChg>
       </pc:sldChg>
     </pc:docChg>
   </pc:docChgLst>
@@ -469,7 +1302,7 @@
           <a:p>
             <a:fld id="{F4865475-C4E9-4511-914C-42220EA7A8EB}" type="datetimeFigureOut">
               <a:rPr lang="sv-SE" smtClean="0"/>
-              <a:t>2023-11-21</a:t>
+              <a:t>2024-10-29</a:t>
             </a:fld>
             <a:endParaRPr lang="sv-SE"/>
           </a:p>
@@ -757,7 +1590,7 @@
           <a:p>
             <a:fld id="{F4865475-C4E9-4511-914C-42220EA7A8EB}" type="datetimeFigureOut">
               <a:rPr lang="sv-SE" smtClean="0"/>
-              <a:t>2023-11-21</a:t>
+              <a:t>2024-10-29</a:t>
             </a:fld>
             <a:endParaRPr lang="sv-SE"/>
           </a:p>
@@ -1106,7 +1939,7 @@
           <a:p>
             <a:fld id="{F4865475-C4E9-4511-914C-42220EA7A8EB}" type="datetimeFigureOut">
               <a:rPr lang="sv-SE" smtClean="0"/>
-              <a:t>2023-11-21</a:t>
+              <a:t>2024-10-29</a:t>
             </a:fld>
             <a:endParaRPr lang="sv-SE"/>
           </a:p>
@@ -1388,7 +2221,7 @@
           <a:p>
             <a:fld id="{F4865475-C4E9-4511-914C-42220EA7A8EB}" type="datetimeFigureOut">
               <a:rPr lang="sv-SE" smtClean="0"/>
-              <a:t>2023-11-21</a:t>
+              <a:t>2024-10-29</a:t>
             </a:fld>
             <a:endParaRPr lang="sv-SE"/>
           </a:p>
@@ -1688,7 +2521,7 @@
           <a:p>
             <a:fld id="{F4865475-C4E9-4511-914C-42220EA7A8EB}" type="datetimeFigureOut">
               <a:rPr lang="sv-SE" smtClean="0"/>
-              <a:t>2023-11-21</a:t>
+              <a:t>2024-10-29</a:t>
             </a:fld>
             <a:endParaRPr lang="sv-SE"/>
           </a:p>
@@ -1941,7 +2774,7 @@
           <a:p>
             <a:fld id="{F4865475-C4E9-4511-914C-42220EA7A8EB}" type="datetimeFigureOut">
               <a:rPr lang="sv-SE" smtClean="0"/>
-              <a:t>2023-11-21</a:t>
+              <a:t>2024-10-29</a:t>
             </a:fld>
             <a:endParaRPr lang="sv-SE"/>
           </a:p>
@@ -2393,7 +3226,7 @@
           <a:p>
             <a:fld id="{F4865475-C4E9-4511-914C-42220EA7A8EB}" type="datetimeFigureOut">
               <a:rPr lang="sv-SE" smtClean="0"/>
-              <a:t>2023-11-21</a:t>
+              <a:t>2024-10-29</a:t>
             </a:fld>
             <a:endParaRPr lang="sv-SE"/>
           </a:p>
@@ -2763,7 +3596,7 @@
           <a:p>
             <a:fld id="{F4865475-C4E9-4511-914C-42220EA7A8EB}" type="datetimeFigureOut">
               <a:rPr lang="sv-SE" smtClean="0"/>
-              <a:t>2023-11-21</a:t>
+              <a:t>2024-10-29</a:t>
             </a:fld>
             <a:endParaRPr lang="sv-SE"/>
           </a:p>
@@ -3006,7 +3839,7 @@
           <a:p>
             <a:fld id="{F4865475-C4E9-4511-914C-42220EA7A8EB}" type="datetimeFigureOut">
               <a:rPr lang="sv-SE" smtClean="0"/>
-              <a:t>2023-11-21</a:t>
+              <a:t>2024-10-29</a:t>
             </a:fld>
             <a:endParaRPr lang="sv-SE"/>
           </a:p>
@@ -3250,7 +4083,7 @@
           <a:p>
             <a:fld id="{F4865475-C4E9-4511-914C-42220EA7A8EB}" type="datetimeFigureOut">
               <a:rPr lang="sv-SE" smtClean="0"/>
-              <a:t>2023-11-21</a:t>
+              <a:t>2024-10-29</a:t>
             </a:fld>
             <a:endParaRPr lang="sv-SE"/>
           </a:p>
@@ -3631,7 +4464,7 @@
           <a:p>
             <a:fld id="{F4865475-C4E9-4511-914C-42220EA7A8EB}" type="datetimeFigureOut">
               <a:rPr lang="sv-SE" smtClean="0"/>
-              <a:t>2023-11-21</a:t>
+              <a:t>2024-10-29</a:t>
             </a:fld>
             <a:endParaRPr lang="sv-SE"/>
           </a:p>
@@ -4158,7 +4991,7 @@
             <a:fld id="{F4865475-C4E9-4511-914C-42220EA7A8EB}" type="datetimeFigureOut">
               <a:rPr lang="sv-SE" smtClean="0"/>
               <a:pPr/>
-              <a:t>2023-11-21</a:t>
+              <a:t>2024-10-29</a:t>
             </a:fld>
             <a:endParaRPr lang="sv-SE" dirty="0"/>
           </a:p>
@@ -4489,7 +5322,7 @@
           <a:p>
             <a:fld id="{F4865475-C4E9-4511-914C-42220EA7A8EB}" type="datetimeFigureOut">
               <a:rPr lang="sv-SE" smtClean="0"/>
-              <a:t>2023-11-21</a:t>
+              <a:t>2024-10-29</a:t>
             </a:fld>
             <a:endParaRPr lang="sv-SE"/>
           </a:p>
@@ -4833,7 +5666,7 @@
           <a:p>
             <a:fld id="{F4865475-C4E9-4511-914C-42220EA7A8EB}" type="datetimeFigureOut">
               <a:rPr lang="sv-SE" smtClean="0"/>
-              <a:t>2023-11-21</a:t>
+              <a:t>2024-10-29</a:t>
             </a:fld>
             <a:endParaRPr lang="sv-SE"/>
           </a:p>
@@ -5177,7 +6010,7 @@
           <a:p>
             <a:fld id="{F4865475-C4E9-4511-914C-42220EA7A8EB}" type="datetimeFigureOut">
               <a:rPr lang="sv-SE" smtClean="0"/>
-              <a:t>2023-11-21</a:t>
+              <a:t>2024-10-29</a:t>
             </a:fld>
             <a:endParaRPr lang="sv-SE"/>
           </a:p>
@@ -5489,7 +6322,7 @@
           <a:p>
             <a:fld id="{F4865475-C4E9-4511-914C-42220EA7A8EB}" type="datetimeFigureOut">
               <a:rPr lang="sv-SE" smtClean="0"/>
-              <a:t>2023-11-21</a:t>
+              <a:t>2024-10-29</a:t>
             </a:fld>
             <a:endParaRPr lang="sv-SE"/>
           </a:p>
@@ -5770,7 +6603,7 @@
           <a:p>
             <a:fld id="{F4865475-C4E9-4511-914C-42220EA7A8EB}" type="datetimeFigureOut">
               <a:rPr lang="sv-SE" smtClean="0"/>
-              <a:t>2023-11-21</a:t>
+              <a:t>2024-10-29</a:t>
             </a:fld>
             <a:endParaRPr lang="sv-SE"/>
           </a:p>
@@ -6143,7 +6976,7 @@
           <a:p>
             <a:fld id="{F4865475-C4E9-4511-914C-42220EA7A8EB}" type="datetimeFigureOut">
               <a:rPr lang="sv-SE" smtClean="0"/>
-              <a:t>2023-11-21</a:t>
+              <a:t>2024-10-29</a:t>
             </a:fld>
             <a:endParaRPr lang="sv-SE"/>
           </a:p>
@@ -6681,7 +7514,7 @@
           <a:p>
             <a:fld id="{F4865475-C4E9-4511-914C-42220EA7A8EB}" type="datetimeFigureOut">
               <a:rPr lang="sv-SE" smtClean="0"/>
-              <a:t>2023-11-21</a:t>
+              <a:t>2024-10-29</a:t>
             </a:fld>
             <a:endParaRPr lang="sv-SE"/>
           </a:p>
@@ -7117,7 +7950,7 @@
           <a:p>
             <a:fld id="{F4865475-C4E9-4511-914C-42220EA7A8EB}" type="datetimeFigureOut">
               <a:rPr lang="sv-SE" smtClean="0"/>
-              <a:t>2023-11-21</a:t>
+              <a:t>2024-10-29</a:t>
             </a:fld>
             <a:endParaRPr lang="sv-SE"/>
           </a:p>
@@ -7448,7 +8281,7 @@
           <a:p>
             <a:fld id="{F4865475-C4E9-4511-914C-42220EA7A8EB}" type="datetimeFigureOut">
               <a:rPr lang="sv-SE" smtClean="0"/>
-              <a:t>2023-11-21</a:t>
+              <a:t>2024-10-29</a:t>
             </a:fld>
             <a:endParaRPr lang="sv-SE"/>
           </a:p>
@@ -7976,7 +8809,7 @@
           <a:p>
             <a:fld id="{F4865475-C4E9-4511-914C-42220EA7A8EB}" type="datetimeFigureOut">
               <a:rPr lang="sv-SE" smtClean="0"/>
-              <a:t>2023-11-21</a:t>
+              <a:t>2024-10-29</a:t>
             </a:fld>
             <a:endParaRPr lang="sv-SE"/>
           </a:p>
@@ -8320,7 +9153,7 @@
           <a:p>
             <a:fld id="{F4865475-C4E9-4511-914C-42220EA7A8EB}" type="datetimeFigureOut">
               <a:rPr lang="sv-SE" smtClean="0"/>
-              <a:t>2023-11-21</a:t>
+              <a:t>2024-10-29</a:t>
             </a:fld>
             <a:endParaRPr lang="sv-SE"/>
           </a:p>
@@ -8915,7 +9748,7 @@
           <a:p>
             <a:fld id="{F4865475-C4E9-4511-914C-42220EA7A8EB}" type="datetimeFigureOut">
               <a:rPr lang="sv-SE" smtClean="0"/>
-              <a:t>2023-11-21</a:t>
+              <a:t>2024-10-29</a:t>
             </a:fld>
             <a:endParaRPr lang="sv-SE"/>
           </a:p>
@@ -9269,7 +10102,7 @@
           <a:p>
             <a:fld id="{F4865475-C4E9-4511-914C-42220EA7A8EB}" type="datetimeFigureOut">
               <a:rPr lang="sv-SE" smtClean="0"/>
-              <a:t>2023-11-21</a:t>
+              <a:t>2024-10-29</a:t>
             </a:fld>
             <a:endParaRPr lang="sv-SE"/>
           </a:p>
@@ -9830,7 +10663,7 @@
           <a:p>
             <a:fld id="{F4865475-C4E9-4511-914C-42220EA7A8EB}" type="datetimeFigureOut">
               <a:rPr lang="sv-SE" smtClean="0"/>
-              <a:t>2023-11-21</a:t>
+              <a:t>2024-10-29</a:t>
             </a:fld>
             <a:endParaRPr lang="sv-SE"/>
           </a:p>
@@ -10053,7 +10886,7 @@
           <a:p>
             <a:fld id="{F4865475-C4E9-4511-914C-42220EA7A8EB}" type="datetimeFigureOut">
               <a:rPr lang="sv-SE" smtClean="0"/>
-              <a:t>2023-11-21</a:t>
+              <a:t>2024-10-29</a:t>
             </a:fld>
             <a:endParaRPr lang="sv-SE"/>
           </a:p>
@@ -10251,7 +11084,7 @@
           <a:p>
             <a:fld id="{F4865475-C4E9-4511-914C-42220EA7A8EB}" type="datetimeFigureOut">
               <a:rPr lang="sv-SE" smtClean="0"/>
-              <a:t>2023-11-21</a:t>
+              <a:t>2024-10-29</a:t>
             </a:fld>
             <a:endParaRPr lang="sv-SE"/>
           </a:p>
@@ -10641,7 +11474,7 @@
           <a:p>
             <a:fld id="{F4865475-C4E9-4511-914C-42220EA7A8EB}" type="datetimeFigureOut">
               <a:rPr lang="sv-SE" smtClean="0"/>
-              <a:t>2023-11-21</a:t>
+              <a:t>2024-10-29</a:t>
             </a:fld>
             <a:endParaRPr lang="sv-SE"/>
           </a:p>
@@ -11090,7 +11923,7 @@
           <a:p>
             <a:fld id="{F4865475-C4E9-4511-914C-42220EA7A8EB}" type="datetimeFigureOut">
               <a:rPr lang="sv-SE" smtClean="0"/>
-              <a:t>2023-11-21</a:t>
+              <a:t>2024-10-29</a:t>
             </a:fld>
             <a:endParaRPr lang="sv-SE"/>
           </a:p>
@@ -11340,7 +12173,7 @@
           <a:p>
             <a:fld id="{F4865475-C4E9-4511-914C-42220EA7A8EB}" type="datetimeFigureOut">
               <a:rPr lang="sv-SE" smtClean="0"/>
-              <a:t>2023-11-21</a:t>
+              <a:t>2024-10-29</a:t>
             </a:fld>
             <a:endParaRPr lang="sv-SE"/>
           </a:p>
@@ -11750,7 +12583,7 @@
           <a:p>
             <a:fld id="{F4865475-C4E9-4511-914C-42220EA7A8EB}" type="datetimeFigureOut">
               <a:rPr lang="sv-SE" smtClean="0"/>
-              <a:t>2023-11-21</a:t>
+              <a:t>2024-10-29</a:t>
             </a:fld>
             <a:endParaRPr lang="sv-SE"/>
           </a:p>
@@ -12107,7 +12940,7 @@
           <a:p>
             <a:fld id="{F4865475-C4E9-4511-914C-42220EA7A8EB}" type="datetimeFigureOut">
               <a:rPr lang="sv-SE" smtClean="0"/>
-              <a:t>2023-11-21</a:t>
+              <a:t>2024-10-29</a:t>
             </a:fld>
             <a:endParaRPr lang="sv-SE"/>
           </a:p>
@@ -12441,7 +13274,7 @@
           <a:p>
             <a:fld id="{F4865475-C4E9-4511-914C-42220EA7A8EB}" type="datetimeFigureOut">
               <a:rPr lang="sv-SE" smtClean="0"/>
-              <a:t>2023-11-21</a:t>
+              <a:t>2024-10-29</a:t>
             </a:fld>
             <a:endParaRPr lang="sv-SE" dirty="0"/>
           </a:p>
@@ -13028,6 +13861,3907 @@
           <p:cNvPr id="2" name="Rubrik 1">
             <a:extLst>
               <a:ext uri="{FF2B5EF4-FFF2-40B4-BE49-F238E27FC236}">
+                <a16:creationId xmlns:a16="http://schemas.microsoft.com/office/drawing/2014/main" id="{8BD44867-AE5E-386F-5224-695EBA1AA1FF}"/>
+              </a:ext>
+            </a:extLst>
+          </p:cNvPr>
+          <p:cNvSpPr>
+            <a:spLocks noGrp="1"/>
+          </p:cNvSpPr>
+          <p:nvPr>
+            <p:ph type="title"/>
+          </p:nvPr>
+        </p:nvSpPr>
+        <p:spPr/>
+        <p:txBody>
+          <a:bodyPr/>
+          <a:lstStyle/>
+          <a:p>
+            <a:r>
+              <a:rPr lang="sv-SE" dirty="0"/>
+              <a:t>Images – en ”grunddator” att starta från</a:t>
+            </a:r>
+          </a:p>
+        </p:txBody>
+      </p:sp>
+      <p:sp>
+        <p:nvSpPr>
+          <p:cNvPr id="3" name="Platshållare för text 2">
+            <a:extLst>
+              <a:ext uri="{FF2B5EF4-FFF2-40B4-BE49-F238E27FC236}">
+                <a16:creationId xmlns:a16="http://schemas.microsoft.com/office/drawing/2014/main" id="{E1B42C95-383B-00B8-90BE-437EB7052B07}"/>
+              </a:ext>
+            </a:extLst>
+          </p:cNvPr>
+          <p:cNvSpPr>
+            <a:spLocks noGrp="1"/>
+          </p:cNvSpPr>
+          <p:nvPr>
+            <p:ph type="body" sz="quarter" idx="13"/>
+          </p:nvPr>
+        </p:nvSpPr>
+        <p:spPr>
+          <a:xfrm>
+            <a:off x="438150" y="1485900"/>
+            <a:ext cx="9451637" cy="4362450"/>
+          </a:xfrm>
+        </p:spPr>
+        <p:txBody>
+          <a:bodyPr/>
+          <a:lstStyle/>
+          <a:p>
+            <a:r>
+              <a:rPr lang="sv-SE" dirty="0"/>
+              <a:t>Startpunkt för att bygga en mer specifik image som går att starta containers ifrån.</a:t>
+            </a:r>
+          </a:p>
+          <a:p>
+            <a:r>
+              <a:rPr lang="sv-SE" dirty="0"/>
+              <a:t>En bra startpunkt för </a:t>
+            </a:r>
+            <a:r>
+              <a:rPr lang="sv-SE" dirty="0" err="1"/>
+              <a:t>parent</a:t>
+            </a:r>
+            <a:r>
+              <a:rPr lang="sv-SE" dirty="0"/>
+              <a:t> images är </a:t>
+            </a:r>
+            <a:r>
+              <a:rPr lang="sv-SE" dirty="0">
+                <a:hlinkClick r:id="rId2"/>
+              </a:rPr>
+              <a:t>https://hub.docker.com</a:t>
+            </a:r>
+            <a:endParaRPr lang="sv-SE" dirty="0"/>
+          </a:p>
+          <a:p>
+            <a:r>
+              <a:rPr lang="sv-SE" dirty="0"/>
+              <a:t>Images har taggar som gör dem sökbara </a:t>
+            </a:r>
+          </a:p>
+          <a:p>
+            <a:r>
+              <a:rPr lang="sv-SE" dirty="0"/>
+              <a:t>Syntax för att hämta hem en image: </a:t>
+            </a:r>
+            <a:r>
+              <a:rPr lang="sv-SE" dirty="0" err="1">
+                <a:solidFill>
+                  <a:schemeClr val="bg1"/>
+                </a:solidFill>
+                <a:highlight>
+                  <a:srgbClr val="000000"/>
+                </a:highlight>
+              </a:rPr>
+              <a:t>docker</a:t>
+            </a:r>
+            <a:r>
+              <a:rPr lang="sv-SE" dirty="0">
+                <a:solidFill>
+                  <a:schemeClr val="bg1"/>
+                </a:solidFill>
+                <a:highlight>
+                  <a:srgbClr val="000000"/>
+                </a:highlight>
+              </a:rPr>
+              <a:t> </a:t>
+            </a:r>
+            <a:r>
+              <a:rPr lang="sv-SE" dirty="0" err="1">
+                <a:solidFill>
+                  <a:schemeClr val="bg1"/>
+                </a:solidFill>
+                <a:highlight>
+                  <a:srgbClr val="000000"/>
+                </a:highlight>
+              </a:rPr>
+              <a:t>pull</a:t>
+            </a:r>
+            <a:r>
+              <a:rPr lang="sv-SE" dirty="0">
+                <a:solidFill>
+                  <a:schemeClr val="bg1"/>
+                </a:solidFill>
+                <a:highlight>
+                  <a:srgbClr val="000000"/>
+                </a:highlight>
+              </a:rPr>
+              <a:t> &lt;</a:t>
+            </a:r>
+            <a:r>
+              <a:rPr lang="sv-SE" dirty="0" err="1">
+                <a:solidFill>
+                  <a:schemeClr val="bg1"/>
+                </a:solidFill>
+                <a:highlight>
+                  <a:srgbClr val="000000"/>
+                </a:highlight>
+              </a:rPr>
+              <a:t>imagename</a:t>
+            </a:r>
+            <a:r>
+              <a:rPr lang="sv-SE" dirty="0">
+                <a:solidFill>
+                  <a:schemeClr val="bg1"/>
+                </a:solidFill>
+                <a:highlight>
+                  <a:srgbClr val="000000"/>
+                </a:highlight>
+              </a:rPr>
+              <a:t>&gt;[:&lt;version&gt;]</a:t>
+            </a:r>
+          </a:p>
+          <a:p>
+            <a:r>
+              <a:rPr lang="sv-SE" dirty="0"/>
+              <a:t>Man kan själv publicera upp egna images på Docker </a:t>
+            </a:r>
+            <a:r>
+              <a:rPr lang="sv-SE" dirty="0" err="1"/>
+              <a:t>Hub</a:t>
+            </a:r>
+            <a:endParaRPr lang="sv-SE" dirty="0"/>
+          </a:p>
+        </p:txBody>
+      </p:sp>
+      <p:sp>
+        <p:nvSpPr>
+          <p:cNvPr id="4" name="Platshållare för text 3">
+            <a:extLst>
+              <a:ext uri="{FF2B5EF4-FFF2-40B4-BE49-F238E27FC236}">
+                <a16:creationId xmlns:a16="http://schemas.microsoft.com/office/drawing/2014/main" id="{27003926-E7C2-4961-A5EF-2F1453F63257}"/>
+              </a:ext>
+            </a:extLst>
+          </p:cNvPr>
+          <p:cNvSpPr>
+            <a:spLocks noGrp="1"/>
+          </p:cNvSpPr>
+          <p:nvPr>
+            <p:ph type="body" sz="quarter" idx="15"/>
+          </p:nvPr>
+        </p:nvSpPr>
+        <p:spPr/>
+        <p:txBody>
+          <a:bodyPr/>
+          <a:lstStyle/>
+          <a:p>
+            <a:endParaRPr lang="sv-SE"/>
+          </a:p>
+        </p:txBody>
+      </p:sp>
+    </p:spTree>
+    <p:extLst>
+      <p:ext uri="{BB962C8B-B14F-4D97-AF65-F5344CB8AC3E}">
+        <p14:creationId xmlns:p14="http://schemas.microsoft.com/office/powerpoint/2010/main" val="424267287"/>
+      </p:ext>
+    </p:extLst>
+  </p:cSld>
+  <p:clrMapOvr>
+    <a:masterClrMapping/>
+  </p:clrMapOvr>
+</p:sld>
+</file>
+
+<file path=ppt/slides/slide11.xml><?xml version="1.0" encoding="utf-8"?>
+<p:sld xmlns:a="http://schemas.openxmlformats.org/drawingml/2006/main" xmlns:r="http://schemas.openxmlformats.org/officeDocument/2006/relationships" xmlns:p="http://schemas.openxmlformats.org/presentationml/2006/main">
+  <p:cSld>
+    <p:spTree>
+      <p:nvGrpSpPr>
+        <p:cNvPr id="1" name=""/>
+        <p:cNvGrpSpPr/>
+        <p:nvPr/>
+      </p:nvGrpSpPr>
+      <p:grpSpPr>
+        <a:xfrm>
+          <a:off x="0" y="0"/>
+          <a:ext cx="0" cy="0"/>
+          <a:chOff x="0" y="0"/>
+          <a:chExt cx="0" cy="0"/>
+        </a:xfrm>
+      </p:grpSpPr>
+      <p:sp>
+        <p:nvSpPr>
+          <p:cNvPr id="2" name="Rubrik 1">
+            <a:extLst>
+              <a:ext uri="{FF2B5EF4-FFF2-40B4-BE49-F238E27FC236}">
+                <a16:creationId xmlns:a16="http://schemas.microsoft.com/office/drawing/2014/main" id="{7D479A95-4EC7-85C2-2B4F-3EB74B80677F}"/>
+              </a:ext>
+            </a:extLst>
+          </p:cNvPr>
+          <p:cNvSpPr>
+            <a:spLocks noGrp="1"/>
+          </p:cNvSpPr>
+          <p:nvPr>
+            <p:ph type="title"/>
+          </p:nvPr>
+        </p:nvSpPr>
+        <p:spPr/>
+        <p:txBody>
+          <a:bodyPr/>
+          <a:lstStyle/>
+          <a:p>
+            <a:r>
+              <a:rPr lang="sv-SE" dirty="0"/>
+              <a:t>Lager av images</a:t>
+            </a:r>
+          </a:p>
+        </p:txBody>
+      </p:sp>
+      <p:sp>
+        <p:nvSpPr>
+          <p:cNvPr id="3" name="Platshållare för text 2">
+            <a:extLst>
+              <a:ext uri="{FF2B5EF4-FFF2-40B4-BE49-F238E27FC236}">
+                <a16:creationId xmlns:a16="http://schemas.microsoft.com/office/drawing/2014/main" id="{C1313DEB-322D-2CB5-1B34-D3A79AD73A9D}"/>
+              </a:ext>
+            </a:extLst>
+          </p:cNvPr>
+          <p:cNvSpPr>
+            <a:spLocks noGrp="1"/>
+          </p:cNvSpPr>
+          <p:nvPr>
+            <p:ph type="body" sz="quarter" idx="13"/>
+          </p:nvPr>
+        </p:nvSpPr>
+        <p:spPr>
+          <a:xfrm>
+            <a:off x="438151" y="1485900"/>
+            <a:ext cx="7603382" cy="3335208"/>
+          </a:xfrm>
+        </p:spPr>
+        <p:txBody>
+          <a:bodyPr/>
+          <a:lstStyle/>
+          <a:p>
+            <a:r>
+              <a:rPr lang="sv-SE" dirty="0"/>
+              <a:t>Av den grund-image man laddar hem från Docker </a:t>
+            </a:r>
+            <a:r>
+              <a:rPr lang="sv-SE" dirty="0" err="1"/>
+              <a:t>Hub</a:t>
+            </a:r>
+            <a:r>
+              <a:rPr lang="sv-SE" dirty="0"/>
+              <a:t> kan man göra egna tillägg och skapa en egen lokal image.</a:t>
+            </a:r>
+          </a:p>
+          <a:p>
+            <a:r>
+              <a:rPr lang="sv-SE" dirty="0"/>
+              <a:t>Images byggs vanligen från </a:t>
+            </a:r>
+            <a:r>
+              <a:rPr lang="sv-SE" dirty="0" err="1">
+                <a:solidFill>
+                  <a:schemeClr val="bg1"/>
+                </a:solidFill>
+                <a:highlight>
+                  <a:srgbClr val="000000"/>
+                </a:highlight>
+              </a:rPr>
+              <a:t>Dockerfile</a:t>
+            </a:r>
+            <a:r>
+              <a:rPr lang="sv-SE" dirty="0"/>
+              <a:t>-filer som ligger i </a:t>
+            </a:r>
+            <a:r>
+              <a:rPr lang="sv-SE" dirty="0" err="1"/>
+              <a:t>rooten</a:t>
+            </a:r>
+            <a:r>
+              <a:rPr lang="sv-SE" dirty="0"/>
+              <a:t> på det man vill skapa en image av för att underlätta att det är samma för alla.</a:t>
+            </a:r>
+          </a:p>
+          <a:p>
+            <a:r>
+              <a:rPr lang="sv-SE" dirty="0"/>
+              <a:t>Det går att bygga images från kommandoprompten utan </a:t>
+            </a:r>
+            <a:r>
+              <a:rPr lang="sv-SE" dirty="0" err="1"/>
+              <a:t>Dockerfile</a:t>
+            </a:r>
+            <a:r>
+              <a:rPr lang="sv-SE" dirty="0"/>
+              <a:t>, men då blir portabiliteten lidande.</a:t>
+            </a:r>
+          </a:p>
+          <a:p>
+            <a:r>
+              <a:rPr lang="sv-SE" dirty="0"/>
+              <a:t>När snabbhet är viktigt är ordningen i </a:t>
+            </a:r>
+            <a:r>
+              <a:rPr lang="sv-SE" dirty="0" err="1"/>
+              <a:t>Dockerfile</a:t>
+            </a:r>
+            <a:r>
+              <a:rPr lang="sv-SE" dirty="0"/>
+              <a:t> viktig. Docker </a:t>
+            </a:r>
+            <a:r>
+              <a:rPr lang="sv-SE" dirty="0" err="1"/>
+              <a:t>cachar</a:t>
+            </a:r>
+            <a:r>
+              <a:rPr lang="sv-SE" dirty="0"/>
+              <a:t> allt den kan för snabbhetens skull.</a:t>
+            </a:r>
+          </a:p>
+          <a:p>
+            <a:r>
+              <a:rPr lang="sv-SE" dirty="0"/>
+              <a:t>När man själv skapar en image från en </a:t>
+            </a:r>
+            <a:r>
+              <a:rPr lang="sv-SE" dirty="0" err="1"/>
+              <a:t>Dockerfil</a:t>
+            </a:r>
+            <a:r>
+              <a:rPr lang="sv-SE" dirty="0"/>
+              <a:t> gör man det med </a:t>
+            </a:r>
+            <a:r>
+              <a:rPr lang="sv-SE" dirty="0" err="1">
+                <a:solidFill>
+                  <a:schemeClr val="bg1"/>
+                </a:solidFill>
+                <a:highlight>
+                  <a:srgbClr val="000000"/>
+                </a:highlight>
+              </a:rPr>
+              <a:t>docker</a:t>
+            </a:r>
+            <a:r>
+              <a:rPr lang="sv-SE" dirty="0">
+                <a:solidFill>
+                  <a:schemeClr val="bg1"/>
+                </a:solidFill>
+                <a:highlight>
+                  <a:srgbClr val="000000"/>
+                </a:highlight>
+              </a:rPr>
+              <a:t> </a:t>
+            </a:r>
+            <a:r>
+              <a:rPr lang="sv-SE" dirty="0" err="1">
+                <a:solidFill>
+                  <a:schemeClr val="bg1"/>
+                </a:solidFill>
+                <a:highlight>
+                  <a:srgbClr val="000000"/>
+                </a:highlight>
+              </a:rPr>
+              <a:t>build</a:t>
+            </a:r>
+            <a:r>
+              <a:rPr lang="sv-SE" dirty="0"/>
+              <a:t> från valfri image.</a:t>
+            </a:r>
+            <a:endParaRPr lang="sv-SE" dirty="0">
+              <a:solidFill>
+                <a:schemeClr val="bg1"/>
+              </a:solidFill>
+              <a:highlight>
+                <a:srgbClr val="000000"/>
+              </a:highlight>
+            </a:endParaRPr>
+          </a:p>
+        </p:txBody>
+      </p:sp>
+      <p:sp>
+        <p:nvSpPr>
+          <p:cNvPr id="4" name="Platshållare för text 3">
+            <a:extLst>
+              <a:ext uri="{FF2B5EF4-FFF2-40B4-BE49-F238E27FC236}">
+                <a16:creationId xmlns:a16="http://schemas.microsoft.com/office/drawing/2014/main" id="{B5DB0EE0-DE61-D0E9-DCCA-BE2E18AF54E7}"/>
+              </a:ext>
+            </a:extLst>
+          </p:cNvPr>
+          <p:cNvSpPr>
+            <a:spLocks noGrp="1"/>
+          </p:cNvSpPr>
+          <p:nvPr>
+            <p:ph type="body" sz="quarter" idx="15"/>
+          </p:nvPr>
+        </p:nvSpPr>
+        <p:spPr/>
+        <p:txBody>
+          <a:bodyPr/>
+          <a:lstStyle/>
+          <a:p>
+            <a:endParaRPr lang="sv-SE"/>
+          </a:p>
+        </p:txBody>
+      </p:sp>
+    </p:spTree>
+    <p:extLst>
+      <p:ext uri="{BB962C8B-B14F-4D97-AF65-F5344CB8AC3E}">
+        <p14:creationId xmlns:p14="http://schemas.microsoft.com/office/powerpoint/2010/main" val="2331929315"/>
+      </p:ext>
+    </p:extLst>
+  </p:cSld>
+  <p:clrMapOvr>
+    <a:masterClrMapping/>
+  </p:clrMapOvr>
+</p:sld>
+</file>
+
+<file path=ppt/slides/slide12.xml><?xml version="1.0" encoding="utf-8"?>
+<p:sld xmlns:a="http://schemas.openxmlformats.org/drawingml/2006/main" xmlns:r="http://schemas.openxmlformats.org/officeDocument/2006/relationships" xmlns:p="http://schemas.openxmlformats.org/presentationml/2006/main">
+  <p:cSld>
+    <p:spTree>
+      <p:nvGrpSpPr>
+        <p:cNvPr id="1" name=""/>
+        <p:cNvGrpSpPr/>
+        <p:nvPr/>
+      </p:nvGrpSpPr>
+      <p:grpSpPr>
+        <a:xfrm>
+          <a:off x="0" y="0"/>
+          <a:ext cx="0" cy="0"/>
+          <a:chOff x="0" y="0"/>
+          <a:chExt cx="0" cy="0"/>
+        </a:xfrm>
+      </p:grpSpPr>
+      <p:sp>
+        <p:nvSpPr>
+          <p:cNvPr id="2" name="Rubrik 1">
+            <a:extLst>
+              <a:ext uri="{FF2B5EF4-FFF2-40B4-BE49-F238E27FC236}">
+                <a16:creationId xmlns:a16="http://schemas.microsoft.com/office/drawing/2014/main" id="{DA076D3E-2D32-5B5C-3939-A5220BD6A93F}"/>
+              </a:ext>
+            </a:extLst>
+          </p:cNvPr>
+          <p:cNvSpPr>
+            <a:spLocks noGrp="1"/>
+          </p:cNvSpPr>
+          <p:nvPr>
+            <p:ph type="title"/>
+          </p:nvPr>
+        </p:nvSpPr>
+        <p:spPr>
+          <a:xfrm>
+            <a:off x="4993842" y="1718617"/>
+            <a:ext cx="6354947" cy="603380"/>
+          </a:xfrm>
+        </p:spPr>
+        <p:txBody>
+          <a:bodyPr/>
+          <a:lstStyle/>
+          <a:p>
+            <a:r>
+              <a:rPr lang="sv-SE" dirty="0"/>
+              <a:t>Containers</a:t>
+            </a:r>
+          </a:p>
+        </p:txBody>
+      </p:sp>
+      <p:sp>
+        <p:nvSpPr>
+          <p:cNvPr id="3" name="Platshållare för text 2">
+            <a:extLst>
+              <a:ext uri="{FF2B5EF4-FFF2-40B4-BE49-F238E27FC236}">
+                <a16:creationId xmlns:a16="http://schemas.microsoft.com/office/drawing/2014/main" id="{44EB8B34-28CA-58C0-1C5F-16A2CD723C30}"/>
+              </a:ext>
+            </a:extLst>
+          </p:cNvPr>
+          <p:cNvSpPr>
+            <a:spLocks noGrp="1"/>
+          </p:cNvSpPr>
+          <p:nvPr>
+            <p:ph type="body" sz="quarter" idx="13"/>
+          </p:nvPr>
+        </p:nvSpPr>
+        <p:spPr>
+          <a:xfrm>
+            <a:off x="4993842" y="2504507"/>
+            <a:ext cx="6354947" cy="3844412"/>
+          </a:xfrm>
+        </p:spPr>
+        <p:txBody>
+          <a:bodyPr>
+            <a:normAutofit/>
+          </a:bodyPr>
+          <a:lstStyle/>
+          <a:p>
+            <a:r>
+              <a:rPr lang="sv-SE" dirty="0"/>
+              <a:t>En container är fristående och isolerad och innehåller allt den behöver för att kunna köra: </a:t>
+            </a:r>
+          </a:p>
+          <a:p>
+            <a:pPr marL="285750" indent="-285750">
+              <a:buFont typeface="Arial" panose="020B0604020202020204" pitchFamily="34" charset="0"/>
+              <a:buChar char="•"/>
+            </a:pPr>
+            <a:r>
+              <a:rPr lang="sv-SE" dirty="0"/>
+              <a:t>Operativsystemsaccess</a:t>
+            </a:r>
+          </a:p>
+          <a:p>
+            <a:pPr marL="285750" indent="-285750">
+              <a:buFont typeface="Arial" panose="020B0604020202020204" pitchFamily="34" charset="0"/>
+              <a:buChar char="•"/>
+            </a:pPr>
+            <a:r>
+              <a:rPr lang="sv-SE" dirty="0" err="1"/>
+              <a:t>Middleware</a:t>
+            </a:r>
+            <a:endParaRPr lang="sv-SE" dirty="0"/>
+          </a:p>
+          <a:p>
+            <a:pPr marL="285750" indent="-285750">
+              <a:buFont typeface="Arial" panose="020B0604020202020204" pitchFamily="34" charset="0"/>
+              <a:buChar char="•"/>
+            </a:pPr>
+            <a:r>
+              <a:rPr lang="sv-SE" dirty="0"/>
+              <a:t>Filer</a:t>
+            </a:r>
+          </a:p>
+          <a:p>
+            <a:pPr marL="285750" indent="-285750">
+              <a:buFont typeface="Arial" panose="020B0604020202020204" pitchFamily="34" charset="0"/>
+              <a:buChar char="•"/>
+            </a:pPr>
+            <a:r>
+              <a:rPr lang="sv-SE" dirty="0"/>
+              <a:t>Beroenden</a:t>
+            </a:r>
+          </a:p>
+          <a:p>
+            <a:pPr marL="285750" indent="-285750">
+              <a:buFont typeface="Arial" panose="020B0604020202020204" pitchFamily="34" charset="0"/>
+              <a:buChar char="•"/>
+            </a:pPr>
+            <a:r>
+              <a:rPr lang="sv-SE" dirty="0"/>
+              <a:t>Kommandon </a:t>
+            </a:r>
+          </a:p>
+          <a:p>
+            <a:r>
+              <a:rPr lang="sv-SE" dirty="0"/>
+              <a:t>Containers är körbara instanser av images.</a:t>
+            </a:r>
+          </a:p>
+          <a:p>
+            <a:r>
+              <a:rPr lang="sv-SE" dirty="0"/>
+              <a:t>Från samma image kan man skapa många containers – som t.ex. flera frontservrar.</a:t>
+            </a:r>
+          </a:p>
+        </p:txBody>
+      </p:sp>
+      <p:sp>
+        <p:nvSpPr>
+          <p:cNvPr id="4" name="Platshållare för text 3">
+            <a:extLst>
+              <a:ext uri="{FF2B5EF4-FFF2-40B4-BE49-F238E27FC236}">
+                <a16:creationId xmlns:a16="http://schemas.microsoft.com/office/drawing/2014/main" id="{D3AA1B43-4FE8-1C77-F272-27E7A20F7D39}"/>
+              </a:ext>
+            </a:extLst>
+          </p:cNvPr>
+          <p:cNvSpPr>
+            <a:spLocks noGrp="1"/>
+          </p:cNvSpPr>
+          <p:nvPr>
+            <p:ph type="body" sz="quarter" idx="15"/>
+          </p:nvPr>
+        </p:nvSpPr>
+        <p:spPr/>
+        <p:txBody>
+          <a:bodyPr/>
+          <a:lstStyle/>
+          <a:p>
+            <a:endParaRPr lang="sv-SE"/>
+          </a:p>
+        </p:txBody>
+      </p:sp>
+    </p:spTree>
+    <p:extLst>
+      <p:ext uri="{BB962C8B-B14F-4D97-AF65-F5344CB8AC3E}">
+        <p14:creationId xmlns:p14="http://schemas.microsoft.com/office/powerpoint/2010/main" val="2340791043"/>
+      </p:ext>
+    </p:extLst>
+  </p:cSld>
+  <p:clrMapOvr>
+    <a:masterClrMapping/>
+  </p:clrMapOvr>
+</p:sld>
+</file>
+
+<file path=ppt/slides/slide13.xml><?xml version="1.0" encoding="utf-8"?>
+<p:sld xmlns:a="http://schemas.openxmlformats.org/drawingml/2006/main" xmlns:r="http://schemas.openxmlformats.org/officeDocument/2006/relationships" xmlns:p="http://schemas.openxmlformats.org/presentationml/2006/main">
+  <p:cSld>
+    <p:spTree>
+      <p:nvGrpSpPr>
+        <p:cNvPr id="1" name=""/>
+        <p:cNvGrpSpPr/>
+        <p:nvPr/>
+      </p:nvGrpSpPr>
+      <p:grpSpPr>
+        <a:xfrm>
+          <a:off x="0" y="0"/>
+          <a:ext cx="0" cy="0"/>
+          <a:chOff x="0" y="0"/>
+          <a:chExt cx="0" cy="0"/>
+        </a:xfrm>
+      </p:grpSpPr>
+      <p:sp>
+        <p:nvSpPr>
+          <p:cNvPr id="2" name="Rubrik 1">
+            <a:extLst>
+              <a:ext uri="{FF2B5EF4-FFF2-40B4-BE49-F238E27FC236}">
+                <a16:creationId xmlns:a16="http://schemas.microsoft.com/office/drawing/2014/main" id="{404A466C-2979-B594-4FC6-2DE391364CE6}"/>
+              </a:ext>
+            </a:extLst>
+          </p:cNvPr>
+          <p:cNvSpPr>
+            <a:spLocks noGrp="1"/>
+          </p:cNvSpPr>
+          <p:nvPr>
+            <p:ph type="title"/>
+          </p:nvPr>
+        </p:nvSpPr>
+        <p:spPr/>
+        <p:txBody>
+          <a:bodyPr/>
+          <a:lstStyle/>
+          <a:p>
+            <a:r>
+              <a:rPr lang="sv-SE" dirty="0" err="1"/>
+              <a:t>Volumes</a:t>
+            </a:r>
+            <a:endParaRPr lang="sv-SE" dirty="0"/>
+          </a:p>
+        </p:txBody>
+      </p:sp>
+      <p:sp>
+        <p:nvSpPr>
+          <p:cNvPr id="3" name="Platshållare för text 2">
+            <a:extLst>
+              <a:ext uri="{FF2B5EF4-FFF2-40B4-BE49-F238E27FC236}">
+                <a16:creationId xmlns:a16="http://schemas.microsoft.com/office/drawing/2014/main" id="{D4ED046A-62F6-FEF1-D6CC-FF2A3D51334E}"/>
+              </a:ext>
+            </a:extLst>
+          </p:cNvPr>
+          <p:cNvSpPr>
+            <a:spLocks noGrp="1"/>
+          </p:cNvSpPr>
+          <p:nvPr>
+            <p:ph type="body" sz="quarter" idx="13"/>
+          </p:nvPr>
+        </p:nvSpPr>
+        <p:spPr/>
+        <p:txBody>
+          <a:bodyPr/>
+          <a:lstStyle/>
+          <a:p>
+            <a:r>
+              <a:rPr lang="sv-SE" dirty="0"/>
+              <a:t>Länka externa foldrar som om de finns inne i en container</a:t>
+            </a:r>
+          </a:p>
+        </p:txBody>
+      </p:sp>
+      <p:sp>
+        <p:nvSpPr>
+          <p:cNvPr id="4" name="Platshållare för text 3">
+            <a:extLst>
+              <a:ext uri="{FF2B5EF4-FFF2-40B4-BE49-F238E27FC236}">
+                <a16:creationId xmlns:a16="http://schemas.microsoft.com/office/drawing/2014/main" id="{D0042C59-206D-3214-63BA-F7131C0FA73C}"/>
+              </a:ext>
+            </a:extLst>
+          </p:cNvPr>
+          <p:cNvSpPr>
+            <a:spLocks noGrp="1"/>
+          </p:cNvSpPr>
+          <p:nvPr>
+            <p:ph type="body" sz="quarter" idx="15"/>
+          </p:nvPr>
+        </p:nvSpPr>
+        <p:spPr/>
+        <p:txBody>
+          <a:bodyPr/>
+          <a:lstStyle/>
+          <a:p>
+            <a:endParaRPr lang="sv-SE"/>
+          </a:p>
+        </p:txBody>
+      </p:sp>
+    </p:spTree>
+    <p:extLst>
+      <p:ext uri="{BB962C8B-B14F-4D97-AF65-F5344CB8AC3E}">
+        <p14:creationId xmlns:p14="http://schemas.microsoft.com/office/powerpoint/2010/main" val="102281822"/>
+      </p:ext>
+    </p:extLst>
+  </p:cSld>
+  <p:clrMapOvr>
+    <a:masterClrMapping/>
+  </p:clrMapOvr>
+</p:sld>
+</file>
+
+<file path=ppt/slides/slide14.xml><?xml version="1.0" encoding="utf-8"?>
+<p:sld xmlns:a="http://schemas.openxmlformats.org/drawingml/2006/main" xmlns:r="http://schemas.openxmlformats.org/officeDocument/2006/relationships" xmlns:p="http://schemas.openxmlformats.org/presentationml/2006/main">
+  <p:cSld>
+    <p:spTree>
+      <p:nvGrpSpPr>
+        <p:cNvPr id="1" name=""/>
+        <p:cNvGrpSpPr/>
+        <p:nvPr/>
+      </p:nvGrpSpPr>
+      <p:grpSpPr>
+        <a:xfrm>
+          <a:off x="0" y="0"/>
+          <a:ext cx="0" cy="0"/>
+          <a:chOff x="0" y="0"/>
+          <a:chExt cx="0" cy="0"/>
+        </a:xfrm>
+      </p:grpSpPr>
+      <p:sp>
+        <p:nvSpPr>
+          <p:cNvPr id="2" name="Rubrik 1">
+            <a:extLst>
+              <a:ext uri="{FF2B5EF4-FFF2-40B4-BE49-F238E27FC236}">
+                <a16:creationId xmlns:a16="http://schemas.microsoft.com/office/drawing/2014/main" id="{89895B5C-8045-77D1-C18B-81A88B858017}"/>
+              </a:ext>
+            </a:extLst>
+          </p:cNvPr>
+          <p:cNvSpPr>
+            <a:spLocks noGrp="1"/>
+          </p:cNvSpPr>
+          <p:nvPr>
+            <p:ph type="title"/>
+          </p:nvPr>
+        </p:nvSpPr>
+        <p:spPr>
+          <a:xfrm>
+            <a:off x="1334560" y="555894"/>
+            <a:ext cx="6354947" cy="603380"/>
+          </a:xfrm>
+        </p:spPr>
+        <p:txBody>
+          <a:bodyPr/>
+          <a:lstStyle/>
+          <a:p>
+            <a:r>
+              <a:rPr lang="sv-SE" dirty="0"/>
+              <a:t>Labbar</a:t>
+            </a:r>
+          </a:p>
+        </p:txBody>
+      </p:sp>
+      <p:sp>
+        <p:nvSpPr>
+          <p:cNvPr id="3" name="Platshållare för text 2">
+            <a:extLst>
+              <a:ext uri="{FF2B5EF4-FFF2-40B4-BE49-F238E27FC236}">
+                <a16:creationId xmlns:a16="http://schemas.microsoft.com/office/drawing/2014/main" id="{B5A69FC3-4C8B-7174-AD7A-4033956C71B9}"/>
+              </a:ext>
+            </a:extLst>
+          </p:cNvPr>
+          <p:cNvSpPr>
+            <a:spLocks noGrp="1"/>
+          </p:cNvSpPr>
+          <p:nvPr>
+            <p:ph type="body" sz="quarter" idx="13"/>
+          </p:nvPr>
+        </p:nvSpPr>
+        <p:spPr/>
+        <p:txBody>
+          <a:bodyPr/>
+          <a:lstStyle/>
+          <a:p>
+            <a:endParaRPr lang="sv-SE"/>
+          </a:p>
+        </p:txBody>
+      </p:sp>
+      <p:sp>
+        <p:nvSpPr>
+          <p:cNvPr id="4" name="Platshållare för text 3">
+            <a:extLst>
+              <a:ext uri="{FF2B5EF4-FFF2-40B4-BE49-F238E27FC236}">
+                <a16:creationId xmlns:a16="http://schemas.microsoft.com/office/drawing/2014/main" id="{670006C5-0ABD-E507-A475-68394BF8F914}"/>
+              </a:ext>
+            </a:extLst>
+          </p:cNvPr>
+          <p:cNvSpPr>
+            <a:spLocks noGrp="1"/>
+          </p:cNvSpPr>
+          <p:nvPr>
+            <p:ph type="body" sz="quarter" idx="15"/>
+          </p:nvPr>
+        </p:nvSpPr>
+        <p:spPr/>
+        <p:txBody>
+          <a:bodyPr/>
+          <a:lstStyle/>
+          <a:p>
+            <a:endParaRPr lang="sv-SE"/>
+          </a:p>
+        </p:txBody>
+      </p:sp>
+      <p:pic>
+        <p:nvPicPr>
+          <p:cNvPr id="6" name="Bildobjekt 5">
+            <a:extLst>
+              <a:ext uri="{FF2B5EF4-FFF2-40B4-BE49-F238E27FC236}">
+                <a16:creationId xmlns:a16="http://schemas.microsoft.com/office/drawing/2014/main" id="{B4C1A5E6-A563-09BC-C61D-3DED11B01681}"/>
+              </a:ext>
+            </a:extLst>
+          </p:cNvPr>
+          <p:cNvPicPr>
+            <a:picLocks noChangeAspect="1"/>
+          </p:cNvPicPr>
+          <p:nvPr/>
+        </p:nvPicPr>
+        <p:blipFill>
+          <a:blip r:embed="rId2"/>
+          <a:stretch>
+            <a:fillRect/>
+          </a:stretch>
+        </p:blipFill>
+        <p:spPr>
+          <a:xfrm>
+            <a:off x="6371303" y="0"/>
+            <a:ext cx="5808842" cy="5808842"/>
+          </a:xfrm>
+          <a:prstGeom prst="rect">
+            <a:avLst/>
+          </a:prstGeom>
+        </p:spPr>
+      </p:pic>
+      <p:sp>
+        <p:nvSpPr>
+          <p:cNvPr id="7" name="textruta 6">
+            <a:extLst>
+              <a:ext uri="{FF2B5EF4-FFF2-40B4-BE49-F238E27FC236}">
+                <a16:creationId xmlns:a16="http://schemas.microsoft.com/office/drawing/2014/main" id="{7780F544-4E80-F39A-B975-08FFD0DDE0E0}"/>
+              </a:ext>
+            </a:extLst>
+          </p:cNvPr>
+          <p:cNvSpPr txBox="1"/>
+          <p:nvPr/>
+        </p:nvSpPr>
+        <p:spPr>
+          <a:xfrm>
+            <a:off x="2586824" y="5839134"/>
+            <a:ext cx="6690294" cy="461665"/>
+          </a:xfrm>
+          <a:prstGeom prst="rect">
+            <a:avLst/>
+          </a:prstGeom>
+          <a:noFill/>
+        </p:spPr>
+        <p:txBody>
+          <a:bodyPr wrap="none" rtlCol="0">
+            <a:spAutoFit/>
+          </a:bodyPr>
+          <a:lstStyle/>
+          <a:p>
+            <a:pPr algn="r"/>
+            <a:r>
+              <a:rPr lang="sv-SE" sz="2400" dirty="0">
+                <a:solidFill>
+                  <a:schemeClr val="accent1"/>
+                </a:solidFill>
+              </a:rPr>
+              <a:t>https://damberg.one/blogg/2023/docker-hackaton/</a:t>
+            </a:r>
+          </a:p>
+        </p:txBody>
+      </p:sp>
+    </p:spTree>
+    <p:extLst>
+      <p:ext uri="{BB962C8B-B14F-4D97-AF65-F5344CB8AC3E}">
+        <p14:creationId xmlns:p14="http://schemas.microsoft.com/office/powerpoint/2010/main" val="92869228"/>
+      </p:ext>
+    </p:extLst>
+  </p:cSld>
+  <p:clrMapOvr>
+    <a:masterClrMapping/>
+  </p:clrMapOvr>
+  <p:timing>
+    <p:tnLst>
+      <p:par>
+        <p:cTn id="1" dur="indefinite" restart="never" nodeType="tmRoot">
+          <p:childTnLst>
+            <p:seq concurrent="1" nextAc="seek">
+              <p:cTn id="2" dur="indefinite" nodeType="mainSeq">
+                <p:childTnLst>
+                  <p:par>
+                    <p:cTn id="3" fill="hold">
+                      <p:stCondLst>
+                        <p:cond delay="indefinite"/>
+                      </p:stCondLst>
+                      <p:childTnLst>
+                        <p:par>
+                          <p:cTn id="4" fill="hold">
+                            <p:stCondLst>
+                              <p:cond delay="0"/>
+                            </p:stCondLst>
+                            <p:childTnLst>
+                              <p:par>
+                                <p:cTn id="5" presetID="1" presetClass="entr" presetSubtype="0" fill="hold" grpId="0" nodeType="clickEffect">
+                                  <p:stCondLst>
+                                    <p:cond delay="0"/>
+                                  </p:stCondLst>
+                                  <p:childTnLst>
+                                    <p:set>
+                                      <p:cBhvr>
+                                        <p:cTn id="6" dur="1" fill="hold">
+                                          <p:stCondLst>
+                                            <p:cond delay="0"/>
+                                          </p:stCondLst>
+                                        </p:cTn>
+                                        <p:tgtEl>
+                                          <p:spTgt spid="7"/>
+                                        </p:tgtEl>
+                                        <p:attrNameLst>
+                                          <p:attrName>style.visibility</p:attrName>
+                                        </p:attrNameLst>
+                                      </p:cBhvr>
+                                      <p:to>
+                                        <p:strVal val="visible"/>
+                                      </p:to>
+                                    </p:set>
+                                  </p:childTnLst>
+                                </p:cTn>
+                              </p:par>
+                              <p:par>
+                                <p:cTn id="7" presetID="1" presetClass="entr" presetSubtype="0" fill="hold" nodeType="withEffect">
+                                  <p:stCondLst>
+                                    <p:cond delay="0"/>
+                                  </p:stCondLst>
+                                  <p:childTnLst>
+                                    <p:set>
+                                      <p:cBhvr>
+                                        <p:cTn id="8" dur="1" fill="hold">
+                                          <p:stCondLst>
+                                            <p:cond delay="0"/>
+                                          </p:stCondLst>
+                                        </p:cTn>
+                                        <p:tgtEl>
+                                          <p:spTgt spid="6"/>
+                                        </p:tgtEl>
+                                        <p:attrNameLst>
+                                          <p:attrName>style.visibility</p:attrName>
+                                        </p:attrNameLst>
+                                      </p:cBhvr>
+                                      <p:to>
+                                        <p:strVal val="visible"/>
+                                      </p:to>
+                                    </p:set>
+                                  </p:childTnLst>
+                                </p:cTn>
+                              </p:par>
+                            </p:childTnLst>
+                          </p:cTn>
+                        </p:par>
+                      </p:childTnLst>
+                    </p:cTn>
+                  </p:par>
+                </p:childTnLst>
+              </p:cTn>
+              <p:prevCondLst>
+                <p:cond evt="onPrev" delay="0">
+                  <p:tgtEl>
+                    <p:sldTgt/>
+                  </p:tgtEl>
+                </p:cond>
+              </p:prevCondLst>
+              <p:nextCondLst>
+                <p:cond evt="onNext" delay="0">
+                  <p:tgtEl>
+                    <p:sldTgt/>
+                  </p:tgtEl>
+                </p:cond>
+              </p:nextCondLst>
+            </p:seq>
+          </p:childTnLst>
+        </p:cTn>
+      </p:par>
+    </p:tnLst>
+    <p:bldLst>
+      <p:bldP spid="7" grpId="0"/>
+    </p:bldLst>
+  </p:timing>
+</p:sld>
+</file>
+
+<file path=ppt/slides/slide15.xml><?xml version="1.0" encoding="utf-8"?>
+<p:sld xmlns:a="http://schemas.openxmlformats.org/drawingml/2006/main" xmlns:r="http://schemas.openxmlformats.org/officeDocument/2006/relationships" xmlns:p="http://schemas.openxmlformats.org/presentationml/2006/main">
+  <p:cSld>
+    <p:spTree>
+      <p:nvGrpSpPr>
+        <p:cNvPr id="1" name=""/>
+        <p:cNvGrpSpPr/>
+        <p:nvPr/>
+      </p:nvGrpSpPr>
+      <p:grpSpPr>
+        <a:xfrm>
+          <a:off x="0" y="0"/>
+          <a:ext cx="0" cy="0"/>
+          <a:chOff x="0" y="0"/>
+          <a:chExt cx="0" cy="0"/>
+        </a:xfrm>
+      </p:grpSpPr>
+      <p:sp>
+        <p:nvSpPr>
+          <p:cNvPr id="2" name="Rubrik 1">
+            <a:extLst>
+              <a:ext uri="{FF2B5EF4-FFF2-40B4-BE49-F238E27FC236}">
+                <a16:creationId xmlns:a16="http://schemas.microsoft.com/office/drawing/2014/main" id="{E6FECF85-BF5F-2B77-545B-628E4196B1DF}"/>
+              </a:ext>
+            </a:extLst>
+          </p:cNvPr>
+          <p:cNvSpPr>
+            <a:spLocks noGrp="1"/>
+          </p:cNvSpPr>
+          <p:nvPr>
+            <p:ph type="title"/>
+          </p:nvPr>
+        </p:nvSpPr>
+        <p:spPr>
+          <a:xfrm>
+            <a:off x="8443914" y="421595"/>
+            <a:ext cx="6354947" cy="603380"/>
+          </a:xfrm>
+        </p:spPr>
+        <p:txBody>
+          <a:bodyPr/>
+          <a:lstStyle/>
+          <a:p>
+            <a:r>
+              <a:rPr lang="sv-SE" dirty="0"/>
+              <a:t>Lager i image</a:t>
+            </a:r>
+          </a:p>
+        </p:txBody>
+      </p:sp>
+      <p:sp>
+        <p:nvSpPr>
+          <p:cNvPr id="3" name="Platshållare för text 2">
+            <a:extLst>
+              <a:ext uri="{FF2B5EF4-FFF2-40B4-BE49-F238E27FC236}">
+                <a16:creationId xmlns:a16="http://schemas.microsoft.com/office/drawing/2014/main" id="{24AA72BE-F27B-E485-1472-78B11232DAAF}"/>
+              </a:ext>
+            </a:extLst>
+          </p:cNvPr>
+          <p:cNvSpPr>
+            <a:spLocks noGrp="1"/>
+          </p:cNvSpPr>
+          <p:nvPr>
+            <p:ph type="body" sz="quarter" idx="13"/>
+          </p:nvPr>
+        </p:nvSpPr>
+        <p:spPr/>
+        <p:txBody>
+          <a:bodyPr/>
+          <a:lstStyle/>
+          <a:p>
+            <a:endParaRPr lang="sv-SE"/>
+          </a:p>
+        </p:txBody>
+      </p:sp>
+      <p:sp>
+        <p:nvSpPr>
+          <p:cNvPr id="4" name="Platshållare för text 3">
+            <a:extLst>
+              <a:ext uri="{FF2B5EF4-FFF2-40B4-BE49-F238E27FC236}">
+                <a16:creationId xmlns:a16="http://schemas.microsoft.com/office/drawing/2014/main" id="{B2AA258D-520F-FA3F-ED92-2C65E17512DE}"/>
+              </a:ext>
+            </a:extLst>
+          </p:cNvPr>
+          <p:cNvSpPr>
+            <a:spLocks noGrp="1"/>
+          </p:cNvSpPr>
+          <p:nvPr>
+            <p:ph type="body" sz="quarter" idx="15"/>
+          </p:nvPr>
+        </p:nvSpPr>
+        <p:spPr/>
+        <p:txBody>
+          <a:bodyPr/>
+          <a:lstStyle/>
+          <a:p>
+            <a:endParaRPr lang="sv-SE"/>
+          </a:p>
+        </p:txBody>
+      </p:sp>
+      <p:sp>
+        <p:nvSpPr>
+          <p:cNvPr id="5" name="Rektangel 4">
+            <a:extLst>
+              <a:ext uri="{FF2B5EF4-FFF2-40B4-BE49-F238E27FC236}">
+                <a16:creationId xmlns:a16="http://schemas.microsoft.com/office/drawing/2014/main" id="{7C076310-763D-42D0-73D0-EDBB0886288A}"/>
+              </a:ext>
+            </a:extLst>
+          </p:cNvPr>
+          <p:cNvSpPr/>
+          <p:nvPr/>
+        </p:nvSpPr>
+        <p:spPr>
+          <a:xfrm>
+            <a:off x="5116749" y="1867711"/>
+            <a:ext cx="5194571" cy="4487694"/>
+          </a:xfrm>
+          <a:prstGeom prst="rect">
+            <a:avLst/>
+          </a:prstGeom>
+        </p:spPr>
+        <p:style>
+          <a:lnRef idx="2">
+            <a:schemeClr val="accent1">
+              <a:shade val="15000"/>
+            </a:schemeClr>
+          </a:lnRef>
+          <a:fillRef idx="1">
+            <a:schemeClr val="accent1"/>
+          </a:fillRef>
+          <a:effectRef idx="0">
+            <a:schemeClr val="accent1"/>
+          </a:effectRef>
+          <a:fontRef idx="minor">
+            <a:schemeClr val="lt1"/>
+          </a:fontRef>
+        </p:style>
+        <p:txBody>
+          <a:bodyPr rtlCol="0" anchor="t"/>
+          <a:lstStyle/>
+          <a:p>
+            <a:pPr algn="ctr"/>
+            <a:r>
+              <a:rPr lang="sv-SE" dirty="0"/>
+              <a:t>Lager</a:t>
+            </a:r>
+          </a:p>
+        </p:txBody>
+      </p:sp>
+      <p:sp>
+        <p:nvSpPr>
+          <p:cNvPr id="6" name="Rektangel 5">
+            <a:extLst>
+              <a:ext uri="{FF2B5EF4-FFF2-40B4-BE49-F238E27FC236}">
+                <a16:creationId xmlns:a16="http://schemas.microsoft.com/office/drawing/2014/main" id="{930EA7E2-C57D-F505-424A-69BD477415A8}"/>
+              </a:ext>
+            </a:extLst>
+          </p:cNvPr>
+          <p:cNvSpPr/>
+          <p:nvPr/>
+        </p:nvSpPr>
+        <p:spPr>
+          <a:xfrm>
+            <a:off x="5570706" y="5454037"/>
+            <a:ext cx="4286656" cy="641963"/>
+          </a:xfrm>
+          <a:prstGeom prst="rect">
+            <a:avLst/>
+          </a:prstGeom>
+          <a:solidFill>
+            <a:schemeClr val="accent2"/>
+          </a:solidFill>
+        </p:spPr>
+        <p:style>
+          <a:lnRef idx="2">
+            <a:schemeClr val="accent1">
+              <a:shade val="15000"/>
+            </a:schemeClr>
+          </a:lnRef>
+          <a:fillRef idx="1">
+            <a:schemeClr val="accent1"/>
+          </a:fillRef>
+          <a:effectRef idx="0">
+            <a:schemeClr val="accent1"/>
+          </a:effectRef>
+          <a:fontRef idx="minor">
+            <a:schemeClr val="lt1"/>
+          </a:fontRef>
+        </p:style>
+        <p:txBody>
+          <a:bodyPr rtlCol="0" anchor="ctr"/>
+          <a:lstStyle/>
+          <a:p>
+            <a:pPr algn="ctr"/>
+            <a:r>
+              <a:rPr lang="sv-SE" dirty="0" err="1"/>
+              <a:t>Parent</a:t>
+            </a:r>
+            <a:r>
+              <a:rPr lang="sv-SE" dirty="0"/>
+              <a:t> image</a:t>
+            </a:r>
+          </a:p>
+        </p:txBody>
+      </p:sp>
+      <p:sp>
+        <p:nvSpPr>
+          <p:cNvPr id="7" name="Rektangel 6">
+            <a:extLst>
+              <a:ext uri="{FF2B5EF4-FFF2-40B4-BE49-F238E27FC236}">
+                <a16:creationId xmlns:a16="http://schemas.microsoft.com/office/drawing/2014/main" id="{44AAC875-E3A6-ECE8-CAB9-9C6881442E22}"/>
+              </a:ext>
+            </a:extLst>
+          </p:cNvPr>
+          <p:cNvSpPr/>
+          <p:nvPr/>
+        </p:nvSpPr>
+        <p:spPr>
+          <a:xfrm>
+            <a:off x="5570706" y="4489917"/>
+            <a:ext cx="4286656" cy="641963"/>
+          </a:xfrm>
+          <a:prstGeom prst="rect">
+            <a:avLst/>
+          </a:prstGeom>
+          <a:solidFill>
+            <a:schemeClr val="accent2"/>
+          </a:solidFill>
+        </p:spPr>
+        <p:style>
+          <a:lnRef idx="2">
+            <a:schemeClr val="accent1">
+              <a:shade val="15000"/>
+            </a:schemeClr>
+          </a:lnRef>
+          <a:fillRef idx="1">
+            <a:schemeClr val="accent1"/>
+          </a:fillRef>
+          <a:effectRef idx="0">
+            <a:schemeClr val="accent1"/>
+          </a:effectRef>
+          <a:fontRef idx="minor">
+            <a:schemeClr val="lt1"/>
+          </a:fontRef>
+        </p:style>
+        <p:txBody>
+          <a:bodyPr rtlCol="0" anchor="ctr"/>
+          <a:lstStyle/>
+          <a:p>
+            <a:pPr algn="ctr"/>
+            <a:r>
+              <a:rPr lang="sv-SE" dirty="0"/>
+              <a:t>Källkod</a:t>
+            </a:r>
+          </a:p>
+        </p:txBody>
+      </p:sp>
+      <p:sp>
+        <p:nvSpPr>
+          <p:cNvPr id="8" name="Rektangel 7">
+            <a:extLst>
+              <a:ext uri="{FF2B5EF4-FFF2-40B4-BE49-F238E27FC236}">
+                <a16:creationId xmlns:a16="http://schemas.microsoft.com/office/drawing/2014/main" id="{1ED3A919-8B2A-D781-B95E-234FC3B21C20}"/>
+              </a:ext>
+            </a:extLst>
+          </p:cNvPr>
+          <p:cNvSpPr/>
+          <p:nvPr/>
+        </p:nvSpPr>
+        <p:spPr>
+          <a:xfrm>
+            <a:off x="5570706" y="3525798"/>
+            <a:ext cx="4286656" cy="641963"/>
+          </a:xfrm>
+          <a:prstGeom prst="rect">
+            <a:avLst/>
+          </a:prstGeom>
+          <a:solidFill>
+            <a:schemeClr val="accent2"/>
+          </a:solidFill>
+        </p:spPr>
+        <p:style>
+          <a:lnRef idx="2">
+            <a:schemeClr val="accent1">
+              <a:shade val="15000"/>
+            </a:schemeClr>
+          </a:lnRef>
+          <a:fillRef idx="1">
+            <a:schemeClr val="accent1"/>
+          </a:fillRef>
+          <a:effectRef idx="0">
+            <a:schemeClr val="accent1"/>
+          </a:effectRef>
+          <a:fontRef idx="minor">
+            <a:schemeClr val="lt1"/>
+          </a:fontRef>
+        </p:style>
+        <p:txBody>
+          <a:bodyPr rtlCol="0" anchor="ctr"/>
+          <a:lstStyle/>
+          <a:p>
+            <a:pPr algn="ctr"/>
+            <a:r>
+              <a:rPr lang="sv-SE" dirty="0"/>
+              <a:t>Beroenden</a:t>
+            </a:r>
+          </a:p>
+        </p:txBody>
+      </p:sp>
+      <p:sp>
+        <p:nvSpPr>
+          <p:cNvPr id="9" name="Rektangel 8">
+            <a:extLst>
+              <a:ext uri="{FF2B5EF4-FFF2-40B4-BE49-F238E27FC236}">
+                <a16:creationId xmlns:a16="http://schemas.microsoft.com/office/drawing/2014/main" id="{ED9E5BE2-9A87-9ABE-A1E7-9A5511DFDFDD}"/>
+              </a:ext>
+            </a:extLst>
+          </p:cNvPr>
+          <p:cNvSpPr/>
+          <p:nvPr/>
+        </p:nvSpPr>
+        <p:spPr>
+          <a:xfrm>
+            <a:off x="5570706" y="2561679"/>
+            <a:ext cx="4286656" cy="641963"/>
+          </a:xfrm>
+          <a:prstGeom prst="rect">
+            <a:avLst/>
+          </a:prstGeom>
+          <a:solidFill>
+            <a:schemeClr val="accent2"/>
+          </a:solidFill>
+        </p:spPr>
+        <p:style>
+          <a:lnRef idx="2">
+            <a:schemeClr val="accent1">
+              <a:shade val="15000"/>
+            </a:schemeClr>
+          </a:lnRef>
+          <a:fillRef idx="1">
+            <a:schemeClr val="accent1"/>
+          </a:fillRef>
+          <a:effectRef idx="0">
+            <a:schemeClr val="accent1"/>
+          </a:effectRef>
+          <a:fontRef idx="minor">
+            <a:schemeClr val="lt1"/>
+          </a:fontRef>
+        </p:style>
+        <p:txBody>
+          <a:bodyPr rtlCol="0" anchor="ctr"/>
+          <a:lstStyle/>
+          <a:p>
+            <a:pPr algn="ctr"/>
+            <a:r>
+              <a:rPr lang="sv-SE" dirty="0" err="1"/>
+              <a:t>Körkommandon</a:t>
+            </a:r>
+            <a:endParaRPr lang="sv-SE" dirty="0"/>
+          </a:p>
+        </p:txBody>
+      </p:sp>
+    </p:spTree>
+    <p:extLst>
+      <p:ext uri="{BB962C8B-B14F-4D97-AF65-F5344CB8AC3E}">
+        <p14:creationId xmlns:p14="http://schemas.microsoft.com/office/powerpoint/2010/main" val="430114465"/>
+      </p:ext>
+    </p:extLst>
+  </p:cSld>
+  <p:clrMapOvr>
+    <a:masterClrMapping/>
+  </p:clrMapOvr>
+</p:sld>
+</file>
+
+<file path=ppt/slides/slide16.xml><?xml version="1.0" encoding="utf-8"?>
+<p:sld xmlns:a="http://schemas.openxmlformats.org/drawingml/2006/main" xmlns:r="http://schemas.openxmlformats.org/officeDocument/2006/relationships" xmlns:p="http://schemas.openxmlformats.org/presentationml/2006/main">
+  <p:cSld>
+    <p:spTree>
+      <p:nvGrpSpPr>
+        <p:cNvPr id="1" name=""/>
+        <p:cNvGrpSpPr/>
+        <p:nvPr/>
+      </p:nvGrpSpPr>
+      <p:grpSpPr>
+        <a:xfrm>
+          <a:off x="0" y="0"/>
+          <a:ext cx="0" cy="0"/>
+          <a:chOff x="0" y="0"/>
+          <a:chExt cx="0" cy="0"/>
+        </a:xfrm>
+      </p:grpSpPr>
+      <p:sp>
+        <p:nvSpPr>
+          <p:cNvPr id="2" name="Rubrik 1">
+            <a:extLst>
+              <a:ext uri="{FF2B5EF4-FFF2-40B4-BE49-F238E27FC236}">
+                <a16:creationId xmlns:a16="http://schemas.microsoft.com/office/drawing/2014/main" id="{FB729065-CB1F-2A16-AED6-149E053B96D5}"/>
+              </a:ext>
+            </a:extLst>
+          </p:cNvPr>
+          <p:cNvSpPr>
+            <a:spLocks noGrp="1"/>
+          </p:cNvSpPr>
+          <p:nvPr>
+            <p:ph type="title"/>
+          </p:nvPr>
+        </p:nvSpPr>
+        <p:spPr/>
+        <p:txBody>
+          <a:bodyPr/>
+          <a:lstStyle/>
+          <a:p>
+            <a:r>
+              <a:rPr lang="sv-SE" dirty="0" err="1"/>
+              <a:t>Cachning</a:t>
+            </a:r>
+            <a:r>
+              <a:rPr lang="sv-SE" dirty="0"/>
+              <a:t> i Docker</a:t>
+            </a:r>
+          </a:p>
+        </p:txBody>
+      </p:sp>
+      <p:sp>
+        <p:nvSpPr>
+          <p:cNvPr id="3" name="Platshållare för text 2">
+            <a:extLst>
+              <a:ext uri="{FF2B5EF4-FFF2-40B4-BE49-F238E27FC236}">
+                <a16:creationId xmlns:a16="http://schemas.microsoft.com/office/drawing/2014/main" id="{4B93B77C-D727-9853-96F8-FFE50E815809}"/>
+              </a:ext>
+            </a:extLst>
+          </p:cNvPr>
+          <p:cNvSpPr>
+            <a:spLocks noGrp="1"/>
+          </p:cNvSpPr>
+          <p:nvPr>
+            <p:ph type="body" sz="quarter" idx="14"/>
+          </p:nvPr>
+        </p:nvSpPr>
+        <p:spPr/>
+        <p:txBody>
+          <a:bodyPr/>
+          <a:lstStyle/>
+          <a:p>
+            <a:endParaRPr lang="sv-SE"/>
+          </a:p>
+        </p:txBody>
+      </p:sp>
+      <p:sp>
+        <p:nvSpPr>
+          <p:cNvPr id="4" name="Platshållare för text 3">
+            <a:extLst>
+              <a:ext uri="{FF2B5EF4-FFF2-40B4-BE49-F238E27FC236}">
+                <a16:creationId xmlns:a16="http://schemas.microsoft.com/office/drawing/2014/main" id="{E9F8098A-204A-1CF2-B49B-D95424165336}"/>
+              </a:ext>
+            </a:extLst>
+          </p:cNvPr>
+          <p:cNvSpPr>
+            <a:spLocks noGrp="1"/>
+          </p:cNvSpPr>
+          <p:nvPr>
+            <p:ph type="body" sz="quarter" idx="15"/>
+          </p:nvPr>
+        </p:nvSpPr>
+        <p:spPr/>
+        <p:txBody>
+          <a:bodyPr/>
+          <a:lstStyle/>
+          <a:p>
+            <a:endParaRPr lang="sv-SE"/>
+          </a:p>
+        </p:txBody>
+      </p:sp>
+      <p:pic>
+        <p:nvPicPr>
+          <p:cNvPr id="4098" name="Picture 2" descr="Cache | Docker Docs">
+            <a:extLst>
+              <a:ext uri="{FF2B5EF4-FFF2-40B4-BE49-F238E27FC236}">
+                <a16:creationId xmlns:a16="http://schemas.microsoft.com/office/drawing/2014/main" id="{D593FDFC-3DD9-47E7-B072-8621B8BCD561}"/>
+              </a:ext>
+            </a:extLst>
+          </p:cNvPr>
+          <p:cNvPicPr>
+            <a:picLocks noChangeAspect="1" noChangeArrowheads="1"/>
+          </p:cNvPicPr>
+          <p:nvPr/>
+        </p:nvPicPr>
+        <p:blipFill>
+          <a:blip r:embed="rId2">
+            <a:extLst>
+              <a:ext uri="{28A0092B-C50C-407E-A947-70E740481C1C}">
+                <a14:useLocalDpi xmlns:a14="http://schemas.microsoft.com/office/drawing/2010/main" val="0"/>
+              </a:ext>
+            </a:extLst>
+          </a:blip>
+          <a:srcRect/>
+          <a:stretch>
+            <a:fillRect/>
+          </a:stretch>
+        </p:blipFill>
+        <p:spPr bwMode="auto">
+          <a:xfrm>
+            <a:off x="119062" y="1192323"/>
+            <a:ext cx="15986761" cy="4985455"/>
+          </a:xfrm>
+          <a:prstGeom prst="rect">
+            <a:avLst/>
+          </a:prstGeom>
+          <a:noFill/>
+          <a:extLst>
+            <a:ext uri="{909E8E84-426E-40DD-AFC4-6F175D3DCCD1}">
+              <a14:hiddenFill xmlns:a14="http://schemas.microsoft.com/office/drawing/2010/main">
+                <a:solidFill>
+                  <a:srgbClr val="FFFFFF"/>
+                </a:solidFill>
+              </a14:hiddenFill>
+            </a:ext>
+          </a:extLst>
+        </p:spPr>
+      </p:pic>
+      <p:sp>
+        <p:nvSpPr>
+          <p:cNvPr id="6" name="Flödesschema: Process 5">
+            <a:extLst>
+              <a:ext uri="{FF2B5EF4-FFF2-40B4-BE49-F238E27FC236}">
+                <a16:creationId xmlns:a16="http://schemas.microsoft.com/office/drawing/2014/main" id="{C01D3D39-4100-7D47-409B-E83D9E0CBF63}"/>
+              </a:ext>
+            </a:extLst>
+          </p:cNvPr>
+          <p:cNvSpPr/>
+          <p:nvPr/>
+        </p:nvSpPr>
+        <p:spPr>
+          <a:xfrm>
+            <a:off x="4480560" y="1192323"/>
+            <a:ext cx="7711440" cy="303297"/>
+          </a:xfrm>
+          <a:prstGeom prst="flowChartProcess">
+            <a:avLst/>
+          </a:prstGeom>
+          <a:solidFill>
+            <a:schemeClr val="bg1"/>
+          </a:solidFill>
+          <a:ln>
+            <a:noFill/>
+          </a:ln>
+        </p:spPr>
+        <p:style>
+          <a:lnRef idx="2">
+            <a:schemeClr val="accent1">
+              <a:shade val="15000"/>
+            </a:schemeClr>
+          </a:lnRef>
+          <a:fillRef idx="1">
+            <a:schemeClr val="accent1"/>
+          </a:fillRef>
+          <a:effectRef idx="0">
+            <a:schemeClr val="accent1"/>
+          </a:effectRef>
+          <a:fontRef idx="minor">
+            <a:schemeClr val="lt1"/>
+          </a:fontRef>
+        </p:style>
+        <p:txBody>
+          <a:bodyPr rtlCol="0" anchor="ctr"/>
+          <a:lstStyle/>
+          <a:p>
+            <a:pPr algn="ctr"/>
+            <a:endParaRPr lang="sv-SE"/>
+          </a:p>
+        </p:txBody>
+      </p:sp>
+      <p:sp>
+        <p:nvSpPr>
+          <p:cNvPr id="7" name="Flödesschema: Process 6">
+            <a:extLst>
+              <a:ext uri="{FF2B5EF4-FFF2-40B4-BE49-F238E27FC236}">
+                <a16:creationId xmlns:a16="http://schemas.microsoft.com/office/drawing/2014/main" id="{AB899A18-41D9-519E-F8D0-7B316185254A}"/>
+              </a:ext>
+            </a:extLst>
+          </p:cNvPr>
+          <p:cNvSpPr/>
+          <p:nvPr/>
+        </p:nvSpPr>
+        <p:spPr>
+          <a:xfrm>
+            <a:off x="4480560" y="5855763"/>
+            <a:ext cx="7711440" cy="303297"/>
+          </a:xfrm>
+          <a:prstGeom prst="flowChartProcess">
+            <a:avLst/>
+          </a:prstGeom>
+          <a:solidFill>
+            <a:schemeClr val="bg1"/>
+          </a:solidFill>
+          <a:ln>
+            <a:noFill/>
+          </a:ln>
+        </p:spPr>
+        <p:style>
+          <a:lnRef idx="2">
+            <a:schemeClr val="accent1">
+              <a:shade val="15000"/>
+            </a:schemeClr>
+          </a:lnRef>
+          <a:fillRef idx="1">
+            <a:schemeClr val="accent1"/>
+          </a:fillRef>
+          <a:effectRef idx="0">
+            <a:schemeClr val="accent1"/>
+          </a:effectRef>
+          <a:fontRef idx="minor">
+            <a:schemeClr val="lt1"/>
+          </a:fontRef>
+        </p:style>
+        <p:txBody>
+          <a:bodyPr rtlCol="0" anchor="ctr"/>
+          <a:lstStyle/>
+          <a:p>
+            <a:pPr algn="ctr"/>
+            <a:endParaRPr lang="sv-SE"/>
+          </a:p>
+        </p:txBody>
+      </p:sp>
+      <p:sp>
+        <p:nvSpPr>
+          <p:cNvPr id="5" name="Rektangel 4">
+            <a:extLst>
+              <a:ext uri="{FF2B5EF4-FFF2-40B4-BE49-F238E27FC236}">
+                <a16:creationId xmlns:a16="http://schemas.microsoft.com/office/drawing/2014/main" id="{F9017F5F-9B57-A8BC-FF1E-8AD0CA61948D}"/>
+              </a:ext>
+            </a:extLst>
+          </p:cNvPr>
+          <p:cNvSpPr/>
+          <p:nvPr/>
+        </p:nvSpPr>
+        <p:spPr>
+          <a:xfrm flipH="1" flipV="1">
+            <a:off x="0" y="0"/>
+            <a:ext cx="4556760" cy="6858000"/>
+          </a:xfrm>
+          <a:prstGeom prst="rect">
+            <a:avLst/>
+          </a:prstGeom>
+          <a:ln>
+            <a:noFill/>
+          </a:ln>
+        </p:spPr>
+        <p:style>
+          <a:lnRef idx="2">
+            <a:schemeClr val="accent1">
+              <a:shade val="15000"/>
+            </a:schemeClr>
+          </a:lnRef>
+          <a:fillRef idx="1">
+            <a:schemeClr val="accent1"/>
+          </a:fillRef>
+          <a:effectRef idx="0">
+            <a:schemeClr val="accent1"/>
+          </a:effectRef>
+          <a:fontRef idx="minor">
+            <a:schemeClr val="lt1"/>
+          </a:fontRef>
+        </p:style>
+        <p:txBody>
+          <a:bodyPr rtlCol="0" anchor="ctr"/>
+          <a:lstStyle/>
+          <a:p>
+            <a:pPr algn="ctr"/>
+            <a:endParaRPr lang="sv-SE"/>
+          </a:p>
+        </p:txBody>
+      </p:sp>
+    </p:spTree>
+    <p:extLst>
+      <p:ext uri="{BB962C8B-B14F-4D97-AF65-F5344CB8AC3E}">
+        <p14:creationId xmlns:p14="http://schemas.microsoft.com/office/powerpoint/2010/main" val="2087386200"/>
+      </p:ext>
+    </p:extLst>
+  </p:cSld>
+  <p:clrMapOvr>
+    <a:masterClrMapping/>
+  </p:clrMapOvr>
+</p:sld>
+</file>
+
+<file path=ppt/slides/slide17.xml><?xml version="1.0" encoding="utf-8"?>
+<p:sld xmlns:a="http://schemas.openxmlformats.org/drawingml/2006/main" xmlns:r="http://schemas.openxmlformats.org/officeDocument/2006/relationships" xmlns:p="http://schemas.openxmlformats.org/presentationml/2006/main">
+  <p:cSld>
+    <p:spTree>
+      <p:nvGrpSpPr>
+        <p:cNvPr id="1" name=""/>
+        <p:cNvGrpSpPr/>
+        <p:nvPr/>
+      </p:nvGrpSpPr>
+      <p:grpSpPr>
+        <a:xfrm>
+          <a:off x="0" y="0"/>
+          <a:ext cx="0" cy="0"/>
+          <a:chOff x="0" y="0"/>
+          <a:chExt cx="0" cy="0"/>
+        </a:xfrm>
+      </p:grpSpPr>
+      <p:pic>
+        <p:nvPicPr>
+          <p:cNvPr id="11" name="Bildobjekt 10">
+            <a:extLst>
+              <a:ext uri="{FF2B5EF4-FFF2-40B4-BE49-F238E27FC236}">
+                <a16:creationId xmlns:a16="http://schemas.microsoft.com/office/drawing/2014/main" id="{4F6F9ECF-B166-9663-DBF2-15659C1B0D89}"/>
+              </a:ext>
+            </a:extLst>
+          </p:cNvPr>
+          <p:cNvPicPr>
+            <a:picLocks noChangeAspect="1"/>
+          </p:cNvPicPr>
+          <p:nvPr/>
+        </p:nvPicPr>
+        <p:blipFill>
+          <a:blip r:embed="rId2"/>
+          <a:stretch>
+            <a:fillRect/>
+          </a:stretch>
+        </p:blipFill>
+        <p:spPr>
+          <a:xfrm>
+            <a:off x="4747939" y="1394063"/>
+            <a:ext cx="3268301" cy="4158933"/>
+          </a:xfrm>
+          <a:prstGeom prst="rect">
+            <a:avLst/>
+          </a:prstGeom>
+        </p:spPr>
+      </p:pic>
+      <p:sp>
+        <p:nvSpPr>
+          <p:cNvPr id="2" name="Rubrik 1">
+            <a:extLst>
+              <a:ext uri="{FF2B5EF4-FFF2-40B4-BE49-F238E27FC236}">
+                <a16:creationId xmlns:a16="http://schemas.microsoft.com/office/drawing/2014/main" id="{A448B92B-1857-1736-AF26-726EC3892882}"/>
+              </a:ext>
+            </a:extLst>
+          </p:cNvPr>
+          <p:cNvSpPr>
+            <a:spLocks noGrp="1"/>
+          </p:cNvSpPr>
+          <p:nvPr>
+            <p:ph type="title"/>
+          </p:nvPr>
+        </p:nvSpPr>
+        <p:spPr/>
+        <p:txBody>
+          <a:bodyPr/>
+          <a:lstStyle/>
+          <a:p>
+            <a:r>
+              <a:rPr lang="sv-SE" dirty="0" err="1"/>
+              <a:t>Dockerfile</a:t>
+            </a:r>
+            <a:r>
+              <a:rPr lang="sv-SE" dirty="0"/>
+              <a:t> vs </a:t>
+            </a:r>
+            <a:r>
+              <a:rPr lang="sv-SE" dirty="0" err="1"/>
+              <a:t>docker-compose</a:t>
+            </a:r>
+            <a:endParaRPr lang="sv-SE" dirty="0"/>
+          </a:p>
+        </p:txBody>
+      </p:sp>
+      <p:sp>
+        <p:nvSpPr>
+          <p:cNvPr id="4" name="Platshållare för text 3">
+            <a:extLst>
+              <a:ext uri="{FF2B5EF4-FFF2-40B4-BE49-F238E27FC236}">
+                <a16:creationId xmlns:a16="http://schemas.microsoft.com/office/drawing/2014/main" id="{7FF6A37C-41A1-F61C-5413-3162AB9F7F2D}"/>
+              </a:ext>
+            </a:extLst>
+          </p:cNvPr>
+          <p:cNvSpPr>
+            <a:spLocks noGrp="1"/>
+          </p:cNvSpPr>
+          <p:nvPr>
+            <p:ph type="body" sz="quarter" idx="15"/>
+          </p:nvPr>
+        </p:nvSpPr>
+        <p:spPr/>
+        <p:txBody>
+          <a:bodyPr/>
+          <a:lstStyle/>
+          <a:p>
+            <a:endParaRPr lang="sv-SE"/>
+          </a:p>
+        </p:txBody>
+      </p:sp>
+      <p:pic>
+        <p:nvPicPr>
+          <p:cNvPr id="9" name="Bildobjekt 8">
+            <a:extLst>
+              <a:ext uri="{FF2B5EF4-FFF2-40B4-BE49-F238E27FC236}">
+                <a16:creationId xmlns:a16="http://schemas.microsoft.com/office/drawing/2014/main" id="{CFA69F99-111A-ED32-3E10-977B20819E56}"/>
+              </a:ext>
+            </a:extLst>
+          </p:cNvPr>
+          <p:cNvPicPr>
+            <a:picLocks noChangeAspect="1"/>
+          </p:cNvPicPr>
+          <p:nvPr/>
+        </p:nvPicPr>
+        <p:blipFill>
+          <a:blip r:embed="rId3"/>
+          <a:stretch>
+            <a:fillRect/>
+          </a:stretch>
+        </p:blipFill>
+        <p:spPr>
+          <a:xfrm>
+            <a:off x="8420976" y="1615440"/>
+            <a:ext cx="3649104" cy="3977640"/>
+          </a:xfrm>
+          <a:prstGeom prst="rect">
+            <a:avLst/>
+          </a:prstGeom>
+        </p:spPr>
+      </p:pic>
+      <p:graphicFrame>
+        <p:nvGraphicFramePr>
+          <p:cNvPr id="7" name="Tabell 6">
+            <a:extLst>
+              <a:ext uri="{FF2B5EF4-FFF2-40B4-BE49-F238E27FC236}">
+                <a16:creationId xmlns:a16="http://schemas.microsoft.com/office/drawing/2014/main" id="{984708F4-F3C6-27B6-EE15-3B032E9B29CD}"/>
+              </a:ext>
+            </a:extLst>
+          </p:cNvPr>
+          <p:cNvGraphicFramePr>
+            <a:graphicFrameLocks noGrp="1"/>
+          </p:cNvGraphicFramePr>
+          <p:nvPr>
+            <p:extLst>
+              <p:ext uri="{D42A27DB-BD31-4B8C-83A1-F6EECF244321}">
+                <p14:modId xmlns:p14="http://schemas.microsoft.com/office/powerpoint/2010/main" val="348675563"/>
+              </p:ext>
+            </p:extLst>
+          </p:nvPr>
+        </p:nvGraphicFramePr>
+        <p:xfrm>
+          <a:off x="119062" y="1402080"/>
+          <a:ext cx="11951019" cy="5034777"/>
+        </p:xfrm>
+        <a:graphic>
+          <a:graphicData uri="http://schemas.openxmlformats.org/drawingml/2006/table">
+            <a:tbl>
+              <a:tblPr firstRow="1" bandRow="1">
+                <a:tableStyleId>{5C22544A-7EE6-4342-B048-85BDC9FD1C3A}</a:tableStyleId>
+              </a:tblPr>
+              <a:tblGrid>
+                <a:gridCol w="3983673">
+                  <a:extLst>
+                    <a:ext uri="{9D8B030D-6E8A-4147-A177-3AD203B41FA5}">
+                      <a16:colId xmlns:a16="http://schemas.microsoft.com/office/drawing/2014/main" val="3207893941"/>
+                    </a:ext>
+                  </a:extLst>
+                </a:gridCol>
+                <a:gridCol w="3983673">
+                  <a:extLst>
+                    <a:ext uri="{9D8B030D-6E8A-4147-A177-3AD203B41FA5}">
+                      <a16:colId xmlns:a16="http://schemas.microsoft.com/office/drawing/2014/main" val="3163658027"/>
+                    </a:ext>
+                  </a:extLst>
+                </a:gridCol>
+                <a:gridCol w="3983673">
+                  <a:extLst>
+                    <a:ext uri="{9D8B030D-6E8A-4147-A177-3AD203B41FA5}">
+                      <a16:colId xmlns:a16="http://schemas.microsoft.com/office/drawing/2014/main" val="3461400454"/>
+                    </a:ext>
+                  </a:extLst>
+                </a:gridCol>
+              </a:tblGrid>
+              <a:tr h="620226">
+                <a:tc>
+                  <a:txBody>
+                    <a:bodyPr/>
+                    <a:lstStyle/>
+                    <a:p>
+                      <a:endParaRPr lang="sv-SE" sz="3200" dirty="0"/>
+                    </a:p>
+                  </a:txBody>
+                  <a:tcPr/>
+                </a:tc>
+                <a:tc>
+                  <a:txBody>
+                    <a:bodyPr/>
+                    <a:lstStyle/>
+                    <a:p>
+                      <a:r>
+                        <a:rPr lang="sv-SE" sz="3200" dirty="0" err="1"/>
+                        <a:t>Dockerfile</a:t>
+                      </a:r>
+                      <a:endParaRPr lang="sv-SE" sz="3200" dirty="0"/>
+                    </a:p>
+                  </a:txBody>
+                  <a:tcPr/>
+                </a:tc>
+                <a:tc>
+                  <a:txBody>
+                    <a:bodyPr/>
+                    <a:lstStyle/>
+                    <a:p>
+                      <a:r>
+                        <a:rPr lang="sv-SE" sz="3200" dirty="0"/>
+                        <a:t>Docker-</a:t>
+                      </a:r>
+                      <a:r>
+                        <a:rPr lang="sv-SE" sz="3200" dirty="0" err="1"/>
+                        <a:t>compose</a:t>
+                      </a:r>
+                      <a:endParaRPr lang="sv-SE" sz="3200" dirty="0"/>
+                    </a:p>
+                  </a:txBody>
+                  <a:tcPr/>
+                </a:tc>
+                <a:extLst>
+                  <a:ext uri="{0D108BD9-81ED-4DB2-BD59-A6C34878D82A}">
+                    <a16:rowId xmlns:a16="http://schemas.microsoft.com/office/drawing/2014/main" val="1246566806"/>
+                  </a:ext>
+                </a:extLst>
+              </a:tr>
+              <a:tr h="620226">
+                <a:tc>
+                  <a:txBody>
+                    <a:bodyPr/>
+                    <a:lstStyle/>
+                    <a:p>
+                      <a:r>
+                        <a:rPr lang="sv-SE" sz="3200" dirty="0"/>
+                        <a:t>Format</a:t>
+                      </a:r>
+                    </a:p>
+                  </a:txBody>
+                  <a:tcPr/>
+                </a:tc>
+                <a:tc>
+                  <a:txBody>
+                    <a:bodyPr/>
+                    <a:lstStyle/>
+                    <a:p>
+                      <a:r>
+                        <a:rPr lang="sv-SE" sz="3200" dirty="0"/>
+                        <a:t>Eget format</a:t>
+                      </a:r>
+                    </a:p>
+                  </a:txBody>
+                  <a:tcPr/>
+                </a:tc>
+                <a:tc>
+                  <a:txBody>
+                    <a:bodyPr/>
+                    <a:lstStyle/>
+                    <a:p>
+                      <a:r>
+                        <a:rPr lang="sv-SE" sz="3200" dirty="0"/>
+                        <a:t>YAML</a:t>
+                      </a:r>
+                    </a:p>
+                  </a:txBody>
+                  <a:tcPr/>
+                </a:tc>
+                <a:extLst>
+                  <a:ext uri="{0D108BD9-81ED-4DB2-BD59-A6C34878D82A}">
+                    <a16:rowId xmlns:a16="http://schemas.microsoft.com/office/drawing/2014/main" val="1057093761"/>
+                  </a:ext>
+                </a:extLst>
+              </a:tr>
+              <a:tr h="2152550">
+                <a:tc>
+                  <a:txBody>
+                    <a:bodyPr/>
+                    <a:lstStyle/>
+                    <a:p>
+                      <a:r>
+                        <a:rPr lang="sv-SE" sz="3200" dirty="0"/>
+                        <a:t>Syfte</a:t>
+                      </a:r>
+                    </a:p>
+                  </a:txBody>
+                  <a:tcPr/>
+                </a:tc>
+                <a:tc>
+                  <a:txBody>
+                    <a:bodyPr/>
+                    <a:lstStyle/>
+                    <a:p>
+                      <a:r>
+                        <a:rPr lang="sv-SE" sz="3200" dirty="0"/>
+                        <a:t>Bygger </a:t>
+                      </a:r>
+                      <a:r>
+                        <a:rPr lang="sv-SE" sz="3200" dirty="0" err="1"/>
+                        <a:t>docker</a:t>
+                      </a:r>
+                      <a:r>
+                        <a:rPr lang="sv-SE" sz="3200" dirty="0"/>
+                        <a:t> images, automatiserar byggen</a:t>
+                      </a:r>
+                    </a:p>
+                  </a:txBody>
+                  <a:tcPr/>
+                </a:tc>
+                <a:tc>
+                  <a:txBody>
+                    <a:bodyPr/>
+                    <a:lstStyle/>
+                    <a:p>
+                      <a:r>
+                        <a:rPr lang="sv-SE" sz="3200" dirty="0"/>
+                        <a:t>Bygger, sätter upp och </a:t>
+                      </a:r>
+                      <a:r>
+                        <a:rPr lang="sv-SE" sz="3200" dirty="0" err="1"/>
+                        <a:t>orchestrerar</a:t>
+                      </a:r>
+                      <a:r>
+                        <a:rPr lang="sv-SE" sz="3200" dirty="0"/>
+                        <a:t> många containers</a:t>
+                      </a:r>
+                    </a:p>
+                  </a:txBody>
+                  <a:tcPr/>
+                </a:tc>
+                <a:extLst>
+                  <a:ext uri="{0D108BD9-81ED-4DB2-BD59-A6C34878D82A}">
+                    <a16:rowId xmlns:a16="http://schemas.microsoft.com/office/drawing/2014/main" val="4175074035"/>
+                  </a:ext>
+                </a:extLst>
+              </a:tr>
+              <a:tr h="1641775">
+                <a:tc>
+                  <a:txBody>
+                    <a:bodyPr/>
+                    <a:lstStyle/>
+                    <a:p>
+                      <a:r>
+                        <a:rPr lang="sv-SE" sz="3200" dirty="0"/>
+                        <a:t>Användningsfall</a:t>
+                      </a:r>
+                    </a:p>
+                  </a:txBody>
+                  <a:tcPr/>
+                </a:tc>
+                <a:tc>
+                  <a:txBody>
+                    <a:bodyPr/>
+                    <a:lstStyle/>
+                    <a:p>
+                      <a:r>
+                        <a:rPr lang="sv-SE" sz="3200" dirty="0"/>
+                        <a:t>Hjälper till i systemunderhåll</a:t>
+                      </a:r>
+                    </a:p>
+                  </a:txBody>
+                  <a:tcPr/>
+                </a:tc>
+                <a:tc>
+                  <a:txBody>
+                    <a:bodyPr/>
+                    <a:lstStyle/>
+                    <a:p>
+                      <a:r>
+                        <a:rPr lang="sv-SE" sz="3200" dirty="0"/>
+                        <a:t>Hjälper till i IT-landskapsunderhåll</a:t>
+                      </a:r>
+                    </a:p>
+                  </a:txBody>
+                  <a:tcPr/>
+                </a:tc>
+                <a:extLst>
+                  <a:ext uri="{0D108BD9-81ED-4DB2-BD59-A6C34878D82A}">
+                    <a16:rowId xmlns:a16="http://schemas.microsoft.com/office/drawing/2014/main" val="292484228"/>
+                  </a:ext>
+                </a:extLst>
+              </a:tr>
+            </a:tbl>
+          </a:graphicData>
+        </a:graphic>
+      </p:graphicFrame>
+    </p:spTree>
+    <p:extLst>
+      <p:ext uri="{BB962C8B-B14F-4D97-AF65-F5344CB8AC3E}">
+        <p14:creationId xmlns:p14="http://schemas.microsoft.com/office/powerpoint/2010/main" val="1062604321"/>
+      </p:ext>
+    </p:extLst>
+  </p:cSld>
+  <p:clrMapOvr>
+    <a:masterClrMapping/>
+  </p:clrMapOvr>
+  <p:timing>
+    <p:tnLst>
+      <p:par>
+        <p:cTn id="1" dur="indefinite" restart="never" nodeType="tmRoot">
+          <p:childTnLst>
+            <p:seq concurrent="1" nextAc="seek">
+              <p:cTn id="2" dur="indefinite" nodeType="mainSeq">
+                <p:childTnLst>
+                  <p:par>
+                    <p:cTn id="3" fill="hold">
+                      <p:stCondLst>
+                        <p:cond delay="indefinite"/>
+                      </p:stCondLst>
+                      <p:childTnLst>
+                        <p:par>
+                          <p:cTn id="4" fill="hold">
+                            <p:stCondLst>
+                              <p:cond delay="0"/>
+                            </p:stCondLst>
+                            <p:childTnLst>
+                              <p:par>
+                                <p:cTn id="5" presetID="1" presetClass="entr" presetSubtype="0" fill="hold" nodeType="clickEffect">
+                                  <p:stCondLst>
+                                    <p:cond delay="0"/>
+                                  </p:stCondLst>
+                                  <p:childTnLst>
+                                    <p:set>
+                                      <p:cBhvr>
+                                        <p:cTn id="6" dur="1" fill="hold">
+                                          <p:stCondLst>
+                                            <p:cond delay="0"/>
+                                          </p:stCondLst>
+                                        </p:cTn>
+                                        <p:tgtEl>
+                                          <p:spTgt spid="7"/>
+                                        </p:tgtEl>
+                                        <p:attrNameLst>
+                                          <p:attrName>style.visibility</p:attrName>
+                                        </p:attrNameLst>
+                                      </p:cBhvr>
+                                      <p:to>
+                                        <p:strVal val="visible"/>
+                                      </p:to>
+                                    </p:set>
+                                  </p:childTnLst>
+                                </p:cTn>
+                              </p:par>
+                            </p:childTnLst>
+                          </p:cTn>
+                        </p:par>
+                      </p:childTnLst>
+                    </p:cTn>
+                  </p:par>
+                </p:childTnLst>
+              </p:cTn>
+              <p:prevCondLst>
+                <p:cond evt="onPrev" delay="0">
+                  <p:tgtEl>
+                    <p:sldTgt/>
+                  </p:tgtEl>
+                </p:cond>
+              </p:prevCondLst>
+              <p:nextCondLst>
+                <p:cond evt="onNext" delay="0">
+                  <p:tgtEl>
+                    <p:sldTgt/>
+                  </p:tgtEl>
+                </p:cond>
+              </p:nextCondLst>
+            </p:seq>
+          </p:childTnLst>
+        </p:cTn>
+      </p:par>
+    </p:tnLst>
+  </p:timing>
+</p:sld>
+</file>
+
+<file path=ppt/slides/slide18.xml><?xml version="1.0" encoding="utf-8"?>
+<p:sld xmlns:a="http://schemas.openxmlformats.org/drawingml/2006/main" xmlns:r="http://schemas.openxmlformats.org/officeDocument/2006/relationships" xmlns:p="http://schemas.openxmlformats.org/presentationml/2006/main">
+  <p:cSld>
+    <p:spTree>
+      <p:nvGrpSpPr>
+        <p:cNvPr id="1" name=""/>
+        <p:cNvGrpSpPr/>
+        <p:nvPr/>
+      </p:nvGrpSpPr>
+      <p:grpSpPr>
+        <a:xfrm>
+          <a:off x="0" y="0"/>
+          <a:ext cx="0" cy="0"/>
+          <a:chOff x="0" y="0"/>
+          <a:chExt cx="0" cy="0"/>
+        </a:xfrm>
+      </p:grpSpPr>
+      <p:sp>
+        <p:nvSpPr>
+          <p:cNvPr id="12" name="Rektangel 11">
+            <a:extLst>
+              <a:ext uri="{FF2B5EF4-FFF2-40B4-BE49-F238E27FC236}">
+                <a16:creationId xmlns:a16="http://schemas.microsoft.com/office/drawing/2014/main" id="{60595978-949D-19D1-D70D-6ADBE749725F}"/>
+              </a:ext>
+            </a:extLst>
+          </p:cNvPr>
+          <p:cNvSpPr/>
+          <p:nvPr/>
+        </p:nvSpPr>
+        <p:spPr>
+          <a:xfrm>
+            <a:off x="4531570" y="3190026"/>
+            <a:ext cx="4022482" cy="1447800"/>
+          </a:xfrm>
+          <a:prstGeom prst="rect">
+            <a:avLst/>
+          </a:prstGeom>
+          <a:solidFill>
+            <a:schemeClr val="accent3">
+              <a:lumMod val="90000"/>
+            </a:schemeClr>
+          </a:solidFill>
+        </p:spPr>
+        <p:style>
+          <a:lnRef idx="2">
+            <a:schemeClr val="accent1">
+              <a:shade val="15000"/>
+            </a:schemeClr>
+          </a:lnRef>
+          <a:fillRef idx="1">
+            <a:schemeClr val="accent1"/>
+          </a:fillRef>
+          <a:effectRef idx="0">
+            <a:schemeClr val="accent1"/>
+          </a:effectRef>
+          <a:fontRef idx="minor">
+            <a:schemeClr val="lt1"/>
+          </a:fontRef>
+        </p:style>
+        <p:txBody>
+          <a:bodyPr rtlCol="0" anchor="t"/>
+          <a:lstStyle/>
+          <a:p>
+            <a:r>
+              <a:rPr lang="sv-SE" dirty="0">
+                <a:solidFill>
+                  <a:schemeClr val="accent1"/>
+                </a:solidFill>
+              </a:rPr>
+              <a:t>OS (WSL - </a:t>
+            </a:r>
+            <a:r>
+              <a:rPr lang="sv-SE" i="1" dirty="0">
+                <a:solidFill>
+                  <a:schemeClr val="accent1"/>
+                </a:solidFill>
+              </a:rPr>
+              <a:t>Windows</a:t>
+            </a:r>
+            <a:r>
+              <a:rPr lang="sv-SE" dirty="0">
+                <a:solidFill>
+                  <a:schemeClr val="accent1"/>
+                </a:solidFill>
+              </a:rPr>
+              <a:t> Subsystem for </a:t>
+            </a:r>
+            <a:r>
+              <a:rPr lang="sv-SE" i="1" dirty="0">
+                <a:solidFill>
+                  <a:schemeClr val="accent1"/>
+                </a:solidFill>
+              </a:rPr>
+              <a:t>Linux</a:t>
+            </a:r>
+            <a:r>
+              <a:rPr lang="sv-SE" dirty="0">
+                <a:solidFill>
+                  <a:schemeClr val="accent1"/>
+                </a:solidFill>
+              </a:rPr>
+              <a:t>)</a:t>
+            </a:r>
+          </a:p>
+        </p:txBody>
+      </p:sp>
+      <p:sp>
+        <p:nvSpPr>
+          <p:cNvPr id="4" name="Rektangel 3">
+            <a:extLst>
+              <a:ext uri="{FF2B5EF4-FFF2-40B4-BE49-F238E27FC236}">
+                <a16:creationId xmlns:a16="http://schemas.microsoft.com/office/drawing/2014/main" id="{6F342DBC-59AB-022E-6986-56A99960E71D}"/>
+              </a:ext>
+            </a:extLst>
+          </p:cNvPr>
+          <p:cNvSpPr/>
+          <p:nvPr/>
+        </p:nvSpPr>
+        <p:spPr>
+          <a:xfrm>
+            <a:off x="4782152" y="3494826"/>
+            <a:ext cx="3033346" cy="1213339"/>
+          </a:xfrm>
+          <a:prstGeom prst="rect">
+            <a:avLst/>
+          </a:prstGeom>
+          <a:solidFill>
+            <a:schemeClr val="accent3">
+              <a:lumMod val="90000"/>
+            </a:schemeClr>
+          </a:solidFill>
+        </p:spPr>
+        <p:style>
+          <a:lnRef idx="2">
+            <a:schemeClr val="accent1">
+              <a:shade val="15000"/>
+            </a:schemeClr>
+          </a:lnRef>
+          <a:fillRef idx="1">
+            <a:schemeClr val="accent1"/>
+          </a:fillRef>
+          <a:effectRef idx="0">
+            <a:schemeClr val="accent1"/>
+          </a:effectRef>
+          <a:fontRef idx="minor">
+            <a:schemeClr val="lt1"/>
+          </a:fontRef>
+        </p:style>
+        <p:txBody>
+          <a:bodyPr rtlCol="0" anchor="t"/>
+          <a:lstStyle/>
+          <a:p>
+            <a:r>
+              <a:rPr lang="sv-SE" dirty="0">
+                <a:solidFill>
+                  <a:schemeClr val="accent1"/>
+                </a:solidFill>
+              </a:rPr>
+              <a:t>OS (Linux)</a:t>
+            </a:r>
+          </a:p>
+        </p:txBody>
+      </p:sp>
+      <p:sp>
+        <p:nvSpPr>
+          <p:cNvPr id="6" name="Rektangel 5">
+            <a:extLst>
+              <a:ext uri="{FF2B5EF4-FFF2-40B4-BE49-F238E27FC236}">
+                <a16:creationId xmlns:a16="http://schemas.microsoft.com/office/drawing/2014/main" id="{43FCEBA6-F044-A5DD-11A9-5E0D5C79E71A}"/>
+              </a:ext>
+            </a:extLst>
+          </p:cNvPr>
+          <p:cNvSpPr/>
+          <p:nvPr/>
+        </p:nvSpPr>
+        <p:spPr>
+          <a:xfrm>
+            <a:off x="6786798" y="4570419"/>
+            <a:ext cx="2910253" cy="1693984"/>
+          </a:xfrm>
+          <a:prstGeom prst="rect">
+            <a:avLst/>
+          </a:prstGeom>
+          <a:solidFill>
+            <a:schemeClr val="bg2">
+              <a:lumMod val="50000"/>
+            </a:schemeClr>
+          </a:solidFill>
+        </p:spPr>
+        <p:style>
+          <a:lnRef idx="2">
+            <a:schemeClr val="accent1">
+              <a:shade val="15000"/>
+            </a:schemeClr>
+          </a:lnRef>
+          <a:fillRef idx="1">
+            <a:schemeClr val="accent1"/>
+          </a:fillRef>
+          <a:effectRef idx="0">
+            <a:schemeClr val="accent1"/>
+          </a:effectRef>
+          <a:fontRef idx="minor">
+            <a:schemeClr val="lt1"/>
+          </a:fontRef>
+        </p:style>
+        <p:txBody>
+          <a:bodyPr rtlCol="0" anchor="t"/>
+          <a:lstStyle/>
+          <a:p>
+            <a:pPr algn="r"/>
+            <a:r>
+              <a:rPr lang="sv-SE" dirty="0"/>
+              <a:t>Hårdvara</a:t>
+            </a:r>
+          </a:p>
+        </p:txBody>
+      </p:sp>
+      <p:sp>
+        <p:nvSpPr>
+          <p:cNvPr id="5" name="Rektangel 4">
+            <a:extLst>
+              <a:ext uri="{FF2B5EF4-FFF2-40B4-BE49-F238E27FC236}">
+                <a16:creationId xmlns:a16="http://schemas.microsoft.com/office/drawing/2014/main" id="{5245ED24-7690-2FCB-D2E9-C8911E7D0324}"/>
+              </a:ext>
+            </a:extLst>
+          </p:cNvPr>
+          <p:cNvSpPr/>
+          <p:nvPr/>
+        </p:nvSpPr>
+        <p:spPr>
+          <a:xfrm>
+            <a:off x="6121512" y="4432672"/>
+            <a:ext cx="1992924" cy="550985"/>
+          </a:xfrm>
+          <a:prstGeom prst="rect">
+            <a:avLst/>
+          </a:prstGeom>
+          <a:solidFill>
+            <a:schemeClr val="accent3">
+              <a:lumMod val="50000"/>
+            </a:schemeClr>
+          </a:solidFill>
+        </p:spPr>
+        <p:style>
+          <a:lnRef idx="2">
+            <a:schemeClr val="accent1">
+              <a:shade val="15000"/>
+            </a:schemeClr>
+          </a:lnRef>
+          <a:fillRef idx="1">
+            <a:schemeClr val="accent1"/>
+          </a:fillRef>
+          <a:effectRef idx="0">
+            <a:schemeClr val="accent1"/>
+          </a:effectRef>
+          <a:fontRef idx="minor">
+            <a:schemeClr val="lt1"/>
+          </a:fontRef>
+        </p:style>
+        <p:txBody>
+          <a:bodyPr rtlCol="0" anchor="ctr"/>
+          <a:lstStyle/>
+          <a:p>
+            <a:pPr algn="ctr"/>
+            <a:r>
+              <a:rPr lang="sv-SE" dirty="0"/>
+              <a:t>HAL</a:t>
+            </a:r>
+          </a:p>
+        </p:txBody>
+      </p:sp>
+      <p:sp>
+        <p:nvSpPr>
+          <p:cNvPr id="7" name="Rektangel 6">
+            <a:extLst>
+              <a:ext uri="{FF2B5EF4-FFF2-40B4-BE49-F238E27FC236}">
+                <a16:creationId xmlns:a16="http://schemas.microsoft.com/office/drawing/2014/main" id="{853EFF92-935B-FA8B-74E6-B475E73816DB}"/>
+              </a:ext>
+            </a:extLst>
+          </p:cNvPr>
+          <p:cNvSpPr/>
+          <p:nvPr/>
+        </p:nvSpPr>
+        <p:spPr>
+          <a:xfrm>
+            <a:off x="8721104" y="5508265"/>
+            <a:ext cx="896815" cy="550985"/>
+          </a:xfrm>
+          <a:prstGeom prst="rect">
+            <a:avLst/>
+          </a:prstGeom>
+          <a:solidFill>
+            <a:schemeClr val="accent2">
+              <a:lumMod val="60000"/>
+              <a:lumOff val="40000"/>
+            </a:schemeClr>
+          </a:solidFill>
+        </p:spPr>
+        <p:style>
+          <a:lnRef idx="2">
+            <a:schemeClr val="accent1">
+              <a:shade val="15000"/>
+            </a:schemeClr>
+          </a:lnRef>
+          <a:fillRef idx="1">
+            <a:schemeClr val="accent1"/>
+          </a:fillRef>
+          <a:effectRef idx="0">
+            <a:schemeClr val="accent1"/>
+          </a:effectRef>
+          <a:fontRef idx="minor">
+            <a:schemeClr val="lt1"/>
+          </a:fontRef>
+        </p:style>
+        <p:txBody>
+          <a:bodyPr rtlCol="0" anchor="ctr"/>
+          <a:lstStyle/>
+          <a:p>
+            <a:pPr algn="ctr"/>
+            <a:r>
+              <a:rPr lang="sv-SE" dirty="0"/>
+              <a:t>CPU</a:t>
+            </a:r>
+          </a:p>
+        </p:txBody>
+      </p:sp>
+      <p:sp>
+        <p:nvSpPr>
+          <p:cNvPr id="8" name="Rektangel 7">
+            <a:extLst>
+              <a:ext uri="{FF2B5EF4-FFF2-40B4-BE49-F238E27FC236}">
+                <a16:creationId xmlns:a16="http://schemas.microsoft.com/office/drawing/2014/main" id="{2A030D92-A7F4-B7D8-0CE3-D6AC94FA2B99}"/>
+              </a:ext>
+            </a:extLst>
+          </p:cNvPr>
+          <p:cNvSpPr/>
+          <p:nvPr/>
+        </p:nvSpPr>
+        <p:spPr>
+          <a:xfrm>
+            <a:off x="7872647" y="5508265"/>
+            <a:ext cx="896815" cy="550985"/>
+          </a:xfrm>
+          <a:prstGeom prst="rect">
+            <a:avLst/>
+          </a:prstGeom>
+          <a:solidFill>
+            <a:schemeClr val="accent2">
+              <a:lumMod val="60000"/>
+              <a:lumOff val="40000"/>
+            </a:schemeClr>
+          </a:solidFill>
+        </p:spPr>
+        <p:style>
+          <a:lnRef idx="2">
+            <a:schemeClr val="accent1">
+              <a:shade val="15000"/>
+            </a:schemeClr>
+          </a:lnRef>
+          <a:fillRef idx="1">
+            <a:schemeClr val="accent1"/>
+          </a:fillRef>
+          <a:effectRef idx="0">
+            <a:schemeClr val="accent1"/>
+          </a:effectRef>
+          <a:fontRef idx="minor">
+            <a:schemeClr val="lt1"/>
+          </a:fontRef>
+        </p:style>
+        <p:txBody>
+          <a:bodyPr rtlCol="0" anchor="ctr"/>
+          <a:lstStyle/>
+          <a:p>
+            <a:pPr algn="ctr"/>
+            <a:r>
+              <a:rPr lang="sv-SE" dirty="0"/>
+              <a:t>RAM</a:t>
+            </a:r>
+          </a:p>
+        </p:txBody>
+      </p:sp>
+      <p:sp>
+        <p:nvSpPr>
+          <p:cNvPr id="9" name="Rektangel 8">
+            <a:extLst>
+              <a:ext uri="{FF2B5EF4-FFF2-40B4-BE49-F238E27FC236}">
+                <a16:creationId xmlns:a16="http://schemas.microsoft.com/office/drawing/2014/main" id="{28F6418B-5302-D0F8-24D1-5C70EFD381E6}"/>
+              </a:ext>
+            </a:extLst>
+          </p:cNvPr>
+          <p:cNvSpPr/>
+          <p:nvPr/>
+        </p:nvSpPr>
+        <p:spPr>
+          <a:xfrm>
+            <a:off x="6990487" y="5508265"/>
+            <a:ext cx="896815" cy="550985"/>
+          </a:xfrm>
+          <a:prstGeom prst="rect">
+            <a:avLst/>
+          </a:prstGeom>
+          <a:solidFill>
+            <a:schemeClr val="accent2">
+              <a:lumMod val="60000"/>
+              <a:lumOff val="40000"/>
+            </a:schemeClr>
+          </a:solidFill>
+        </p:spPr>
+        <p:style>
+          <a:lnRef idx="2">
+            <a:schemeClr val="accent1">
+              <a:shade val="15000"/>
+            </a:schemeClr>
+          </a:lnRef>
+          <a:fillRef idx="1">
+            <a:schemeClr val="accent1"/>
+          </a:fillRef>
+          <a:effectRef idx="0">
+            <a:schemeClr val="accent1"/>
+          </a:effectRef>
+          <a:fontRef idx="minor">
+            <a:schemeClr val="lt1"/>
+          </a:fontRef>
+        </p:style>
+        <p:txBody>
+          <a:bodyPr rtlCol="0" anchor="ctr"/>
+          <a:lstStyle/>
+          <a:p>
+            <a:pPr algn="ctr"/>
+            <a:r>
+              <a:rPr lang="sv-SE" dirty="0"/>
+              <a:t>NIC</a:t>
+            </a:r>
+          </a:p>
+        </p:txBody>
+      </p:sp>
+      <p:sp>
+        <p:nvSpPr>
+          <p:cNvPr id="11" name="Rektangel 10">
+            <a:extLst>
+              <a:ext uri="{FF2B5EF4-FFF2-40B4-BE49-F238E27FC236}">
+                <a16:creationId xmlns:a16="http://schemas.microsoft.com/office/drawing/2014/main" id="{C4EFB30B-0D58-9125-96A5-0CD3A6C47858}"/>
+              </a:ext>
+            </a:extLst>
+          </p:cNvPr>
+          <p:cNvSpPr/>
+          <p:nvPr/>
+        </p:nvSpPr>
+        <p:spPr>
+          <a:xfrm>
+            <a:off x="9249199" y="5966891"/>
+            <a:ext cx="958361" cy="351693"/>
+          </a:xfrm>
+          <a:prstGeom prst="rect">
+            <a:avLst/>
+          </a:prstGeom>
+          <a:solidFill>
+            <a:schemeClr val="accent5">
+              <a:lumMod val="60000"/>
+              <a:lumOff val="40000"/>
+            </a:schemeClr>
+          </a:solidFill>
+        </p:spPr>
+        <p:style>
+          <a:lnRef idx="2">
+            <a:schemeClr val="accent1">
+              <a:shade val="15000"/>
+            </a:schemeClr>
+          </a:lnRef>
+          <a:fillRef idx="1">
+            <a:schemeClr val="accent1"/>
+          </a:fillRef>
+          <a:effectRef idx="0">
+            <a:schemeClr val="accent1"/>
+          </a:effectRef>
+          <a:fontRef idx="minor">
+            <a:schemeClr val="lt1"/>
+          </a:fontRef>
+        </p:style>
+        <p:txBody>
+          <a:bodyPr rtlCol="0" anchor="ctr"/>
+          <a:lstStyle/>
+          <a:p>
+            <a:pPr algn="ctr"/>
+            <a:r>
+              <a:rPr lang="sv-SE" dirty="0"/>
+              <a:t>Chipset</a:t>
+            </a:r>
+          </a:p>
+        </p:txBody>
+      </p:sp>
+      <p:sp>
+        <p:nvSpPr>
+          <p:cNvPr id="15" name="Flödesschema: Process 14">
+            <a:extLst>
+              <a:ext uri="{FF2B5EF4-FFF2-40B4-BE49-F238E27FC236}">
+                <a16:creationId xmlns:a16="http://schemas.microsoft.com/office/drawing/2014/main" id="{36F335F6-ED7F-BB83-F867-6053E65596F8}"/>
+              </a:ext>
+            </a:extLst>
+          </p:cNvPr>
+          <p:cNvSpPr/>
+          <p:nvPr/>
+        </p:nvSpPr>
+        <p:spPr>
+          <a:xfrm>
+            <a:off x="7279699" y="418209"/>
+            <a:ext cx="3602486" cy="1653686"/>
+          </a:xfrm>
+          <a:prstGeom prst="flowChartProcess">
+            <a:avLst/>
+          </a:prstGeom>
+          <a:solidFill>
+            <a:srgbClr val="9696FF"/>
+          </a:solidFill>
+          <a:ln>
+            <a:solidFill>
+              <a:schemeClr val="accent1"/>
+            </a:solidFill>
+          </a:ln>
+        </p:spPr>
+        <p:style>
+          <a:lnRef idx="2">
+            <a:schemeClr val="accent1">
+              <a:shade val="15000"/>
+            </a:schemeClr>
+          </a:lnRef>
+          <a:fillRef idx="1">
+            <a:schemeClr val="accent1"/>
+          </a:fillRef>
+          <a:effectRef idx="0">
+            <a:schemeClr val="accent1"/>
+          </a:effectRef>
+          <a:fontRef idx="minor">
+            <a:schemeClr val="lt1"/>
+          </a:fontRef>
+        </p:style>
+        <p:txBody>
+          <a:bodyPr rtlCol="0" anchor="t"/>
+          <a:lstStyle/>
+          <a:p>
+            <a:r>
+              <a:rPr lang="sv-SE" dirty="0"/>
+              <a:t>Docker </a:t>
+            </a:r>
+            <a:r>
+              <a:rPr lang="sv-SE" dirty="0" err="1"/>
+              <a:t>base</a:t>
+            </a:r>
+            <a:endParaRPr lang="sv-SE" dirty="0"/>
+          </a:p>
+        </p:txBody>
+      </p:sp>
+      <p:sp>
+        <p:nvSpPr>
+          <p:cNvPr id="17" name="Frihandsfigur: Form 16">
+            <a:extLst>
+              <a:ext uri="{FF2B5EF4-FFF2-40B4-BE49-F238E27FC236}">
+                <a16:creationId xmlns:a16="http://schemas.microsoft.com/office/drawing/2014/main" id="{B5BB1B7A-BD37-F5D3-BC68-8D29072DB8A7}"/>
+              </a:ext>
+            </a:extLst>
+          </p:cNvPr>
+          <p:cNvSpPr/>
+          <p:nvPr/>
+        </p:nvSpPr>
+        <p:spPr>
+          <a:xfrm rot="3566444">
+            <a:off x="7613025" y="227498"/>
+            <a:ext cx="3248000" cy="5723920"/>
+          </a:xfrm>
+          <a:custGeom>
+            <a:avLst/>
+            <a:gdLst>
+              <a:gd name="connsiteX0" fmla="*/ 0 w 3248000"/>
+              <a:gd name="connsiteY0" fmla="*/ 1761488 h 5723920"/>
+              <a:gd name="connsiteX1" fmla="*/ 1040052 w 3248000"/>
+              <a:gd name="connsiteY1" fmla="*/ 0 h 5723920"/>
+              <a:gd name="connsiteX2" fmla="*/ 3248000 w 3248000"/>
+              <a:gd name="connsiteY2" fmla="*/ 1303659 h 5723920"/>
+              <a:gd name="connsiteX3" fmla="*/ 2207949 w 3248000"/>
+              <a:gd name="connsiteY3" fmla="*/ 3065147 h 5723920"/>
+              <a:gd name="connsiteX4" fmla="*/ 1607101 w 3248000"/>
+              <a:gd name="connsiteY4" fmla="*/ 2710383 h 5723920"/>
+              <a:gd name="connsiteX5" fmla="*/ 1487268 w 3248000"/>
+              <a:gd name="connsiteY5" fmla="*/ 5723920 h 5723920"/>
+              <a:gd name="connsiteX6" fmla="*/ 1053629 w 3248000"/>
+              <a:gd name="connsiteY6" fmla="*/ 5723920 h 5723920"/>
+              <a:gd name="connsiteX7" fmla="*/ 917607 w 3248000"/>
+              <a:gd name="connsiteY7" fmla="*/ 2303278 h 5723920"/>
+            </a:gdLst>
+            <a:ahLst/>
+            <a:cxnLst>
+              <a:cxn ang="0">
+                <a:pos x="connsiteX0" y="connsiteY0"/>
+              </a:cxn>
+              <a:cxn ang="0">
+                <a:pos x="connsiteX1" y="connsiteY1"/>
+              </a:cxn>
+              <a:cxn ang="0">
+                <a:pos x="connsiteX2" y="connsiteY2"/>
+              </a:cxn>
+              <a:cxn ang="0">
+                <a:pos x="connsiteX3" y="connsiteY3"/>
+              </a:cxn>
+              <a:cxn ang="0">
+                <a:pos x="connsiteX4" y="connsiteY4"/>
+              </a:cxn>
+              <a:cxn ang="0">
+                <a:pos x="connsiteX5" y="connsiteY5"/>
+              </a:cxn>
+              <a:cxn ang="0">
+                <a:pos x="connsiteX6" y="connsiteY6"/>
+              </a:cxn>
+              <a:cxn ang="0">
+                <a:pos x="connsiteX7" y="connsiteY7"/>
+              </a:cxn>
+            </a:cxnLst>
+            <a:rect l="l" t="t" r="r" b="b"/>
+            <a:pathLst>
+              <a:path w="3248000" h="5723920">
+                <a:moveTo>
+                  <a:pt x="0" y="1761488"/>
+                </a:moveTo>
+                <a:lnTo>
+                  <a:pt x="1040052" y="0"/>
+                </a:lnTo>
+                <a:lnTo>
+                  <a:pt x="3248000" y="1303659"/>
+                </a:lnTo>
+                <a:lnTo>
+                  <a:pt x="2207949" y="3065147"/>
+                </a:lnTo>
+                <a:lnTo>
+                  <a:pt x="1607101" y="2710383"/>
+                </a:lnTo>
+                <a:lnTo>
+                  <a:pt x="1487268" y="5723920"/>
+                </a:lnTo>
+                <a:lnTo>
+                  <a:pt x="1053629" y="5723920"/>
+                </a:lnTo>
+                <a:lnTo>
+                  <a:pt x="917607" y="2303278"/>
+                </a:lnTo>
+                <a:close/>
+              </a:path>
+            </a:pathLst>
+          </a:custGeom>
+          <a:solidFill>
+            <a:schemeClr val="accent1">
+              <a:lumMod val="25000"/>
+              <a:lumOff val="75000"/>
+            </a:schemeClr>
+          </a:solidFill>
+          <a:ln>
+            <a:solidFill>
+              <a:schemeClr val="accent1"/>
+            </a:solidFill>
+          </a:ln>
+        </p:spPr>
+        <p:style>
+          <a:lnRef idx="2">
+            <a:schemeClr val="accent1">
+              <a:shade val="15000"/>
+            </a:schemeClr>
+          </a:lnRef>
+          <a:fillRef idx="1">
+            <a:schemeClr val="accent1"/>
+          </a:fillRef>
+          <a:effectRef idx="0">
+            <a:schemeClr val="accent1"/>
+          </a:effectRef>
+          <a:fontRef idx="minor">
+            <a:schemeClr val="lt1"/>
+          </a:fontRef>
+        </p:style>
+        <p:txBody>
+          <a:bodyPr wrap="square" rtlCol="0" anchor="ctr">
+            <a:noAutofit/>
+          </a:bodyPr>
+          <a:lstStyle/>
+          <a:p>
+            <a:pPr algn="ctr"/>
+            <a:endParaRPr lang="sv-SE" dirty="0"/>
+          </a:p>
+        </p:txBody>
+      </p:sp>
+      <p:sp>
+        <p:nvSpPr>
+          <p:cNvPr id="10" name="Rektangel 9">
+            <a:extLst>
+              <a:ext uri="{FF2B5EF4-FFF2-40B4-BE49-F238E27FC236}">
+                <a16:creationId xmlns:a16="http://schemas.microsoft.com/office/drawing/2014/main" id="{9A61BA2C-C827-5FE4-8504-488F507F2624}"/>
+              </a:ext>
+            </a:extLst>
+          </p:cNvPr>
+          <p:cNvSpPr/>
+          <p:nvPr/>
+        </p:nvSpPr>
+        <p:spPr>
+          <a:xfrm>
+            <a:off x="5643797" y="4045811"/>
+            <a:ext cx="1143001" cy="455734"/>
+          </a:xfrm>
+          <a:prstGeom prst="rect">
+            <a:avLst/>
+          </a:prstGeom>
+          <a:solidFill>
+            <a:schemeClr val="accent3">
+              <a:lumMod val="50000"/>
+            </a:schemeClr>
+          </a:solidFill>
+        </p:spPr>
+        <p:style>
+          <a:lnRef idx="2">
+            <a:schemeClr val="accent1">
+              <a:shade val="15000"/>
+            </a:schemeClr>
+          </a:lnRef>
+          <a:fillRef idx="1">
+            <a:schemeClr val="accent1"/>
+          </a:fillRef>
+          <a:effectRef idx="0">
+            <a:schemeClr val="accent1"/>
+          </a:effectRef>
+          <a:fontRef idx="minor">
+            <a:schemeClr val="lt1"/>
+          </a:fontRef>
+        </p:style>
+        <p:txBody>
+          <a:bodyPr rtlCol="0" anchor="ctr"/>
+          <a:lstStyle/>
+          <a:p>
+            <a:pPr algn="ctr"/>
+            <a:r>
+              <a:rPr lang="sv-SE" dirty="0"/>
+              <a:t>OS API</a:t>
+            </a:r>
+          </a:p>
+        </p:txBody>
+      </p:sp>
+      <p:sp>
+        <p:nvSpPr>
+          <p:cNvPr id="18" name="textruta 17">
+            <a:extLst>
+              <a:ext uri="{FF2B5EF4-FFF2-40B4-BE49-F238E27FC236}">
+                <a16:creationId xmlns:a16="http://schemas.microsoft.com/office/drawing/2014/main" id="{82F49004-C08E-F260-6D0F-4F917FCA353D}"/>
+              </a:ext>
+            </a:extLst>
+          </p:cNvPr>
+          <p:cNvSpPr txBox="1"/>
+          <p:nvPr/>
+        </p:nvSpPr>
+        <p:spPr>
+          <a:xfrm>
+            <a:off x="9514689" y="1470302"/>
+            <a:ext cx="1800493" cy="646331"/>
+          </a:xfrm>
+          <a:prstGeom prst="rect">
+            <a:avLst/>
+          </a:prstGeom>
+          <a:noFill/>
+        </p:spPr>
+        <p:txBody>
+          <a:bodyPr wrap="none" rtlCol="0">
+            <a:spAutoFit/>
+          </a:bodyPr>
+          <a:lstStyle/>
+          <a:p>
+            <a:r>
+              <a:rPr lang="sv-SE" dirty="0">
+                <a:solidFill>
+                  <a:schemeClr val="bg1"/>
+                </a:solidFill>
+              </a:rPr>
+              <a:t>Operativsystems-</a:t>
+            </a:r>
+          </a:p>
+          <a:p>
+            <a:r>
+              <a:rPr lang="sv-SE" dirty="0">
+                <a:solidFill>
+                  <a:schemeClr val="bg1"/>
+                </a:solidFill>
+              </a:rPr>
+              <a:t>instruktioner</a:t>
+            </a:r>
+          </a:p>
+        </p:txBody>
+      </p:sp>
+      <p:sp>
+        <p:nvSpPr>
+          <p:cNvPr id="19" name="textruta 18">
+            <a:extLst>
+              <a:ext uri="{FF2B5EF4-FFF2-40B4-BE49-F238E27FC236}">
+                <a16:creationId xmlns:a16="http://schemas.microsoft.com/office/drawing/2014/main" id="{768BE6D7-FAED-7CC8-9CEF-F2A554494303}"/>
+              </a:ext>
+            </a:extLst>
+          </p:cNvPr>
+          <p:cNvSpPr txBox="1"/>
+          <p:nvPr/>
+        </p:nvSpPr>
+        <p:spPr>
+          <a:xfrm>
+            <a:off x="354234" y="419376"/>
+            <a:ext cx="5289563" cy="1200329"/>
+          </a:xfrm>
+          <a:prstGeom prst="rect">
+            <a:avLst/>
+          </a:prstGeom>
+          <a:noFill/>
+        </p:spPr>
+        <p:txBody>
+          <a:bodyPr wrap="square" rtlCol="0">
+            <a:spAutoFit/>
+          </a:bodyPr>
+          <a:lstStyle/>
+          <a:p>
+            <a:r>
+              <a:rPr lang="sv-SE" sz="3600" dirty="0">
+                <a:solidFill>
+                  <a:schemeClr val="bg1"/>
+                </a:solidFill>
+              </a:rPr>
+              <a:t>Hur kan man välja mellan olika versioner av OS?</a:t>
+            </a:r>
+          </a:p>
+        </p:txBody>
+      </p:sp>
+      <p:sp>
+        <p:nvSpPr>
+          <p:cNvPr id="20" name="textruta 19">
+            <a:extLst>
+              <a:ext uri="{FF2B5EF4-FFF2-40B4-BE49-F238E27FC236}">
+                <a16:creationId xmlns:a16="http://schemas.microsoft.com/office/drawing/2014/main" id="{2BF782B6-EBEF-11D6-109A-3CBF72B3D252}"/>
+              </a:ext>
+            </a:extLst>
+          </p:cNvPr>
+          <p:cNvSpPr txBox="1"/>
+          <p:nvPr/>
+        </p:nvSpPr>
+        <p:spPr>
+          <a:xfrm>
+            <a:off x="9510568" y="2322921"/>
+            <a:ext cx="1940027" cy="923330"/>
+          </a:xfrm>
+          <a:prstGeom prst="rect">
+            <a:avLst/>
+          </a:prstGeom>
+          <a:noFill/>
+        </p:spPr>
+        <p:txBody>
+          <a:bodyPr wrap="square" rtlCol="0">
+            <a:spAutoFit/>
+          </a:bodyPr>
+          <a:lstStyle/>
+          <a:p>
+            <a:r>
+              <a:rPr lang="sv-SE" dirty="0">
+                <a:solidFill>
+                  <a:schemeClr val="bg1"/>
+                </a:solidFill>
+              </a:rPr>
+              <a:t>Varierar lite mellan olika OS-versioner</a:t>
+            </a:r>
+          </a:p>
+        </p:txBody>
+      </p:sp>
+      <p:sp>
+        <p:nvSpPr>
+          <p:cNvPr id="21" name="textruta 20">
+            <a:extLst>
+              <a:ext uri="{FF2B5EF4-FFF2-40B4-BE49-F238E27FC236}">
+                <a16:creationId xmlns:a16="http://schemas.microsoft.com/office/drawing/2014/main" id="{88313303-9D5C-F407-72C5-60D8055C9C8D}"/>
+              </a:ext>
+            </a:extLst>
+          </p:cNvPr>
+          <p:cNvSpPr txBox="1"/>
+          <p:nvPr/>
+        </p:nvSpPr>
+        <p:spPr>
+          <a:xfrm>
+            <a:off x="9064470" y="479583"/>
+            <a:ext cx="1940027" cy="646331"/>
+          </a:xfrm>
+          <a:prstGeom prst="rect">
+            <a:avLst/>
+          </a:prstGeom>
+          <a:noFill/>
+        </p:spPr>
+        <p:txBody>
+          <a:bodyPr wrap="square" rtlCol="0">
+            <a:spAutoFit/>
+          </a:bodyPr>
+          <a:lstStyle/>
+          <a:p>
+            <a:r>
+              <a:rPr lang="sv-SE" dirty="0">
+                <a:solidFill>
+                  <a:schemeClr val="bg1"/>
+                </a:solidFill>
+              </a:rPr>
+              <a:t>Välj instruktions-uppsättning</a:t>
+            </a:r>
+          </a:p>
+        </p:txBody>
+      </p:sp>
+      <p:sp>
+        <p:nvSpPr>
+          <p:cNvPr id="2" name="Vänster klammerparentes 1">
+            <a:extLst>
+              <a:ext uri="{FF2B5EF4-FFF2-40B4-BE49-F238E27FC236}">
+                <a16:creationId xmlns:a16="http://schemas.microsoft.com/office/drawing/2014/main" id="{3BB5D0A9-5502-6E05-B439-964A5EF16BDD}"/>
+              </a:ext>
+            </a:extLst>
+          </p:cNvPr>
+          <p:cNvSpPr/>
+          <p:nvPr/>
+        </p:nvSpPr>
+        <p:spPr>
+          <a:xfrm>
+            <a:off x="3771899" y="3086100"/>
+            <a:ext cx="746229" cy="1758463"/>
+          </a:xfrm>
+          <a:prstGeom prst="leftBrace">
+            <a:avLst/>
+          </a:prstGeom>
+          <a:ln w="38100">
+            <a:solidFill>
+              <a:schemeClr val="bg1"/>
+            </a:solidFill>
+          </a:ln>
+        </p:spPr>
+        <p:style>
+          <a:lnRef idx="1">
+            <a:schemeClr val="accent1"/>
+          </a:lnRef>
+          <a:fillRef idx="0">
+            <a:schemeClr val="accent1"/>
+          </a:fillRef>
+          <a:effectRef idx="0">
+            <a:schemeClr val="accent1"/>
+          </a:effectRef>
+          <a:fontRef idx="minor">
+            <a:schemeClr val="tx1"/>
+          </a:fontRef>
+        </p:style>
+        <p:txBody>
+          <a:bodyPr rtlCol="0" anchor="ctr"/>
+          <a:lstStyle/>
+          <a:p>
+            <a:pPr algn="ctr"/>
+            <a:endParaRPr lang="sv-SE"/>
+          </a:p>
+        </p:txBody>
+      </p:sp>
+      <p:sp>
+        <p:nvSpPr>
+          <p:cNvPr id="3" name="textruta 2">
+            <a:extLst>
+              <a:ext uri="{FF2B5EF4-FFF2-40B4-BE49-F238E27FC236}">
+                <a16:creationId xmlns:a16="http://schemas.microsoft.com/office/drawing/2014/main" id="{605002DC-FE37-32A9-9FDE-0DE2394B97CD}"/>
+              </a:ext>
+            </a:extLst>
+          </p:cNvPr>
+          <p:cNvSpPr txBox="1"/>
+          <p:nvPr/>
+        </p:nvSpPr>
+        <p:spPr>
+          <a:xfrm>
+            <a:off x="1701462" y="3757244"/>
+            <a:ext cx="1976760" cy="369332"/>
+          </a:xfrm>
+          <a:prstGeom prst="rect">
+            <a:avLst/>
+          </a:prstGeom>
+          <a:noFill/>
+        </p:spPr>
+        <p:txBody>
+          <a:bodyPr wrap="none" rtlCol="0">
+            <a:spAutoFit/>
+          </a:bodyPr>
+          <a:lstStyle/>
+          <a:p>
+            <a:r>
+              <a:rPr lang="sv-SE" dirty="0">
+                <a:solidFill>
+                  <a:schemeClr val="bg1"/>
+                </a:solidFill>
+              </a:rPr>
+              <a:t>Senaste OS-version</a:t>
+            </a:r>
+          </a:p>
+        </p:txBody>
+      </p:sp>
+    </p:spTree>
+    <p:extLst>
+      <p:ext uri="{BB962C8B-B14F-4D97-AF65-F5344CB8AC3E}">
+        <p14:creationId xmlns:p14="http://schemas.microsoft.com/office/powerpoint/2010/main" val="234574440"/>
+      </p:ext>
+    </p:extLst>
+  </p:cSld>
+  <p:clrMapOvr>
+    <a:masterClrMapping/>
+  </p:clrMapOvr>
+  <p:timing>
+    <p:tnLst>
+      <p:par>
+        <p:cTn id="1" dur="indefinite" restart="never" nodeType="tmRoot">
+          <p:childTnLst>
+            <p:seq concurrent="1" nextAc="seek">
+              <p:cTn id="2" dur="indefinite" nodeType="mainSeq">
+                <p:childTnLst>
+                  <p:par>
+                    <p:cTn id="3" fill="hold">
+                      <p:stCondLst>
+                        <p:cond delay="indefinite"/>
+                      </p:stCondLst>
+                      <p:childTnLst>
+                        <p:par>
+                          <p:cTn id="4" fill="hold">
+                            <p:stCondLst>
+                              <p:cond delay="0"/>
+                            </p:stCondLst>
+                            <p:childTnLst>
+                              <p:par>
+                                <p:cTn id="5" presetID="1" presetClass="entr" presetSubtype="0" fill="hold" grpId="0" nodeType="clickEffect">
+                                  <p:stCondLst>
+                                    <p:cond delay="0"/>
+                                  </p:stCondLst>
+                                  <p:childTnLst>
+                                    <p:set>
+                                      <p:cBhvr>
+                                        <p:cTn id="6" dur="1" fill="hold">
+                                          <p:stCondLst>
+                                            <p:cond delay="0"/>
+                                          </p:stCondLst>
+                                        </p:cTn>
+                                        <p:tgtEl>
+                                          <p:spTgt spid="6"/>
+                                        </p:tgtEl>
+                                        <p:attrNameLst>
+                                          <p:attrName>style.visibility</p:attrName>
+                                        </p:attrNameLst>
+                                      </p:cBhvr>
+                                      <p:to>
+                                        <p:strVal val="visible"/>
+                                      </p:to>
+                                    </p:set>
+                                  </p:childTnLst>
+                                </p:cTn>
+                              </p:par>
+                              <p:par>
+                                <p:cTn id="7" presetID="1" presetClass="entr" presetSubtype="0" fill="hold" grpId="0" nodeType="withEffect">
+                                  <p:stCondLst>
+                                    <p:cond delay="0"/>
+                                  </p:stCondLst>
+                                  <p:childTnLst>
+                                    <p:set>
+                                      <p:cBhvr>
+                                        <p:cTn id="8" dur="1" fill="hold">
+                                          <p:stCondLst>
+                                            <p:cond delay="0"/>
+                                          </p:stCondLst>
+                                        </p:cTn>
+                                        <p:tgtEl>
+                                          <p:spTgt spid="9"/>
+                                        </p:tgtEl>
+                                        <p:attrNameLst>
+                                          <p:attrName>style.visibility</p:attrName>
+                                        </p:attrNameLst>
+                                      </p:cBhvr>
+                                      <p:to>
+                                        <p:strVal val="visible"/>
+                                      </p:to>
+                                    </p:set>
+                                  </p:childTnLst>
+                                </p:cTn>
+                              </p:par>
+                              <p:par>
+                                <p:cTn id="9" presetID="1" presetClass="entr" presetSubtype="0" fill="hold" grpId="0" nodeType="withEffect">
+                                  <p:stCondLst>
+                                    <p:cond delay="0"/>
+                                  </p:stCondLst>
+                                  <p:childTnLst>
+                                    <p:set>
+                                      <p:cBhvr>
+                                        <p:cTn id="10" dur="1" fill="hold">
+                                          <p:stCondLst>
+                                            <p:cond delay="0"/>
+                                          </p:stCondLst>
+                                        </p:cTn>
+                                        <p:tgtEl>
+                                          <p:spTgt spid="8"/>
+                                        </p:tgtEl>
+                                        <p:attrNameLst>
+                                          <p:attrName>style.visibility</p:attrName>
+                                        </p:attrNameLst>
+                                      </p:cBhvr>
+                                      <p:to>
+                                        <p:strVal val="visible"/>
+                                      </p:to>
+                                    </p:set>
+                                  </p:childTnLst>
+                                </p:cTn>
+                              </p:par>
+                              <p:par>
+                                <p:cTn id="11" presetID="1" presetClass="entr" presetSubtype="0" fill="hold" grpId="0" nodeType="withEffect">
+                                  <p:stCondLst>
+                                    <p:cond delay="0"/>
+                                  </p:stCondLst>
+                                  <p:childTnLst>
+                                    <p:set>
+                                      <p:cBhvr>
+                                        <p:cTn id="12" dur="1" fill="hold">
+                                          <p:stCondLst>
+                                            <p:cond delay="0"/>
+                                          </p:stCondLst>
+                                        </p:cTn>
+                                        <p:tgtEl>
+                                          <p:spTgt spid="7"/>
+                                        </p:tgtEl>
+                                        <p:attrNameLst>
+                                          <p:attrName>style.visibility</p:attrName>
+                                        </p:attrNameLst>
+                                      </p:cBhvr>
+                                      <p:to>
+                                        <p:strVal val="visible"/>
+                                      </p:to>
+                                    </p:set>
+                                  </p:childTnLst>
+                                </p:cTn>
+                              </p:par>
+                            </p:childTnLst>
+                          </p:cTn>
+                        </p:par>
+                      </p:childTnLst>
+                    </p:cTn>
+                  </p:par>
+                  <p:par>
+                    <p:cTn id="13" fill="hold">
+                      <p:stCondLst>
+                        <p:cond delay="indefinite"/>
+                      </p:stCondLst>
+                      <p:childTnLst>
+                        <p:par>
+                          <p:cTn id="14" fill="hold">
+                            <p:stCondLst>
+                              <p:cond delay="0"/>
+                            </p:stCondLst>
+                            <p:childTnLst>
+                              <p:par>
+                                <p:cTn id="15" presetID="1" presetClass="entr" presetSubtype="0" fill="hold" grpId="0" nodeType="clickEffect">
+                                  <p:stCondLst>
+                                    <p:cond delay="0"/>
+                                  </p:stCondLst>
+                                  <p:childTnLst>
+                                    <p:set>
+                                      <p:cBhvr>
+                                        <p:cTn id="16" dur="1" fill="hold">
+                                          <p:stCondLst>
+                                            <p:cond delay="0"/>
+                                          </p:stCondLst>
+                                        </p:cTn>
+                                        <p:tgtEl>
+                                          <p:spTgt spid="4"/>
+                                        </p:tgtEl>
+                                        <p:attrNameLst>
+                                          <p:attrName>style.visibility</p:attrName>
+                                        </p:attrNameLst>
+                                      </p:cBhvr>
+                                      <p:to>
+                                        <p:strVal val="visible"/>
+                                      </p:to>
+                                    </p:set>
+                                  </p:childTnLst>
+                                </p:cTn>
+                              </p:par>
+                            </p:childTnLst>
+                          </p:cTn>
+                        </p:par>
+                      </p:childTnLst>
+                    </p:cTn>
+                  </p:par>
+                  <p:par>
+                    <p:cTn id="17" fill="hold">
+                      <p:stCondLst>
+                        <p:cond delay="indefinite"/>
+                      </p:stCondLst>
+                      <p:childTnLst>
+                        <p:par>
+                          <p:cTn id="18" fill="hold">
+                            <p:stCondLst>
+                              <p:cond delay="0"/>
+                            </p:stCondLst>
+                            <p:childTnLst>
+                              <p:par>
+                                <p:cTn id="19" presetID="1" presetClass="entr" presetSubtype="0" fill="hold" grpId="0" nodeType="clickEffect">
+                                  <p:stCondLst>
+                                    <p:cond delay="0"/>
+                                  </p:stCondLst>
+                                  <p:childTnLst>
+                                    <p:set>
+                                      <p:cBhvr>
+                                        <p:cTn id="20" dur="1" fill="hold">
+                                          <p:stCondLst>
+                                            <p:cond delay="0"/>
+                                          </p:stCondLst>
+                                        </p:cTn>
+                                        <p:tgtEl>
+                                          <p:spTgt spid="12"/>
+                                        </p:tgtEl>
+                                        <p:attrNameLst>
+                                          <p:attrName>style.visibility</p:attrName>
+                                        </p:attrNameLst>
+                                      </p:cBhvr>
+                                      <p:to>
+                                        <p:strVal val="visible"/>
+                                      </p:to>
+                                    </p:set>
+                                  </p:childTnLst>
+                                </p:cTn>
+                              </p:par>
+                            </p:childTnLst>
+                          </p:cTn>
+                        </p:par>
+                      </p:childTnLst>
+                    </p:cTn>
+                  </p:par>
+                  <p:par>
+                    <p:cTn id="21" fill="hold">
+                      <p:stCondLst>
+                        <p:cond delay="indefinite"/>
+                      </p:stCondLst>
+                      <p:childTnLst>
+                        <p:par>
+                          <p:cTn id="22" fill="hold">
+                            <p:stCondLst>
+                              <p:cond delay="0"/>
+                            </p:stCondLst>
+                            <p:childTnLst>
+                              <p:par>
+                                <p:cTn id="23" presetID="1" presetClass="entr" presetSubtype="0" fill="hold" grpId="0" nodeType="clickEffect">
+                                  <p:stCondLst>
+                                    <p:cond delay="0"/>
+                                  </p:stCondLst>
+                                  <p:childTnLst>
+                                    <p:set>
+                                      <p:cBhvr>
+                                        <p:cTn id="24" dur="1" fill="hold">
+                                          <p:stCondLst>
+                                            <p:cond delay="0"/>
+                                          </p:stCondLst>
+                                        </p:cTn>
+                                        <p:tgtEl>
+                                          <p:spTgt spid="5"/>
+                                        </p:tgtEl>
+                                        <p:attrNameLst>
+                                          <p:attrName>style.visibility</p:attrName>
+                                        </p:attrNameLst>
+                                      </p:cBhvr>
+                                      <p:to>
+                                        <p:strVal val="visible"/>
+                                      </p:to>
+                                    </p:set>
+                                  </p:childTnLst>
+                                </p:cTn>
+                              </p:par>
+                            </p:childTnLst>
+                          </p:cTn>
+                        </p:par>
+                      </p:childTnLst>
+                    </p:cTn>
+                  </p:par>
+                  <p:par>
+                    <p:cTn id="25" fill="hold">
+                      <p:stCondLst>
+                        <p:cond delay="indefinite"/>
+                      </p:stCondLst>
+                      <p:childTnLst>
+                        <p:par>
+                          <p:cTn id="26" fill="hold">
+                            <p:stCondLst>
+                              <p:cond delay="0"/>
+                            </p:stCondLst>
+                            <p:childTnLst>
+                              <p:par>
+                                <p:cTn id="27" presetID="1" presetClass="entr" presetSubtype="0" fill="hold" grpId="0" nodeType="clickEffect">
+                                  <p:stCondLst>
+                                    <p:cond delay="0"/>
+                                  </p:stCondLst>
+                                  <p:childTnLst>
+                                    <p:set>
+                                      <p:cBhvr>
+                                        <p:cTn id="28" dur="1" fill="hold">
+                                          <p:stCondLst>
+                                            <p:cond delay="0"/>
+                                          </p:stCondLst>
+                                        </p:cTn>
+                                        <p:tgtEl>
+                                          <p:spTgt spid="10"/>
+                                        </p:tgtEl>
+                                        <p:attrNameLst>
+                                          <p:attrName>style.visibility</p:attrName>
+                                        </p:attrNameLst>
+                                      </p:cBhvr>
+                                      <p:to>
+                                        <p:strVal val="visible"/>
+                                      </p:to>
+                                    </p:set>
+                                  </p:childTnLst>
+                                </p:cTn>
+                              </p:par>
+                            </p:childTnLst>
+                          </p:cTn>
+                        </p:par>
+                      </p:childTnLst>
+                    </p:cTn>
+                  </p:par>
+                  <p:par>
+                    <p:cTn id="29" fill="hold">
+                      <p:stCondLst>
+                        <p:cond delay="indefinite"/>
+                      </p:stCondLst>
+                      <p:childTnLst>
+                        <p:par>
+                          <p:cTn id="30" fill="hold">
+                            <p:stCondLst>
+                              <p:cond delay="0"/>
+                            </p:stCondLst>
+                            <p:childTnLst>
+                              <p:par>
+                                <p:cTn id="31" presetID="1" presetClass="entr" presetSubtype="0" fill="hold" grpId="0" nodeType="clickEffect">
+                                  <p:stCondLst>
+                                    <p:cond delay="0"/>
+                                  </p:stCondLst>
+                                  <p:childTnLst>
+                                    <p:set>
+                                      <p:cBhvr>
+                                        <p:cTn id="32" dur="1" fill="hold">
+                                          <p:stCondLst>
+                                            <p:cond delay="0"/>
+                                          </p:stCondLst>
+                                        </p:cTn>
+                                        <p:tgtEl>
+                                          <p:spTgt spid="17"/>
+                                        </p:tgtEl>
+                                        <p:attrNameLst>
+                                          <p:attrName>style.visibility</p:attrName>
+                                        </p:attrNameLst>
+                                      </p:cBhvr>
+                                      <p:to>
+                                        <p:strVal val="visible"/>
+                                      </p:to>
+                                    </p:set>
+                                  </p:childTnLst>
+                                </p:cTn>
+                              </p:par>
+                              <p:par>
+                                <p:cTn id="33" presetID="1" presetClass="entr" presetSubtype="0" fill="hold" grpId="0" nodeType="withEffect">
+                                  <p:stCondLst>
+                                    <p:cond delay="0"/>
+                                  </p:stCondLst>
+                                  <p:childTnLst>
+                                    <p:set>
+                                      <p:cBhvr>
+                                        <p:cTn id="34" dur="1" fill="hold">
+                                          <p:stCondLst>
+                                            <p:cond delay="0"/>
+                                          </p:stCondLst>
+                                        </p:cTn>
+                                        <p:tgtEl>
+                                          <p:spTgt spid="18"/>
+                                        </p:tgtEl>
+                                        <p:attrNameLst>
+                                          <p:attrName>style.visibility</p:attrName>
+                                        </p:attrNameLst>
+                                      </p:cBhvr>
+                                      <p:to>
+                                        <p:strVal val="visible"/>
+                                      </p:to>
+                                    </p:set>
+                                  </p:childTnLst>
+                                </p:cTn>
+                              </p:par>
+                            </p:childTnLst>
+                          </p:cTn>
+                        </p:par>
+                      </p:childTnLst>
+                    </p:cTn>
+                  </p:par>
+                  <p:par>
+                    <p:cTn id="35" fill="hold">
+                      <p:stCondLst>
+                        <p:cond delay="indefinite"/>
+                      </p:stCondLst>
+                      <p:childTnLst>
+                        <p:par>
+                          <p:cTn id="36" fill="hold">
+                            <p:stCondLst>
+                              <p:cond delay="0"/>
+                            </p:stCondLst>
+                            <p:childTnLst>
+                              <p:par>
+                                <p:cTn id="37" presetID="1" presetClass="entr" presetSubtype="0" fill="hold" grpId="0" nodeType="clickEffect">
+                                  <p:stCondLst>
+                                    <p:cond delay="0"/>
+                                  </p:stCondLst>
+                                  <p:childTnLst>
+                                    <p:set>
+                                      <p:cBhvr>
+                                        <p:cTn id="38" dur="1" fill="hold">
+                                          <p:stCondLst>
+                                            <p:cond delay="0"/>
+                                          </p:stCondLst>
+                                        </p:cTn>
+                                        <p:tgtEl>
+                                          <p:spTgt spid="11"/>
+                                        </p:tgtEl>
+                                        <p:attrNameLst>
+                                          <p:attrName>style.visibility</p:attrName>
+                                        </p:attrNameLst>
+                                      </p:cBhvr>
+                                      <p:to>
+                                        <p:strVal val="visible"/>
+                                      </p:to>
+                                    </p:set>
+                                  </p:childTnLst>
+                                </p:cTn>
+                              </p:par>
+                            </p:childTnLst>
+                          </p:cTn>
+                        </p:par>
+                      </p:childTnLst>
+                    </p:cTn>
+                  </p:par>
+                  <p:par>
+                    <p:cTn id="39" fill="hold">
+                      <p:stCondLst>
+                        <p:cond delay="indefinite"/>
+                      </p:stCondLst>
+                      <p:childTnLst>
+                        <p:par>
+                          <p:cTn id="40" fill="hold">
+                            <p:stCondLst>
+                              <p:cond delay="0"/>
+                            </p:stCondLst>
+                            <p:childTnLst>
+                              <p:par>
+                                <p:cTn id="41" presetID="1" presetClass="entr" presetSubtype="0" fill="hold" grpId="0" nodeType="clickEffect">
+                                  <p:stCondLst>
+                                    <p:cond delay="0"/>
+                                  </p:stCondLst>
+                                  <p:childTnLst>
+                                    <p:set>
+                                      <p:cBhvr>
+                                        <p:cTn id="42" dur="1" fill="hold">
+                                          <p:stCondLst>
+                                            <p:cond delay="0"/>
+                                          </p:stCondLst>
+                                        </p:cTn>
+                                        <p:tgtEl>
+                                          <p:spTgt spid="15"/>
+                                        </p:tgtEl>
+                                        <p:attrNameLst>
+                                          <p:attrName>style.visibility</p:attrName>
+                                        </p:attrNameLst>
+                                      </p:cBhvr>
+                                      <p:to>
+                                        <p:strVal val="visible"/>
+                                      </p:to>
+                                    </p:set>
+                                  </p:childTnLst>
+                                </p:cTn>
+                              </p:par>
+                              <p:par>
+                                <p:cTn id="43" presetID="1" presetClass="entr" presetSubtype="0" fill="hold" grpId="0" nodeType="withEffect">
+                                  <p:stCondLst>
+                                    <p:cond delay="0"/>
+                                  </p:stCondLst>
+                                  <p:childTnLst>
+                                    <p:set>
+                                      <p:cBhvr>
+                                        <p:cTn id="44" dur="1" fill="hold">
+                                          <p:stCondLst>
+                                            <p:cond delay="0"/>
+                                          </p:stCondLst>
+                                        </p:cTn>
+                                        <p:tgtEl>
+                                          <p:spTgt spid="20"/>
+                                        </p:tgtEl>
+                                        <p:attrNameLst>
+                                          <p:attrName>style.visibility</p:attrName>
+                                        </p:attrNameLst>
+                                      </p:cBhvr>
+                                      <p:to>
+                                        <p:strVal val="visible"/>
+                                      </p:to>
+                                    </p:set>
+                                  </p:childTnLst>
+                                </p:cTn>
+                              </p:par>
+                            </p:childTnLst>
+                          </p:cTn>
+                        </p:par>
+                      </p:childTnLst>
+                    </p:cTn>
+                  </p:par>
+                  <p:par>
+                    <p:cTn id="45" fill="hold">
+                      <p:stCondLst>
+                        <p:cond delay="indefinite"/>
+                      </p:stCondLst>
+                      <p:childTnLst>
+                        <p:par>
+                          <p:cTn id="46" fill="hold">
+                            <p:stCondLst>
+                              <p:cond delay="0"/>
+                            </p:stCondLst>
+                            <p:childTnLst>
+                              <p:par>
+                                <p:cTn id="47" presetID="1" presetClass="entr" presetSubtype="0" fill="hold" grpId="0" nodeType="clickEffect">
+                                  <p:stCondLst>
+                                    <p:cond delay="0"/>
+                                  </p:stCondLst>
+                                  <p:childTnLst>
+                                    <p:set>
+                                      <p:cBhvr>
+                                        <p:cTn id="48" dur="1" fill="hold">
+                                          <p:stCondLst>
+                                            <p:cond delay="0"/>
+                                          </p:stCondLst>
+                                        </p:cTn>
+                                        <p:tgtEl>
+                                          <p:spTgt spid="21"/>
+                                        </p:tgtEl>
+                                        <p:attrNameLst>
+                                          <p:attrName>style.visibility</p:attrName>
+                                        </p:attrNameLst>
+                                      </p:cBhvr>
+                                      <p:to>
+                                        <p:strVal val="visible"/>
+                                      </p:to>
+                                    </p:set>
+                                  </p:childTnLst>
+                                </p:cTn>
+                              </p:par>
+                            </p:childTnLst>
+                          </p:cTn>
+                        </p:par>
+                      </p:childTnLst>
+                    </p:cTn>
+                  </p:par>
+                  <p:par>
+                    <p:cTn id="49" fill="hold">
+                      <p:stCondLst>
+                        <p:cond delay="indefinite"/>
+                      </p:stCondLst>
+                      <p:childTnLst>
+                        <p:par>
+                          <p:cTn id="50" fill="hold">
+                            <p:stCondLst>
+                              <p:cond delay="0"/>
+                            </p:stCondLst>
+                            <p:childTnLst>
+                              <p:par>
+                                <p:cTn id="51" presetID="1" presetClass="entr" presetSubtype="0" fill="hold" grpId="0" nodeType="clickEffect">
+                                  <p:stCondLst>
+                                    <p:cond delay="0"/>
+                                  </p:stCondLst>
+                                  <p:childTnLst>
+                                    <p:set>
+                                      <p:cBhvr>
+                                        <p:cTn id="52" dur="1" fill="hold">
+                                          <p:stCondLst>
+                                            <p:cond delay="0"/>
+                                          </p:stCondLst>
+                                        </p:cTn>
+                                        <p:tgtEl>
+                                          <p:spTgt spid="2"/>
+                                        </p:tgtEl>
+                                        <p:attrNameLst>
+                                          <p:attrName>style.visibility</p:attrName>
+                                        </p:attrNameLst>
+                                      </p:cBhvr>
+                                      <p:to>
+                                        <p:strVal val="visible"/>
+                                      </p:to>
+                                    </p:set>
+                                  </p:childTnLst>
+                                </p:cTn>
+                              </p:par>
+                              <p:par>
+                                <p:cTn id="53" presetID="1" presetClass="entr" presetSubtype="0" fill="hold" grpId="0" nodeType="withEffect">
+                                  <p:stCondLst>
+                                    <p:cond delay="0"/>
+                                  </p:stCondLst>
+                                  <p:childTnLst>
+                                    <p:set>
+                                      <p:cBhvr>
+                                        <p:cTn id="54" dur="1" fill="hold">
+                                          <p:stCondLst>
+                                            <p:cond delay="0"/>
+                                          </p:stCondLst>
+                                        </p:cTn>
+                                        <p:tgtEl>
+                                          <p:spTgt spid="3"/>
+                                        </p:tgtEl>
+                                        <p:attrNameLst>
+                                          <p:attrName>style.visibility</p:attrName>
+                                        </p:attrNameLst>
+                                      </p:cBhvr>
+                                      <p:to>
+                                        <p:strVal val="visible"/>
+                                      </p:to>
+                                    </p:set>
+                                  </p:childTnLst>
+                                </p:cTn>
+                              </p:par>
+                            </p:childTnLst>
+                          </p:cTn>
+                        </p:par>
+                      </p:childTnLst>
+                    </p:cTn>
+                  </p:par>
+                </p:childTnLst>
+              </p:cTn>
+              <p:prevCondLst>
+                <p:cond evt="onPrev" delay="0">
+                  <p:tgtEl>
+                    <p:sldTgt/>
+                  </p:tgtEl>
+                </p:cond>
+              </p:prevCondLst>
+              <p:nextCondLst>
+                <p:cond evt="onNext" delay="0">
+                  <p:tgtEl>
+                    <p:sldTgt/>
+                  </p:tgtEl>
+                </p:cond>
+              </p:nextCondLst>
+            </p:seq>
+          </p:childTnLst>
+        </p:cTn>
+      </p:par>
+    </p:tnLst>
+    <p:bldLst>
+      <p:bldP spid="12" grpId="0" animBg="1"/>
+      <p:bldP spid="4" grpId="0" animBg="1"/>
+      <p:bldP spid="6" grpId="0" animBg="1"/>
+      <p:bldP spid="5" grpId="0" animBg="1"/>
+      <p:bldP spid="7" grpId="0" animBg="1"/>
+      <p:bldP spid="8" grpId="0" animBg="1"/>
+      <p:bldP spid="9" grpId="0" animBg="1"/>
+      <p:bldP spid="11" grpId="0" animBg="1"/>
+      <p:bldP spid="15" grpId="0" animBg="1"/>
+      <p:bldP spid="17" grpId="0" animBg="1"/>
+      <p:bldP spid="10" grpId="0" animBg="1"/>
+      <p:bldP spid="18" grpId="0"/>
+      <p:bldP spid="20" grpId="0"/>
+      <p:bldP spid="21" grpId="0"/>
+      <p:bldP spid="2" grpId="0" animBg="1"/>
+      <p:bldP spid="3" grpId="0"/>
+    </p:bldLst>
+  </p:timing>
+</p:sld>
+</file>
+
+<file path=ppt/slides/slide19.xml><?xml version="1.0" encoding="utf-8"?>
+<p:sld xmlns:a="http://schemas.openxmlformats.org/drawingml/2006/main" xmlns:r="http://schemas.openxmlformats.org/officeDocument/2006/relationships" xmlns:p="http://schemas.openxmlformats.org/presentationml/2006/main">
+  <p:cSld>
+    <p:spTree>
+      <p:nvGrpSpPr>
+        <p:cNvPr id="1" name=""/>
+        <p:cNvGrpSpPr/>
+        <p:nvPr/>
+      </p:nvGrpSpPr>
+      <p:grpSpPr>
+        <a:xfrm>
+          <a:off x="0" y="0"/>
+          <a:ext cx="0" cy="0"/>
+          <a:chOff x="0" y="0"/>
+          <a:chExt cx="0" cy="0"/>
+        </a:xfrm>
+      </p:grpSpPr>
+      <p:sp>
+        <p:nvSpPr>
+          <p:cNvPr id="2" name="Rubrik 1">
+            <a:extLst>
+              <a:ext uri="{FF2B5EF4-FFF2-40B4-BE49-F238E27FC236}">
                 <a16:creationId xmlns:a16="http://schemas.microsoft.com/office/drawing/2014/main" id="{4254A2D9-E51C-FA71-BB39-C2BD72F73927}"/>
               </a:ext>
             </a:extLst>
@@ -13155,15 +17889,15 @@
           <p:cNvPr id="2" name="Rubrik 1">
             <a:extLst>
               <a:ext uri="{FF2B5EF4-FFF2-40B4-BE49-F238E27FC236}">
-                <a16:creationId xmlns:a16="http://schemas.microsoft.com/office/drawing/2014/main" id="{457297FD-8CF2-1D28-3B95-58E01FA1D69D}"/>
-              </a:ext>
-            </a:extLst>
-          </p:cNvPr>
-          <p:cNvSpPr>
-            <a:spLocks noGrp="1"/>
-          </p:cNvSpPr>
-          <p:nvPr>
-            <p:ph type="ctrTitle"/>
+                <a16:creationId xmlns:a16="http://schemas.microsoft.com/office/drawing/2014/main" id="{317A8212-7BA1-17D5-5DE1-29AF79BEBA85}"/>
+              </a:ext>
+            </a:extLst>
+          </p:cNvPr>
+          <p:cNvSpPr>
+            <a:spLocks noGrp="1"/>
+          </p:cNvSpPr>
+          <p:nvPr>
+            <p:ph type="title"/>
           </p:nvPr>
         </p:nvSpPr>
         <p:spPr/>
@@ -13172,6 +17906,1393 @@
           <a:lstStyle/>
           <a:p>
             <a:r>
+              <a:rPr lang="sv-SE" dirty="0"/>
+              <a:t>Agenda</a:t>
+            </a:r>
+          </a:p>
+        </p:txBody>
+      </p:sp>
+      <p:sp>
+        <p:nvSpPr>
+          <p:cNvPr id="3" name="Platshållare för text 2">
+            <a:extLst>
+              <a:ext uri="{FF2B5EF4-FFF2-40B4-BE49-F238E27FC236}">
+                <a16:creationId xmlns:a16="http://schemas.microsoft.com/office/drawing/2014/main" id="{F6F1850C-7A65-59DB-04A3-C77C713E25DA}"/>
+              </a:ext>
+            </a:extLst>
+          </p:cNvPr>
+          <p:cNvSpPr>
+            <a:spLocks noGrp="1"/>
+          </p:cNvSpPr>
+          <p:nvPr>
+            <p:ph type="body" sz="quarter" idx="14"/>
+          </p:nvPr>
+        </p:nvSpPr>
+        <p:spPr/>
+        <p:txBody>
+          <a:bodyPr/>
+          <a:lstStyle/>
+          <a:p>
+            <a:endParaRPr lang="sv-SE"/>
+          </a:p>
+        </p:txBody>
+      </p:sp>
+      <p:sp>
+        <p:nvSpPr>
+          <p:cNvPr id="5" name="Platshållare för text 4">
+            <a:extLst>
+              <a:ext uri="{FF2B5EF4-FFF2-40B4-BE49-F238E27FC236}">
+                <a16:creationId xmlns:a16="http://schemas.microsoft.com/office/drawing/2014/main" id="{29DD1380-F399-92AD-DF5B-CBC67FA63D07}"/>
+              </a:ext>
+            </a:extLst>
+          </p:cNvPr>
+          <p:cNvSpPr>
+            <a:spLocks noGrp="1"/>
+          </p:cNvSpPr>
+          <p:nvPr>
+            <p:ph type="body" sz="quarter" idx="16"/>
+          </p:nvPr>
+        </p:nvSpPr>
+        <p:spPr>
+          <a:xfrm>
+            <a:off x="4952962" y="1590675"/>
+            <a:ext cx="3840518" cy="424732"/>
+          </a:xfrm>
+        </p:spPr>
+        <p:txBody>
+          <a:bodyPr/>
+          <a:lstStyle/>
+          <a:p>
+            <a:r>
+              <a:rPr lang="sv-SE" dirty="0"/>
+              <a:t>Teori</a:t>
+            </a:r>
+          </a:p>
+        </p:txBody>
+      </p:sp>
+      <p:sp>
+        <p:nvSpPr>
+          <p:cNvPr id="6" name="Platshållare för text 4">
+            <a:extLst>
+              <a:ext uri="{FF2B5EF4-FFF2-40B4-BE49-F238E27FC236}">
+                <a16:creationId xmlns:a16="http://schemas.microsoft.com/office/drawing/2014/main" id="{9AE4AEBA-2797-8634-2A35-C225D1AD5BD1}"/>
+              </a:ext>
+            </a:extLst>
+          </p:cNvPr>
+          <p:cNvSpPr txBox="1">
+            <a:spLocks/>
+          </p:cNvSpPr>
+          <p:nvPr/>
+        </p:nvSpPr>
+        <p:spPr>
+          <a:xfrm>
+            <a:off x="4952962" y="1922117"/>
+            <a:ext cx="3840518" cy="424732"/>
+          </a:xfrm>
+          <a:prstGeom prst="rect">
+            <a:avLst/>
+          </a:prstGeom>
+        </p:spPr>
+        <p:txBody>
+          <a:bodyPr vert="horz" wrap="square" lIns="91440" tIns="45720" rIns="91440" bIns="45720" rtlCol="0">
+            <a:spAutoFit/>
+          </a:bodyPr>
+          <a:lstStyle>
+            <a:lvl1pPr marL="0" indent="0" algn="l" defTabSz="914400" rtl="0" eaLnBrk="1" latinLnBrk="0" hangingPunct="1">
+              <a:lnSpc>
+                <a:spcPct val="90000"/>
+              </a:lnSpc>
+              <a:spcBef>
+                <a:spcPts val="1000"/>
+              </a:spcBef>
+              <a:buFontTx/>
+              <a:buNone/>
+              <a:defRPr sz="2400" b="0" kern="1200">
+                <a:solidFill>
+                  <a:schemeClr val="accent1"/>
+                </a:solidFill>
+                <a:latin typeface="+mn-lt"/>
+                <a:ea typeface="+mn-ea"/>
+                <a:cs typeface="+mn-cs"/>
+              </a:defRPr>
+            </a:lvl1pPr>
+            <a:lvl2pPr marL="457200" indent="0" algn="l" defTabSz="914400" rtl="0" eaLnBrk="1" latinLnBrk="0" hangingPunct="1">
+              <a:lnSpc>
+                <a:spcPct val="90000"/>
+              </a:lnSpc>
+              <a:spcBef>
+                <a:spcPts val="500"/>
+              </a:spcBef>
+              <a:buFontTx/>
+              <a:buNone/>
+              <a:defRPr sz="1800" kern="1200">
+                <a:solidFill>
+                  <a:schemeClr val="accent1"/>
+                </a:solidFill>
+                <a:latin typeface="+mn-lt"/>
+                <a:ea typeface="+mn-ea"/>
+                <a:cs typeface="+mn-cs"/>
+              </a:defRPr>
+            </a:lvl2pPr>
+            <a:lvl3pPr marL="914400" indent="0" algn="l" defTabSz="914400" rtl="0" eaLnBrk="1" latinLnBrk="0" hangingPunct="1">
+              <a:lnSpc>
+                <a:spcPct val="90000"/>
+              </a:lnSpc>
+              <a:spcBef>
+                <a:spcPts val="500"/>
+              </a:spcBef>
+              <a:buFontTx/>
+              <a:buNone/>
+              <a:defRPr sz="1600" b="0" kern="1200">
+                <a:solidFill>
+                  <a:schemeClr val="accent1"/>
+                </a:solidFill>
+                <a:latin typeface="+mn-lt"/>
+                <a:ea typeface="+mn-ea"/>
+                <a:cs typeface="+mn-cs"/>
+              </a:defRPr>
+            </a:lvl3pPr>
+            <a:lvl4pPr marL="1371600" indent="0" algn="l" defTabSz="914400" rtl="0" eaLnBrk="1" latinLnBrk="0" hangingPunct="1">
+              <a:lnSpc>
+                <a:spcPct val="90000"/>
+              </a:lnSpc>
+              <a:spcBef>
+                <a:spcPts val="500"/>
+              </a:spcBef>
+              <a:buFontTx/>
+              <a:buNone/>
+              <a:defRPr sz="1600" kern="1200">
+                <a:solidFill>
+                  <a:schemeClr val="accent1"/>
+                </a:solidFill>
+                <a:latin typeface="+mn-lt"/>
+                <a:ea typeface="+mn-ea"/>
+                <a:cs typeface="+mn-cs"/>
+              </a:defRPr>
+            </a:lvl4pPr>
+            <a:lvl5pPr marL="1828800" indent="0" algn="l" defTabSz="914400" rtl="0" eaLnBrk="1" latinLnBrk="0" hangingPunct="1">
+              <a:lnSpc>
+                <a:spcPct val="90000"/>
+              </a:lnSpc>
+              <a:spcBef>
+                <a:spcPts val="500"/>
+              </a:spcBef>
+              <a:buFont typeface="Arial" panose="020B0604020202020204" pitchFamily="34" charset="0"/>
+              <a:buNone/>
+              <a:defRPr sz="1400" kern="1200">
+                <a:solidFill>
+                  <a:schemeClr val="accent1"/>
+                </a:solidFill>
+                <a:latin typeface="+mn-lt"/>
+                <a:ea typeface="+mn-ea"/>
+                <a:cs typeface="+mn-cs"/>
+              </a:defRPr>
+            </a:lvl5pPr>
+            <a:lvl6pPr marL="2514600" indent="-228600" algn="l" defTabSz="914400" rtl="0" eaLnBrk="1" latinLnBrk="0" hangingPunct="1">
+              <a:lnSpc>
+                <a:spcPct val="90000"/>
+              </a:lnSpc>
+              <a:spcBef>
+                <a:spcPts val="500"/>
+              </a:spcBef>
+              <a:buFont typeface="Arial" panose="020B0604020202020204" pitchFamily="34" charset="0"/>
+              <a:buChar char="•"/>
+              <a:defRPr sz="1800" kern="1200">
+                <a:solidFill>
+                  <a:schemeClr val="tx1"/>
+                </a:solidFill>
+                <a:latin typeface="+mn-lt"/>
+                <a:ea typeface="+mn-ea"/>
+                <a:cs typeface="+mn-cs"/>
+              </a:defRPr>
+            </a:lvl6pPr>
+            <a:lvl7pPr marL="2971800" indent="-228600" algn="l" defTabSz="914400" rtl="0" eaLnBrk="1" latinLnBrk="0" hangingPunct="1">
+              <a:lnSpc>
+                <a:spcPct val="90000"/>
+              </a:lnSpc>
+              <a:spcBef>
+                <a:spcPts val="500"/>
+              </a:spcBef>
+              <a:buFont typeface="Arial" panose="020B0604020202020204" pitchFamily="34" charset="0"/>
+              <a:buChar char="•"/>
+              <a:defRPr sz="1800" kern="1200">
+                <a:solidFill>
+                  <a:schemeClr val="tx1"/>
+                </a:solidFill>
+                <a:latin typeface="+mn-lt"/>
+                <a:ea typeface="+mn-ea"/>
+                <a:cs typeface="+mn-cs"/>
+              </a:defRPr>
+            </a:lvl7pPr>
+            <a:lvl8pPr marL="3429000" indent="-228600" algn="l" defTabSz="914400" rtl="0" eaLnBrk="1" latinLnBrk="0" hangingPunct="1">
+              <a:lnSpc>
+                <a:spcPct val="90000"/>
+              </a:lnSpc>
+              <a:spcBef>
+                <a:spcPts val="500"/>
+              </a:spcBef>
+              <a:buFont typeface="Arial" panose="020B0604020202020204" pitchFamily="34" charset="0"/>
+              <a:buChar char="•"/>
+              <a:defRPr sz="1800" kern="1200">
+                <a:solidFill>
+                  <a:schemeClr val="tx1"/>
+                </a:solidFill>
+                <a:latin typeface="+mn-lt"/>
+                <a:ea typeface="+mn-ea"/>
+                <a:cs typeface="+mn-cs"/>
+              </a:defRPr>
+            </a:lvl8pPr>
+            <a:lvl9pPr marL="3886200" indent="-228600" algn="l" defTabSz="914400" rtl="0" eaLnBrk="1" latinLnBrk="0" hangingPunct="1">
+              <a:lnSpc>
+                <a:spcPct val="90000"/>
+              </a:lnSpc>
+              <a:spcBef>
+                <a:spcPts val="500"/>
+              </a:spcBef>
+              <a:buFont typeface="Arial" panose="020B0604020202020204" pitchFamily="34" charset="0"/>
+              <a:buChar char="•"/>
+              <a:defRPr sz="1800" kern="1200">
+                <a:solidFill>
+                  <a:schemeClr val="tx1"/>
+                </a:solidFill>
+                <a:latin typeface="+mn-lt"/>
+                <a:ea typeface="+mn-ea"/>
+                <a:cs typeface="+mn-cs"/>
+              </a:defRPr>
+            </a:lvl9pPr>
+          </a:lstStyle>
+          <a:p>
+            <a:r>
+              <a:rPr lang="sv-SE" dirty="0"/>
+              <a:t>Labb</a:t>
+            </a:r>
+          </a:p>
+        </p:txBody>
+      </p:sp>
+      <p:sp>
+        <p:nvSpPr>
+          <p:cNvPr id="7" name="Platshållare för text 4">
+            <a:extLst>
+              <a:ext uri="{FF2B5EF4-FFF2-40B4-BE49-F238E27FC236}">
+                <a16:creationId xmlns:a16="http://schemas.microsoft.com/office/drawing/2014/main" id="{16D21F15-37DF-423C-BB4D-E3CAD3D90479}"/>
+              </a:ext>
+            </a:extLst>
+          </p:cNvPr>
+          <p:cNvSpPr txBox="1">
+            <a:spLocks/>
+          </p:cNvSpPr>
+          <p:nvPr/>
+        </p:nvSpPr>
+        <p:spPr>
+          <a:xfrm>
+            <a:off x="4952962" y="2253559"/>
+            <a:ext cx="3840518" cy="424732"/>
+          </a:xfrm>
+          <a:prstGeom prst="rect">
+            <a:avLst/>
+          </a:prstGeom>
+        </p:spPr>
+        <p:txBody>
+          <a:bodyPr vert="horz" wrap="square" lIns="91440" tIns="45720" rIns="91440" bIns="45720" rtlCol="0">
+            <a:spAutoFit/>
+          </a:bodyPr>
+          <a:lstStyle>
+            <a:lvl1pPr marL="0" indent="0" algn="l" defTabSz="914400" rtl="0" eaLnBrk="1" latinLnBrk="0" hangingPunct="1">
+              <a:lnSpc>
+                <a:spcPct val="90000"/>
+              </a:lnSpc>
+              <a:spcBef>
+                <a:spcPts val="1000"/>
+              </a:spcBef>
+              <a:buFontTx/>
+              <a:buNone/>
+              <a:defRPr sz="2400" b="0" kern="1200">
+                <a:solidFill>
+                  <a:schemeClr val="accent1"/>
+                </a:solidFill>
+                <a:latin typeface="+mn-lt"/>
+                <a:ea typeface="+mn-ea"/>
+                <a:cs typeface="+mn-cs"/>
+              </a:defRPr>
+            </a:lvl1pPr>
+            <a:lvl2pPr marL="457200" indent="0" algn="l" defTabSz="914400" rtl="0" eaLnBrk="1" latinLnBrk="0" hangingPunct="1">
+              <a:lnSpc>
+                <a:spcPct val="90000"/>
+              </a:lnSpc>
+              <a:spcBef>
+                <a:spcPts val="500"/>
+              </a:spcBef>
+              <a:buFontTx/>
+              <a:buNone/>
+              <a:defRPr sz="1800" kern="1200">
+                <a:solidFill>
+                  <a:schemeClr val="accent1"/>
+                </a:solidFill>
+                <a:latin typeface="+mn-lt"/>
+                <a:ea typeface="+mn-ea"/>
+                <a:cs typeface="+mn-cs"/>
+              </a:defRPr>
+            </a:lvl2pPr>
+            <a:lvl3pPr marL="914400" indent="0" algn="l" defTabSz="914400" rtl="0" eaLnBrk="1" latinLnBrk="0" hangingPunct="1">
+              <a:lnSpc>
+                <a:spcPct val="90000"/>
+              </a:lnSpc>
+              <a:spcBef>
+                <a:spcPts val="500"/>
+              </a:spcBef>
+              <a:buFontTx/>
+              <a:buNone/>
+              <a:defRPr sz="1600" b="0" kern="1200">
+                <a:solidFill>
+                  <a:schemeClr val="accent1"/>
+                </a:solidFill>
+                <a:latin typeface="+mn-lt"/>
+                <a:ea typeface="+mn-ea"/>
+                <a:cs typeface="+mn-cs"/>
+              </a:defRPr>
+            </a:lvl3pPr>
+            <a:lvl4pPr marL="1371600" indent="0" algn="l" defTabSz="914400" rtl="0" eaLnBrk="1" latinLnBrk="0" hangingPunct="1">
+              <a:lnSpc>
+                <a:spcPct val="90000"/>
+              </a:lnSpc>
+              <a:spcBef>
+                <a:spcPts val="500"/>
+              </a:spcBef>
+              <a:buFontTx/>
+              <a:buNone/>
+              <a:defRPr sz="1600" kern="1200">
+                <a:solidFill>
+                  <a:schemeClr val="accent1"/>
+                </a:solidFill>
+                <a:latin typeface="+mn-lt"/>
+                <a:ea typeface="+mn-ea"/>
+                <a:cs typeface="+mn-cs"/>
+              </a:defRPr>
+            </a:lvl4pPr>
+            <a:lvl5pPr marL="1828800" indent="0" algn="l" defTabSz="914400" rtl="0" eaLnBrk="1" latinLnBrk="0" hangingPunct="1">
+              <a:lnSpc>
+                <a:spcPct val="90000"/>
+              </a:lnSpc>
+              <a:spcBef>
+                <a:spcPts val="500"/>
+              </a:spcBef>
+              <a:buFont typeface="Arial" panose="020B0604020202020204" pitchFamily="34" charset="0"/>
+              <a:buNone/>
+              <a:defRPr sz="1400" kern="1200">
+                <a:solidFill>
+                  <a:schemeClr val="accent1"/>
+                </a:solidFill>
+                <a:latin typeface="+mn-lt"/>
+                <a:ea typeface="+mn-ea"/>
+                <a:cs typeface="+mn-cs"/>
+              </a:defRPr>
+            </a:lvl5pPr>
+            <a:lvl6pPr marL="2514600" indent="-228600" algn="l" defTabSz="914400" rtl="0" eaLnBrk="1" latinLnBrk="0" hangingPunct="1">
+              <a:lnSpc>
+                <a:spcPct val="90000"/>
+              </a:lnSpc>
+              <a:spcBef>
+                <a:spcPts val="500"/>
+              </a:spcBef>
+              <a:buFont typeface="Arial" panose="020B0604020202020204" pitchFamily="34" charset="0"/>
+              <a:buChar char="•"/>
+              <a:defRPr sz="1800" kern="1200">
+                <a:solidFill>
+                  <a:schemeClr val="tx1"/>
+                </a:solidFill>
+                <a:latin typeface="+mn-lt"/>
+                <a:ea typeface="+mn-ea"/>
+                <a:cs typeface="+mn-cs"/>
+              </a:defRPr>
+            </a:lvl6pPr>
+            <a:lvl7pPr marL="2971800" indent="-228600" algn="l" defTabSz="914400" rtl="0" eaLnBrk="1" latinLnBrk="0" hangingPunct="1">
+              <a:lnSpc>
+                <a:spcPct val="90000"/>
+              </a:lnSpc>
+              <a:spcBef>
+                <a:spcPts val="500"/>
+              </a:spcBef>
+              <a:buFont typeface="Arial" panose="020B0604020202020204" pitchFamily="34" charset="0"/>
+              <a:buChar char="•"/>
+              <a:defRPr sz="1800" kern="1200">
+                <a:solidFill>
+                  <a:schemeClr val="tx1"/>
+                </a:solidFill>
+                <a:latin typeface="+mn-lt"/>
+                <a:ea typeface="+mn-ea"/>
+                <a:cs typeface="+mn-cs"/>
+              </a:defRPr>
+            </a:lvl7pPr>
+            <a:lvl8pPr marL="3429000" indent="-228600" algn="l" defTabSz="914400" rtl="0" eaLnBrk="1" latinLnBrk="0" hangingPunct="1">
+              <a:lnSpc>
+                <a:spcPct val="90000"/>
+              </a:lnSpc>
+              <a:spcBef>
+                <a:spcPts val="500"/>
+              </a:spcBef>
+              <a:buFont typeface="Arial" panose="020B0604020202020204" pitchFamily="34" charset="0"/>
+              <a:buChar char="•"/>
+              <a:defRPr sz="1800" kern="1200">
+                <a:solidFill>
+                  <a:schemeClr val="tx1"/>
+                </a:solidFill>
+                <a:latin typeface="+mn-lt"/>
+                <a:ea typeface="+mn-ea"/>
+                <a:cs typeface="+mn-cs"/>
+              </a:defRPr>
+            </a:lvl8pPr>
+            <a:lvl9pPr marL="3886200" indent="-228600" algn="l" defTabSz="914400" rtl="0" eaLnBrk="1" latinLnBrk="0" hangingPunct="1">
+              <a:lnSpc>
+                <a:spcPct val="90000"/>
+              </a:lnSpc>
+              <a:spcBef>
+                <a:spcPts val="500"/>
+              </a:spcBef>
+              <a:buFont typeface="Arial" panose="020B0604020202020204" pitchFamily="34" charset="0"/>
+              <a:buChar char="•"/>
+              <a:defRPr sz="1800" kern="1200">
+                <a:solidFill>
+                  <a:schemeClr val="tx1"/>
+                </a:solidFill>
+                <a:latin typeface="+mn-lt"/>
+                <a:ea typeface="+mn-ea"/>
+                <a:cs typeface="+mn-cs"/>
+              </a:defRPr>
+            </a:lvl9pPr>
+          </a:lstStyle>
+          <a:p>
+            <a:r>
+              <a:rPr lang="sv-SE" dirty="0"/>
+              <a:t>Lek</a:t>
+            </a:r>
+          </a:p>
+        </p:txBody>
+      </p:sp>
+      <p:sp>
+        <p:nvSpPr>
+          <p:cNvPr id="8" name="Platshållare för text 4">
+            <a:extLst>
+              <a:ext uri="{FF2B5EF4-FFF2-40B4-BE49-F238E27FC236}">
+                <a16:creationId xmlns:a16="http://schemas.microsoft.com/office/drawing/2014/main" id="{11A0D937-97D1-E611-4910-F2E9C8950EB9}"/>
+              </a:ext>
+            </a:extLst>
+          </p:cNvPr>
+          <p:cNvSpPr txBox="1">
+            <a:spLocks/>
+          </p:cNvSpPr>
+          <p:nvPr/>
+        </p:nvSpPr>
+        <p:spPr>
+          <a:xfrm>
+            <a:off x="4952962" y="2567255"/>
+            <a:ext cx="3840518" cy="424732"/>
+          </a:xfrm>
+          <a:prstGeom prst="rect">
+            <a:avLst/>
+          </a:prstGeom>
+        </p:spPr>
+        <p:txBody>
+          <a:bodyPr vert="horz" wrap="square" lIns="91440" tIns="45720" rIns="91440" bIns="45720" rtlCol="0">
+            <a:spAutoFit/>
+          </a:bodyPr>
+          <a:lstStyle>
+            <a:lvl1pPr marL="0" indent="0" algn="l" defTabSz="914400" rtl="0" eaLnBrk="1" latinLnBrk="0" hangingPunct="1">
+              <a:lnSpc>
+                <a:spcPct val="90000"/>
+              </a:lnSpc>
+              <a:spcBef>
+                <a:spcPts val="1000"/>
+              </a:spcBef>
+              <a:buFontTx/>
+              <a:buNone/>
+              <a:defRPr sz="2400" b="0" kern="1200">
+                <a:solidFill>
+                  <a:schemeClr val="accent1"/>
+                </a:solidFill>
+                <a:latin typeface="+mn-lt"/>
+                <a:ea typeface="+mn-ea"/>
+                <a:cs typeface="+mn-cs"/>
+              </a:defRPr>
+            </a:lvl1pPr>
+            <a:lvl2pPr marL="457200" indent="0" algn="l" defTabSz="914400" rtl="0" eaLnBrk="1" latinLnBrk="0" hangingPunct="1">
+              <a:lnSpc>
+                <a:spcPct val="90000"/>
+              </a:lnSpc>
+              <a:spcBef>
+                <a:spcPts val="500"/>
+              </a:spcBef>
+              <a:buFontTx/>
+              <a:buNone/>
+              <a:defRPr sz="1800" kern="1200">
+                <a:solidFill>
+                  <a:schemeClr val="accent1"/>
+                </a:solidFill>
+                <a:latin typeface="+mn-lt"/>
+                <a:ea typeface="+mn-ea"/>
+                <a:cs typeface="+mn-cs"/>
+              </a:defRPr>
+            </a:lvl2pPr>
+            <a:lvl3pPr marL="914400" indent="0" algn="l" defTabSz="914400" rtl="0" eaLnBrk="1" latinLnBrk="0" hangingPunct="1">
+              <a:lnSpc>
+                <a:spcPct val="90000"/>
+              </a:lnSpc>
+              <a:spcBef>
+                <a:spcPts val="500"/>
+              </a:spcBef>
+              <a:buFontTx/>
+              <a:buNone/>
+              <a:defRPr sz="1600" b="0" kern="1200">
+                <a:solidFill>
+                  <a:schemeClr val="accent1"/>
+                </a:solidFill>
+                <a:latin typeface="+mn-lt"/>
+                <a:ea typeface="+mn-ea"/>
+                <a:cs typeface="+mn-cs"/>
+              </a:defRPr>
+            </a:lvl3pPr>
+            <a:lvl4pPr marL="1371600" indent="0" algn="l" defTabSz="914400" rtl="0" eaLnBrk="1" latinLnBrk="0" hangingPunct="1">
+              <a:lnSpc>
+                <a:spcPct val="90000"/>
+              </a:lnSpc>
+              <a:spcBef>
+                <a:spcPts val="500"/>
+              </a:spcBef>
+              <a:buFontTx/>
+              <a:buNone/>
+              <a:defRPr sz="1600" kern="1200">
+                <a:solidFill>
+                  <a:schemeClr val="accent1"/>
+                </a:solidFill>
+                <a:latin typeface="+mn-lt"/>
+                <a:ea typeface="+mn-ea"/>
+                <a:cs typeface="+mn-cs"/>
+              </a:defRPr>
+            </a:lvl4pPr>
+            <a:lvl5pPr marL="1828800" indent="0" algn="l" defTabSz="914400" rtl="0" eaLnBrk="1" latinLnBrk="0" hangingPunct="1">
+              <a:lnSpc>
+                <a:spcPct val="90000"/>
+              </a:lnSpc>
+              <a:spcBef>
+                <a:spcPts val="500"/>
+              </a:spcBef>
+              <a:buFont typeface="Arial" panose="020B0604020202020204" pitchFamily="34" charset="0"/>
+              <a:buNone/>
+              <a:defRPr sz="1400" kern="1200">
+                <a:solidFill>
+                  <a:schemeClr val="accent1"/>
+                </a:solidFill>
+                <a:latin typeface="+mn-lt"/>
+                <a:ea typeface="+mn-ea"/>
+                <a:cs typeface="+mn-cs"/>
+              </a:defRPr>
+            </a:lvl5pPr>
+            <a:lvl6pPr marL="2514600" indent="-228600" algn="l" defTabSz="914400" rtl="0" eaLnBrk="1" latinLnBrk="0" hangingPunct="1">
+              <a:lnSpc>
+                <a:spcPct val="90000"/>
+              </a:lnSpc>
+              <a:spcBef>
+                <a:spcPts val="500"/>
+              </a:spcBef>
+              <a:buFont typeface="Arial" panose="020B0604020202020204" pitchFamily="34" charset="0"/>
+              <a:buChar char="•"/>
+              <a:defRPr sz="1800" kern="1200">
+                <a:solidFill>
+                  <a:schemeClr val="tx1"/>
+                </a:solidFill>
+                <a:latin typeface="+mn-lt"/>
+                <a:ea typeface="+mn-ea"/>
+                <a:cs typeface="+mn-cs"/>
+              </a:defRPr>
+            </a:lvl6pPr>
+            <a:lvl7pPr marL="2971800" indent="-228600" algn="l" defTabSz="914400" rtl="0" eaLnBrk="1" latinLnBrk="0" hangingPunct="1">
+              <a:lnSpc>
+                <a:spcPct val="90000"/>
+              </a:lnSpc>
+              <a:spcBef>
+                <a:spcPts val="500"/>
+              </a:spcBef>
+              <a:buFont typeface="Arial" panose="020B0604020202020204" pitchFamily="34" charset="0"/>
+              <a:buChar char="•"/>
+              <a:defRPr sz="1800" kern="1200">
+                <a:solidFill>
+                  <a:schemeClr val="tx1"/>
+                </a:solidFill>
+                <a:latin typeface="+mn-lt"/>
+                <a:ea typeface="+mn-ea"/>
+                <a:cs typeface="+mn-cs"/>
+              </a:defRPr>
+            </a:lvl7pPr>
+            <a:lvl8pPr marL="3429000" indent="-228600" algn="l" defTabSz="914400" rtl="0" eaLnBrk="1" latinLnBrk="0" hangingPunct="1">
+              <a:lnSpc>
+                <a:spcPct val="90000"/>
+              </a:lnSpc>
+              <a:spcBef>
+                <a:spcPts val="500"/>
+              </a:spcBef>
+              <a:buFont typeface="Arial" panose="020B0604020202020204" pitchFamily="34" charset="0"/>
+              <a:buChar char="•"/>
+              <a:defRPr sz="1800" kern="1200">
+                <a:solidFill>
+                  <a:schemeClr val="tx1"/>
+                </a:solidFill>
+                <a:latin typeface="+mn-lt"/>
+                <a:ea typeface="+mn-ea"/>
+                <a:cs typeface="+mn-cs"/>
+              </a:defRPr>
+            </a:lvl8pPr>
+            <a:lvl9pPr marL="3886200" indent="-228600" algn="l" defTabSz="914400" rtl="0" eaLnBrk="1" latinLnBrk="0" hangingPunct="1">
+              <a:lnSpc>
+                <a:spcPct val="90000"/>
+              </a:lnSpc>
+              <a:spcBef>
+                <a:spcPts val="500"/>
+              </a:spcBef>
+              <a:buFont typeface="Arial" panose="020B0604020202020204" pitchFamily="34" charset="0"/>
+              <a:buChar char="•"/>
+              <a:defRPr sz="1800" kern="1200">
+                <a:solidFill>
+                  <a:schemeClr val="tx1"/>
+                </a:solidFill>
+                <a:latin typeface="+mn-lt"/>
+                <a:ea typeface="+mn-ea"/>
+                <a:cs typeface="+mn-cs"/>
+              </a:defRPr>
+            </a:lvl9pPr>
+          </a:lstStyle>
+          <a:p>
+            <a:r>
+              <a:rPr lang="sv-SE" dirty="0"/>
+              <a:t>Summering</a:t>
+            </a:r>
+          </a:p>
+        </p:txBody>
+      </p:sp>
+      <p:sp>
+        <p:nvSpPr>
+          <p:cNvPr id="9" name="Platshållare för text 4">
+            <a:extLst>
+              <a:ext uri="{FF2B5EF4-FFF2-40B4-BE49-F238E27FC236}">
+                <a16:creationId xmlns:a16="http://schemas.microsoft.com/office/drawing/2014/main" id="{B9D8938D-BE10-B028-392B-65644C2EC3A2}"/>
+              </a:ext>
+            </a:extLst>
+          </p:cNvPr>
+          <p:cNvSpPr txBox="1">
+            <a:spLocks/>
+          </p:cNvSpPr>
+          <p:nvPr/>
+        </p:nvSpPr>
+        <p:spPr>
+          <a:xfrm>
+            <a:off x="7635202" y="1093512"/>
+            <a:ext cx="914438" cy="424732"/>
+          </a:xfrm>
+          <a:prstGeom prst="rect">
+            <a:avLst/>
+          </a:prstGeom>
+        </p:spPr>
+        <p:txBody>
+          <a:bodyPr vert="horz" wrap="square" lIns="91440" tIns="45720" rIns="91440" bIns="45720" rtlCol="0">
+            <a:spAutoFit/>
+          </a:bodyPr>
+          <a:lstStyle>
+            <a:lvl1pPr marL="0" indent="0" algn="l" defTabSz="914400" rtl="0" eaLnBrk="1" latinLnBrk="0" hangingPunct="1">
+              <a:lnSpc>
+                <a:spcPct val="90000"/>
+              </a:lnSpc>
+              <a:spcBef>
+                <a:spcPts val="1000"/>
+              </a:spcBef>
+              <a:buFontTx/>
+              <a:buNone/>
+              <a:defRPr sz="2400" b="0" kern="1200">
+                <a:solidFill>
+                  <a:schemeClr val="accent1"/>
+                </a:solidFill>
+                <a:latin typeface="+mn-lt"/>
+                <a:ea typeface="+mn-ea"/>
+                <a:cs typeface="+mn-cs"/>
+              </a:defRPr>
+            </a:lvl1pPr>
+            <a:lvl2pPr marL="457200" indent="0" algn="l" defTabSz="914400" rtl="0" eaLnBrk="1" latinLnBrk="0" hangingPunct="1">
+              <a:lnSpc>
+                <a:spcPct val="90000"/>
+              </a:lnSpc>
+              <a:spcBef>
+                <a:spcPts val="500"/>
+              </a:spcBef>
+              <a:buFontTx/>
+              <a:buNone/>
+              <a:defRPr sz="1800" kern="1200">
+                <a:solidFill>
+                  <a:schemeClr val="accent1"/>
+                </a:solidFill>
+                <a:latin typeface="+mn-lt"/>
+                <a:ea typeface="+mn-ea"/>
+                <a:cs typeface="+mn-cs"/>
+              </a:defRPr>
+            </a:lvl2pPr>
+            <a:lvl3pPr marL="914400" indent="0" algn="l" defTabSz="914400" rtl="0" eaLnBrk="1" latinLnBrk="0" hangingPunct="1">
+              <a:lnSpc>
+                <a:spcPct val="90000"/>
+              </a:lnSpc>
+              <a:spcBef>
+                <a:spcPts val="500"/>
+              </a:spcBef>
+              <a:buFontTx/>
+              <a:buNone/>
+              <a:defRPr sz="1600" b="0" kern="1200">
+                <a:solidFill>
+                  <a:schemeClr val="accent1"/>
+                </a:solidFill>
+                <a:latin typeface="+mn-lt"/>
+                <a:ea typeface="+mn-ea"/>
+                <a:cs typeface="+mn-cs"/>
+              </a:defRPr>
+            </a:lvl3pPr>
+            <a:lvl4pPr marL="1371600" indent="0" algn="l" defTabSz="914400" rtl="0" eaLnBrk="1" latinLnBrk="0" hangingPunct="1">
+              <a:lnSpc>
+                <a:spcPct val="90000"/>
+              </a:lnSpc>
+              <a:spcBef>
+                <a:spcPts val="500"/>
+              </a:spcBef>
+              <a:buFontTx/>
+              <a:buNone/>
+              <a:defRPr sz="1600" kern="1200">
+                <a:solidFill>
+                  <a:schemeClr val="accent1"/>
+                </a:solidFill>
+                <a:latin typeface="+mn-lt"/>
+                <a:ea typeface="+mn-ea"/>
+                <a:cs typeface="+mn-cs"/>
+              </a:defRPr>
+            </a:lvl4pPr>
+            <a:lvl5pPr marL="1828800" indent="0" algn="l" defTabSz="914400" rtl="0" eaLnBrk="1" latinLnBrk="0" hangingPunct="1">
+              <a:lnSpc>
+                <a:spcPct val="90000"/>
+              </a:lnSpc>
+              <a:spcBef>
+                <a:spcPts val="500"/>
+              </a:spcBef>
+              <a:buFont typeface="Arial" panose="020B0604020202020204" pitchFamily="34" charset="0"/>
+              <a:buNone/>
+              <a:defRPr sz="1400" kern="1200">
+                <a:solidFill>
+                  <a:schemeClr val="accent1"/>
+                </a:solidFill>
+                <a:latin typeface="+mn-lt"/>
+                <a:ea typeface="+mn-ea"/>
+                <a:cs typeface="+mn-cs"/>
+              </a:defRPr>
+            </a:lvl5pPr>
+            <a:lvl6pPr marL="2514600" indent="-228600" algn="l" defTabSz="914400" rtl="0" eaLnBrk="1" latinLnBrk="0" hangingPunct="1">
+              <a:lnSpc>
+                <a:spcPct val="90000"/>
+              </a:lnSpc>
+              <a:spcBef>
+                <a:spcPts val="500"/>
+              </a:spcBef>
+              <a:buFont typeface="Arial" panose="020B0604020202020204" pitchFamily="34" charset="0"/>
+              <a:buChar char="•"/>
+              <a:defRPr sz="1800" kern="1200">
+                <a:solidFill>
+                  <a:schemeClr val="tx1"/>
+                </a:solidFill>
+                <a:latin typeface="+mn-lt"/>
+                <a:ea typeface="+mn-ea"/>
+                <a:cs typeface="+mn-cs"/>
+              </a:defRPr>
+            </a:lvl6pPr>
+            <a:lvl7pPr marL="2971800" indent="-228600" algn="l" defTabSz="914400" rtl="0" eaLnBrk="1" latinLnBrk="0" hangingPunct="1">
+              <a:lnSpc>
+                <a:spcPct val="90000"/>
+              </a:lnSpc>
+              <a:spcBef>
+                <a:spcPts val="500"/>
+              </a:spcBef>
+              <a:buFont typeface="Arial" panose="020B0604020202020204" pitchFamily="34" charset="0"/>
+              <a:buChar char="•"/>
+              <a:defRPr sz="1800" kern="1200">
+                <a:solidFill>
+                  <a:schemeClr val="tx1"/>
+                </a:solidFill>
+                <a:latin typeface="+mn-lt"/>
+                <a:ea typeface="+mn-ea"/>
+                <a:cs typeface="+mn-cs"/>
+              </a:defRPr>
+            </a:lvl7pPr>
+            <a:lvl8pPr marL="3429000" indent="-228600" algn="l" defTabSz="914400" rtl="0" eaLnBrk="1" latinLnBrk="0" hangingPunct="1">
+              <a:lnSpc>
+                <a:spcPct val="90000"/>
+              </a:lnSpc>
+              <a:spcBef>
+                <a:spcPts val="500"/>
+              </a:spcBef>
+              <a:buFont typeface="Arial" panose="020B0604020202020204" pitchFamily="34" charset="0"/>
+              <a:buChar char="•"/>
+              <a:defRPr sz="1800" kern="1200">
+                <a:solidFill>
+                  <a:schemeClr val="tx1"/>
+                </a:solidFill>
+                <a:latin typeface="+mn-lt"/>
+                <a:ea typeface="+mn-ea"/>
+                <a:cs typeface="+mn-cs"/>
+              </a:defRPr>
+            </a:lvl8pPr>
+            <a:lvl9pPr marL="3886200" indent="-228600" algn="l" defTabSz="914400" rtl="0" eaLnBrk="1" latinLnBrk="0" hangingPunct="1">
+              <a:lnSpc>
+                <a:spcPct val="90000"/>
+              </a:lnSpc>
+              <a:spcBef>
+                <a:spcPts val="500"/>
+              </a:spcBef>
+              <a:buFont typeface="Arial" panose="020B0604020202020204" pitchFamily="34" charset="0"/>
+              <a:buChar char="•"/>
+              <a:defRPr sz="1800" kern="1200">
+                <a:solidFill>
+                  <a:schemeClr val="tx1"/>
+                </a:solidFill>
+                <a:latin typeface="+mn-lt"/>
+                <a:ea typeface="+mn-ea"/>
+                <a:cs typeface="+mn-cs"/>
+              </a:defRPr>
+            </a:lvl9pPr>
+          </a:lstStyle>
+          <a:p>
+            <a:r>
+              <a:rPr lang="sv-SE" dirty="0"/>
+              <a:t>Mat</a:t>
+            </a:r>
+          </a:p>
+        </p:txBody>
+      </p:sp>
+      <p:pic>
+        <p:nvPicPr>
+          <p:cNvPr id="12" name="Bildobjekt 11">
+            <a:extLst>
+              <a:ext uri="{FF2B5EF4-FFF2-40B4-BE49-F238E27FC236}">
+                <a16:creationId xmlns:a16="http://schemas.microsoft.com/office/drawing/2014/main" id="{4ED789AF-8D71-10A8-A116-1AABA7002AB1}"/>
+              </a:ext>
+            </a:extLst>
+          </p:cNvPr>
+          <p:cNvPicPr>
+            <a:picLocks noChangeAspect="1"/>
+          </p:cNvPicPr>
+          <p:nvPr/>
+        </p:nvPicPr>
+        <p:blipFill>
+          <a:blip r:embed="rId2"/>
+          <a:stretch>
+            <a:fillRect/>
+          </a:stretch>
+        </p:blipFill>
+        <p:spPr>
+          <a:xfrm>
+            <a:off x="351253" y="808196"/>
+            <a:ext cx="3923799" cy="3315458"/>
+          </a:xfrm>
+          <a:prstGeom prst="rect">
+            <a:avLst/>
+          </a:prstGeom>
+        </p:spPr>
+      </p:pic>
+    </p:spTree>
+    <p:extLst>
+      <p:ext uri="{BB962C8B-B14F-4D97-AF65-F5344CB8AC3E}">
+        <p14:creationId xmlns:p14="http://schemas.microsoft.com/office/powerpoint/2010/main" val="4127779700"/>
+      </p:ext>
+    </p:extLst>
+  </p:cSld>
+  <p:clrMapOvr>
+    <a:masterClrMapping/>
+  </p:clrMapOvr>
+  <p:timing>
+    <p:tnLst>
+      <p:par>
+        <p:cTn id="1" dur="indefinite" restart="never" nodeType="tmRoot">
+          <p:childTnLst>
+            <p:seq concurrent="1" nextAc="seek">
+              <p:cTn id="2" dur="indefinite" nodeType="mainSeq">
+                <p:childTnLst>
+                  <p:par>
+                    <p:cTn id="3" fill="hold">
+                      <p:stCondLst>
+                        <p:cond delay="indefinite"/>
+                      </p:stCondLst>
+                      <p:childTnLst>
+                        <p:par>
+                          <p:cTn id="4" fill="hold">
+                            <p:stCondLst>
+                              <p:cond delay="0"/>
+                            </p:stCondLst>
+                            <p:childTnLst>
+                              <p:par>
+                                <p:cTn id="5" presetID="1" presetClass="entr" presetSubtype="0" fill="hold" grpId="1" nodeType="clickEffect">
+                                  <p:stCondLst>
+                                    <p:cond delay="0"/>
+                                  </p:stCondLst>
+                                  <p:childTnLst>
+                                    <p:set>
+                                      <p:cBhvr>
+                                        <p:cTn id="6" dur="1" fill="hold">
+                                          <p:stCondLst>
+                                            <p:cond delay="0"/>
+                                          </p:stCondLst>
+                                        </p:cTn>
+                                        <p:tgtEl>
+                                          <p:spTgt spid="8"/>
+                                        </p:tgtEl>
+                                        <p:attrNameLst>
+                                          <p:attrName>style.visibility</p:attrName>
+                                        </p:attrNameLst>
+                                      </p:cBhvr>
+                                      <p:to>
+                                        <p:strVal val="visible"/>
+                                      </p:to>
+                                    </p:set>
+                                  </p:childTnLst>
+                                </p:cTn>
+                              </p:par>
+                              <p:par>
+                                <p:cTn id="7" presetID="1" presetClass="entr" presetSubtype="0" fill="hold" grpId="1" nodeType="withEffect">
+                                  <p:stCondLst>
+                                    <p:cond delay="0"/>
+                                  </p:stCondLst>
+                                  <p:childTnLst>
+                                    <p:set>
+                                      <p:cBhvr>
+                                        <p:cTn id="8" dur="1" fill="hold">
+                                          <p:stCondLst>
+                                            <p:cond delay="0"/>
+                                          </p:stCondLst>
+                                        </p:cTn>
+                                        <p:tgtEl>
+                                          <p:spTgt spid="7"/>
+                                        </p:tgtEl>
+                                        <p:attrNameLst>
+                                          <p:attrName>style.visibility</p:attrName>
+                                        </p:attrNameLst>
+                                      </p:cBhvr>
+                                      <p:to>
+                                        <p:strVal val="visible"/>
+                                      </p:to>
+                                    </p:set>
+                                  </p:childTnLst>
+                                </p:cTn>
+                              </p:par>
+                              <p:par>
+                                <p:cTn id="9" presetID="1" presetClass="entr" presetSubtype="0" fill="hold" grpId="0" nodeType="withEffect">
+                                  <p:stCondLst>
+                                    <p:cond delay="0"/>
+                                  </p:stCondLst>
+                                  <p:childTnLst>
+                                    <p:set>
+                                      <p:cBhvr>
+                                        <p:cTn id="10" dur="1" fill="hold">
+                                          <p:stCondLst>
+                                            <p:cond delay="0"/>
+                                          </p:stCondLst>
+                                        </p:cTn>
+                                        <p:tgtEl>
+                                          <p:spTgt spid="2"/>
+                                        </p:tgtEl>
+                                        <p:attrNameLst>
+                                          <p:attrName>style.visibility</p:attrName>
+                                        </p:attrNameLst>
+                                      </p:cBhvr>
+                                      <p:to>
+                                        <p:strVal val="visible"/>
+                                      </p:to>
+                                    </p:set>
+                                  </p:childTnLst>
+                                </p:cTn>
+                              </p:par>
+                              <p:par>
+                                <p:cTn id="11" presetID="1" presetClass="entr" presetSubtype="0" fill="hold" grpId="0" nodeType="withEffect">
+                                  <p:stCondLst>
+                                    <p:cond delay="0"/>
+                                  </p:stCondLst>
+                                  <p:childTnLst>
+                                    <p:set>
+                                      <p:cBhvr>
+                                        <p:cTn id="12" dur="1" fill="hold">
+                                          <p:stCondLst>
+                                            <p:cond delay="0"/>
+                                          </p:stCondLst>
+                                        </p:cTn>
+                                        <p:tgtEl>
+                                          <p:spTgt spid="5">
+                                            <p:txEl>
+                                              <p:pRg st="0" end="0"/>
+                                            </p:txEl>
+                                          </p:spTgt>
+                                        </p:tgtEl>
+                                        <p:attrNameLst>
+                                          <p:attrName>style.visibility</p:attrName>
+                                        </p:attrNameLst>
+                                      </p:cBhvr>
+                                      <p:to>
+                                        <p:strVal val="visible"/>
+                                      </p:to>
+                                    </p:set>
+                                  </p:childTnLst>
+                                </p:cTn>
+                              </p:par>
+                              <p:par>
+                                <p:cTn id="13" presetID="1" presetClass="entr" presetSubtype="0" fill="hold" grpId="0" nodeType="withEffect">
+                                  <p:stCondLst>
+                                    <p:cond delay="0"/>
+                                  </p:stCondLst>
+                                  <p:childTnLst>
+                                    <p:set>
+                                      <p:cBhvr>
+                                        <p:cTn id="14" dur="1" fill="hold">
+                                          <p:stCondLst>
+                                            <p:cond delay="0"/>
+                                          </p:stCondLst>
+                                        </p:cTn>
+                                        <p:tgtEl>
+                                          <p:spTgt spid="6"/>
+                                        </p:tgtEl>
+                                        <p:attrNameLst>
+                                          <p:attrName>style.visibility</p:attrName>
+                                        </p:attrNameLst>
+                                      </p:cBhvr>
+                                      <p:to>
+                                        <p:strVal val="visible"/>
+                                      </p:to>
+                                    </p:set>
+                                  </p:childTnLst>
+                                </p:cTn>
+                              </p:par>
+                            </p:childTnLst>
+                          </p:cTn>
+                        </p:par>
+                      </p:childTnLst>
+                    </p:cTn>
+                  </p:par>
+                  <p:par>
+                    <p:cTn id="15" fill="hold">
+                      <p:stCondLst>
+                        <p:cond delay="indefinite"/>
+                      </p:stCondLst>
+                      <p:childTnLst>
+                        <p:par>
+                          <p:cTn id="16" fill="hold">
+                            <p:stCondLst>
+                              <p:cond delay="0"/>
+                            </p:stCondLst>
+                            <p:childTnLst>
+                              <p:par>
+                                <p:cTn id="17" presetID="1" presetClass="entr" presetSubtype="0" fill="hold" grpId="1" nodeType="clickEffect">
+                                  <p:stCondLst>
+                                    <p:cond delay="0"/>
+                                  </p:stCondLst>
+                                  <p:childTnLst>
+                                    <p:set>
+                                      <p:cBhvr>
+                                        <p:cTn id="18" dur="1" fill="hold">
+                                          <p:stCondLst>
+                                            <p:cond delay="0"/>
+                                          </p:stCondLst>
+                                        </p:cTn>
+                                        <p:tgtEl>
+                                          <p:spTgt spid="9"/>
+                                        </p:tgtEl>
+                                        <p:attrNameLst>
+                                          <p:attrName>style.visibility</p:attrName>
+                                        </p:attrNameLst>
+                                      </p:cBhvr>
+                                      <p:to>
+                                        <p:strVal val="visible"/>
+                                      </p:to>
+                                    </p:set>
+                                  </p:childTnLst>
+                                </p:cTn>
+                              </p:par>
+                            </p:childTnLst>
+                          </p:cTn>
+                        </p:par>
+                      </p:childTnLst>
+                    </p:cTn>
+                  </p:par>
+                  <p:par>
+                    <p:cTn id="19" fill="hold">
+                      <p:stCondLst>
+                        <p:cond delay="indefinite"/>
+                      </p:stCondLst>
+                      <p:childTnLst>
+                        <p:par>
+                          <p:cTn id="20" fill="hold">
+                            <p:stCondLst>
+                              <p:cond delay="0"/>
+                            </p:stCondLst>
+                            <p:childTnLst>
+                              <p:par>
+                                <p:cTn id="21" presetID="42" presetClass="path" presetSubtype="0" accel="50000" decel="50000" fill="hold" grpId="0" nodeType="clickEffect">
+                                  <p:stCondLst>
+                                    <p:cond delay="0"/>
+                                  </p:stCondLst>
+                                  <p:childTnLst>
+                                    <p:animMotion origin="layout" path="M -1.875E-6 -4.07407E-6 L -0.00039 0.04468 " pathEditMode="relative" rAng="0" ptsTypes="AA">
+                                      <p:cBhvr>
+                                        <p:cTn id="22" dur="2000" fill="hold"/>
+                                        <p:tgtEl>
+                                          <p:spTgt spid="8"/>
+                                        </p:tgtEl>
+                                        <p:attrNameLst>
+                                          <p:attrName>ppt_x</p:attrName>
+                                          <p:attrName>ppt_y</p:attrName>
+                                        </p:attrNameLst>
+                                      </p:cBhvr>
+                                      <p:rCtr x="-26" y="2222"/>
+                                    </p:animMotion>
+                                  </p:childTnLst>
+                                </p:cTn>
+                              </p:par>
+                              <p:par>
+                                <p:cTn id="23" presetID="42" presetClass="path" presetSubtype="0" accel="50000" decel="50000" fill="hold" grpId="0" nodeType="withEffect">
+                                  <p:stCondLst>
+                                    <p:cond delay="0"/>
+                                  </p:stCondLst>
+                                  <p:childTnLst>
+                                    <p:animMotion origin="layout" path="M -1.875E-6 -7.40741E-7 L -0.00013 0.04838 " pathEditMode="relative" rAng="0" ptsTypes="AA">
+                                      <p:cBhvr>
+                                        <p:cTn id="24" dur="2000" fill="hold"/>
+                                        <p:tgtEl>
+                                          <p:spTgt spid="7"/>
+                                        </p:tgtEl>
+                                        <p:attrNameLst>
+                                          <p:attrName>ppt_x</p:attrName>
+                                          <p:attrName>ppt_y</p:attrName>
+                                        </p:attrNameLst>
+                                      </p:cBhvr>
+                                      <p:rCtr x="-13" y="2407"/>
+                                    </p:animMotion>
+                                  </p:childTnLst>
+                                </p:cTn>
+                              </p:par>
+                              <p:par>
+                                <p:cTn id="25" presetID="42" presetClass="path" presetSubtype="0" accel="50000" decel="50000" fill="hold" grpId="0" nodeType="withEffect">
+                                  <p:stCondLst>
+                                    <p:cond delay="0"/>
+                                  </p:stCondLst>
+                                  <p:childTnLst>
+                                    <p:animMotion origin="layout" path="M -2.08333E-6 2.22222E-6 L -0.21966 0.16828 " pathEditMode="relative" rAng="0" ptsTypes="AA">
+                                      <p:cBhvr>
+                                        <p:cTn id="26" dur="2000" fill="hold"/>
+                                        <p:tgtEl>
+                                          <p:spTgt spid="9"/>
+                                        </p:tgtEl>
+                                        <p:attrNameLst>
+                                          <p:attrName>ppt_x</p:attrName>
+                                          <p:attrName>ppt_y</p:attrName>
+                                        </p:attrNameLst>
+                                      </p:cBhvr>
+                                      <p:rCtr x="-10990" y="8403"/>
+                                    </p:animMotion>
+                                  </p:childTnLst>
+                                </p:cTn>
+                              </p:par>
+                            </p:childTnLst>
+                          </p:cTn>
+                        </p:par>
+                      </p:childTnLst>
+                    </p:cTn>
+                  </p:par>
+                </p:childTnLst>
+              </p:cTn>
+              <p:prevCondLst>
+                <p:cond evt="onPrev" delay="0">
+                  <p:tgtEl>
+                    <p:sldTgt/>
+                  </p:tgtEl>
+                </p:cond>
+              </p:prevCondLst>
+              <p:nextCondLst>
+                <p:cond evt="onNext" delay="0">
+                  <p:tgtEl>
+                    <p:sldTgt/>
+                  </p:tgtEl>
+                </p:cond>
+              </p:nextCondLst>
+            </p:seq>
+          </p:childTnLst>
+        </p:cTn>
+      </p:par>
+    </p:tnLst>
+    <p:bldLst>
+      <p:bldP spid="2" grpId="0"/>
+      <p:bldP spid="5" grpId="0" build="p"/>
+      <p:bldP spid="6" grpId="0"/>
+      <p:bldP spid="7" grpId="0"/>
+      <p:bldP spid="7" grpId="1"/>
+      <p:bldP spid="8" grpId="0"/>
+      <p:bldP spid="8" grpId="1"/>
+      <p:bldP spid="9" grpId="0"/>
+      <p:bldP spid="9" grpId="1"/>
+    </p:bldLst>
+  </p:timing>
+</p:sld>
+</file>
+
+<file path=ppt/slides/slide20.xml><?xml version="1.0" encoding="utf-8"?>
+<p:sld xmlns:a="http://schemas.openxmlformats.org/drawingml/2006/main" xmlns:r="http://schemas.openxmlformats.org/officeDocument/2006/relationships" xmlns:p="http://schemas.openxmlformats.org/presentationml/2006/main">
+  <p:cSld>
+    <p:spTree>
+      <p:nvGrpSpPr>
+        <p:cNvPr id="1" name=""/>
+        <p:cNvGrpSpPr/>
+        <p:nvPr/>
+      </p:nvGrpSpPr>
+      <p:grpSpPr>
+        <a:xfrm>
+          <a:off x="0" y="0"/>
+          <a:ext cx="0" cy="0"/>
+          <a:chOff x="0" y="0"/>
+          <a:chExt cx="0" cy="0"/>
+        </a:xfrm>
+      </p:grpSpPr>
+      <p:pic>
+        <p:nvPicPr>
+          <p:cNvPr id="7" name="Platshållare för innehåll 6" descr="En bild som visar text, diagram, skärmbild, karta&#10;&#10;Automatiskt genererad beskrivning">
+            <a:extLst>
+              <a:ext uri="{FF2B5EF4-FFF2-40B4-BE49-F238E27FC236}">
+                <a16:creationId xmlns:a16="http://schemas.microsoft.com/office/drawing/2014/main" id="{AA403BDD-70BA-89C6-D428-8DEADA3D974D}"/>
+              </a:ext>
+            </a:extLst>
+          </p:cNvPr>
+          <p:cNvPicPr>
+            <a:picLocks noGrp="1" noChangeAspect="1"/>
+          </p:cNvPicPr>
+          <p:nvPr>
+            <p:ph sz="quarter" idx="16"/>
+          </p:nvPr>
+        </p:nvPicPr>
+        <p:blipFill>
+          <a:blip r:embed="rId2">
+            <a:extLst>
+              <a:ext uri="{28A0092B-C50C-407E-A947-70E740481C1C}">
+                <a14:useLocalDpi xmlns:a14="http://schemas.microsoft.com/office/drawing/2010/main" val="0"/>
+              </a:ext>
+            </a:extLst>
+          </a:blip>
+          <a:stretch>
+            <a:fillRect/>
+          </a:stretch>
+        </p:blipFill>
+        <p:spPr>
+          <a:xfrm>
+            <a:off x="2428569" y="320257"/>
+            <a:ext cx="7684986" cy="6190682"/>
+          </a:xfrm>
+        </p:spPr>
+      </p:pic>
+      <p:sp>
+        <p:nvSpPr>
+          <p:cNvPr id="5" name="Platshållare för text 4">
+            <a:extLst>
+              <a:ext uri="{FF2B5EF4-FFF2-40B4-BE49-F238E27FC236}">
+                <a16:creationId xmlns:a16="http://schemas.microsoft.com/office/drawing/2014/main" id="{6024CFA8-C05C-1E84-BD06-07B087A120DE}"/>
+              </a:ext>
+            </a:extLst>
+          </p:cNvPr>
+          <p:cNvSpPr>
+            <a:spLocks noGrp="1"/>
+          </p:cNvSpPr>
+          <p:nvPr>
+            <p:ph type="body" sz="quarter" idx="15"/>
+          </p:nvPr>
+        </p:nvSpPr>
+        <p:spPr/>
+        <p:txBody>
+          <a:bodyPr/>
+          <a:lstStyle/>
+          <a:p>
+            <a:endParaRPr lang="sv-SE"/>
+          </a:p>
+        </p:txBody>
+      </p:sp>
+      <p:sp>
+        <p:nvSpPr>
+          <p:cNvPr id="2" name="Rubrik 1">
+            <a:extLst>
+              <a:ext uri="{FF2B5EF4-FFF2-40B4-BE49-F238E27FC236}">
+                <a16:creationId xmlns:a16="http://schemas.microsoft.com/office/drawing/2014/main" id="{7BCD8967-68D0-B132-0468-08B0C6072C15}"/>
+              </a:ext>
+            </a:extLst>
+          </p:cNvPr>
+          <p:cNvSpPr>
+            <a:spLocks noGrp="1"/>
+          </p:cNvSpPr>
+          <p:nvPr>
+            <p:ph type="title"/>
+          </p:nvPr>
+        </p:nvSpPr>
+        <p:spPr/>
+        <p:txBody>
+          <a:bodyPr/>
+          <a:lstStyle/>
+          <a:p>
+            <a:r>
+              <a:rPr lang="sv-SE" dirty="0"/>
+              <a:t>Sammanfattning</a:t>
+            </a:r>
+          </a:p>
+        </p:txBody>
+      </p:sp>
+    </p:spTree>
+    <p:extLst>
+      <p:ext uri="{BB962C8B-B14F-4D97-AF65-F5344CB8AC3E}">
+        <p14:creationId xmlns:p14="http://schemas.microsoft.com/office/powerpoint/2010/main" val="2619073819"/>
+      </p:ext>
+    </p:extLst>
+  </p:cSld>
+  <p:clrMapOvr>
+    <a:masterClrMapping/>
+  </p:clrMapOvr>
+</p:sld>
+</file>
+
+<file path=ppt/slides/slide3.xml><?xml version="1.0" encoding="utf-8"?>
+<p:sld xmlns:a="http://schemas.openxmlformats.org/drawingml/2006/main" xmlns:r="http://schemas.openxmlformats.org/officeDocument/2006/relationships" xmlns:p="http://schemas.openxmlformats.org/presentationml/2006/main">
+  <p:cSld>
+    <p:spTree>
+      <p:nvGrpSpPr>
+        <p:cNvPr id="1" name=""/>
+        <p:cNvGrpSpPr/>
+        <p:nvPr/>
+      </p:nvGrpSpPr>
+      <p:grpSpPr>
+        <a:xfrm>
+          <a:off x="0" y="0"/>
+          <a:ext cx="0" cy="0"/>
+          <a:chOff x="0" y="0"/>
+          <a:chExt cx="0" cy="0"/>
+        </a:xfrm>
+      </p:grpSpPr>
+      <p:sp>
+        <p:nvSpPr>
+          <p:cNvPr id="2" name="Rubrik 1">
+            <a:extLst>
+              <a:ext uri="{FF2B5EF4-FFF2-40B4-BE49-F238E27FC236}">
+                <a16:creationId xmlns:a16="http://schemas.microsoft.com/office/drawing/2014/main" id="{457297FD-8CF2-1D28-3B95-58E01FA1D69D}"/>
+              </a:ext>
+            </a:extLst>
+          </p:cNvPr>
+          <p:cNvSpPr>
+            <a:spLocks noGrp="1"/>
+          </p:cNvSpPr>
+          <p:nvPr>
+            <p:ph type="ctrTitle"/>
+          </p:nvPr>
+        </p:nvSpPr>
+        <p:spPr/>
+        <p:txBody>
+          <a:bodyPr/>
+          <a:lstStyle/>
+          <a:p>
+            <a:r>
               <a:rPr lang="sv-SE" dirty="0" err="1"/>
               <a:t>DevOps</a:t>
             </a:r>
@@ -13184,7 +19305,7 @@
             </a:br>
             <a:r>
               <a:rPr lang="sv-SE" dirty="0"/>
-              <a:t> -&gt; Docker</a:t>
+              <a:t> </a:t>
             </a:r>
           </a:p>
         </p:txBody>
@@ -13216,6 +19337,41 @@
           </a:p>
         </p:txBody>
       </p:sp>
+      <p:pic>
+        <p:nvPicPr>
+          <p:cNvPr id="5" name="Bildobjekt 4">
+            <a:extLst>
+              <a:ext uri="{FF2B5EF4-FFF2-40B4-BE49-F238E27FC236}">
+                <a16:creationId xmlns:a16="http://schemas.microsoft.com/office/drawing/2014/main" id="{7BC52BD8-5943-37C9-1F62-D2BB5F63876C}"/>
+              </a:ext>
+            </a:extLst>
+          </p:cNvPr>
+          <p:cNvPicPr>
+            <a:picLocks noChangeAspect="1"/>
+          </p:cNvPicPr>
+          <p:nvPr/>
+        </p:nvPicPr>
+        <p:blipFill>
+          <a:blip r:embed="rId2">
+            <a:extLst>
+              <a:ext uri="{28A0092B-C50C-407E-A947-70E740481C1C}">
+                <a14:useLocalDpi xmlns:a14="http://schemas.microsoft.com/office/drawing/2010/main" val="0"/>
+              </a:ext>
+            </a:extLst>
+          </a:blip>
+          <a:srcRect/>
+          <a:stretch/>
+        </p:blipFill>
+        <p:spPr>
+          <a:xfrm>
+            <a:off x="4263893" y="3357048"/>
+            <a:ext cx="6592568" cy="1724303"/>
+          </a:xfrm>
+          <a:prstGeom prst="rect">
+            <a:avLst/>
+          </a:prstGeom>
+        </p:spPr>
+      </p:pic>
     </p:spTree>
     <p:extLst>
       <p:ext uri="{BB962C8B-B14F-4D97-AF65-F5344CB8AC3E}">
@@ -13226,10 +19382,291 @@
   <p:clrMapOvr>
     <a:masterClrMapping/>
   </p:clrMapOvr>
+  <p:timing>
+    <p:tnLst>
+      <p:par>
+        <p:cTn id="1" dur="indefinite" restart="never" nodeType="tmRoot">
+          <p:childTnLst>
+            <p:seq concurrent="1" nextAc="seek">
+              <p:cTn id="2" dur="indefinite" nodeType="mainSeq">
+                <p:childTnLst>
+                  <p:par>
+                    <p:cTn id="3" fill="hold">
+                      <p:stCondLst>
+                        <p:cond delay="indefinite"/>
+                      </p:stCondLst>
+                      <p:childTnLst>
+                        <p:par>
+                          <p:cTn id="4" fill="hold">
+                            <p:stCondLst>
+                              <p:cond delay="0"/>
+                            </p:stCondLst>
+                            <p:childTnLst>
+                              <p:par>
+                                <p:cTn id="5" presetID="1" presetClass="entr" presetSubtype="0" fill="hold" nodeType="clickEffect">
+                                  <p:stCondLst>
+                                    <p:cond delay="0"/>
+                                  </p:stCondLst>
+                                  <p:childTnLst>
+                                    <p:set>
+                                      <p:cBhvr>
+                                        <p:cTn id="6" dur="1" fill="hold">
+                                          <p:stCondLst>
+                                            <p:cond delay="0"/>
+                                          </p:stCondLst>
+                                        </p:cTn>
+                                        <p:tgtEl>
+                                          <p:spTgt spid="5"/>
+                                        </p:tgtEl>
+                                        <p:attrNameLst>
+                                          <p:attrName>style.visibility</p:attrName>
+                                        </p:attrNameLst>
+                                      </p:cBhvr>
+                                      <p:to>
+                                        <p:strVal val="visible"/>
+                                      </p:to>
+                                    </p:set>
+                                  </p:childTnLst>
+                                </p:cTn>
+                              </p:par>
+                            </p:childTnLst>
+                          </p:cTn>
+                        </p:par>
+                      </p:childTnLst>
+                    </p:cTn>
+                  </p:par>
+                </p:childTnLst>
+              </p:cTn>
+              <p:prevCondLst>
+                <p:cond evt="onPrev" delay="0">
+                  <p:tgtEl>
+                    <p:sldTgt/>
+                  </p:tgtEl>
+                </p:cond>
+              </p:prevCondLst>
+              <p:nextCondLst>
+                <p:cond evt="onNext" delay="0">
+                  <p:tgtEl>
+                    <p:sldTgt/>
+                  </p:tgtEl>
+                </p:cond>
+              </p:nextCondLst>
+            </p:seq>
+          </p:childTnLst>
+        </p:cTn>
+      </p:par>
+    </p:tnLst>
+  </p:timing>
 </p:sld>
 </file>
 
-<file path=ppt/slides/slide3.xml><?xml version="1.0" encoding="utf-8"?>
+<file path=ppt/slides/slide4.xml><?xml version="1.0" encoding="utf-8"?>
+<p:sld xmlns:a="http://schemas.openxmlformats.org/drawingml/2006/main" xmlns:r="http://schemas.openxmlformats.org/officeDocument/2006/relationships" xmlns:p="http://schemas.openxmlformats.org/presentationml/2006/main">
+  <p:cSld>
+    <p:spTree>
+      <p:nvGrpSpPr>
+        <p:cNvPr id="1" name=""/>
+        <p:cNvGrpSpPr/>
+        <p:nvPr/>
+      </p:nvGrpSpPr>
+      <p:grpSpPr>
+        <a:xfrm>
+          <a:off x="0" y="0"/>
+          <a:ext cx="0" cy="0"/>
+          <a:chOff x="0" y="0"/>
+          <a:chExt cx="0" cy="0"/>
+        </a:xfrm>
+      </p:grpSpPr>
+      <p:sp>
+        <p:nvSpPr>
+          <p:cNvPr id="2" name="Rubrik 1">
+            <a:extLst>
+              <a:ext uri="{FF2B5EF4-FFF2-40B4-BE49-F238E27FC236}">
+                <a16:creationId xmlns:a16="http://schemas.microsoft.com/office/drawing/2014/main" id="{3183D83B-D714-067A-4216-BFFCCBFBB881}"/>
+              </a:ext>
+            </a:extLst>
+          </p:cNvPr>
+          <p:cNvSpPr>
+            <a:spLocks noGrp="1"/>
+          </p:cNvSpPr>
+          <p:nvPr>
+            <p:ph type="title"/>
+          </p:nvPr>
+        </p:nvSpPr>
+        <p:spPr/>
+        <p:txBody>
+          <a:bodyPr/>
+          <a:lstStyle/>
+          <a:p>
+            <a:r>
+              <a:rPr lang="sv-SE" dirty="0"/>
+              <a:t>Vad är Docker?</a:t>
+            </a:r>
+          </a:p>
+        </p:txBody>
+      </p:sp>
+      <p:sp>
+        <p:nvSpPr>
+          <p:cNvPr id="3" name="Platshållare för text 2">
+            <a:extLst>
+              <a:ext uri="{FF2B5EF4-FFF2-40B4-BE49-F238E27FC236}">
+                <a16:creationId xmlns:a16="http://schemas.microsoft.com/office/drawing/2014/main" id="{FB095E4E-B66C-87BA-1FA3-6BCDA0D951B7}"/>
+              </a:ext>
+            </a:extLst>
+          </p:cNvPr>
+          <p:cNvSpPr>
+            <a:spLocks noGrp="1"/>
+          </p:cNvSpPr>
+          <p:nvPr>
+            <p:ph type="body" sz="quarter" idx="13"/>
+          </p:nvPr>
+        </p:nvSpPr>
+        <p:spPr/>
+        <p:txBody>
+          <a:bodyPr/>
+          <a:lstStyle/>
+          <a:p>
+            <a:r>
+              <a:rPr lang="sv-SE" dirty="0"/>
+              <a:t>En virtuell datorinstans, men inte en full </a:t>
+            </a:r>
+            <a:r>
+              <a:rPr lang="sv-SE" dirty="0" err="1"/>
+              <a:t>virtual</a:t>
+            </a:r>
+            <a:r>
+              <a:rPr lang="sv-SE" dirty="0"/>
+              <a:t> </a:t>
+            </a:r>
+            <a:r>
+              <a:rPr lang="sv-SE" dirty="0" err="1"/>
+              <a:t>machine</a:t>
+            </a:r>
+            <a:endParaRPr lang="sv-SE" dirty="0"/>
+          </a:p>
+        </p:txBody>
+      </p:sp>
+      <p:sp>
+        <p:nvSpPr>
+          <p:cNvPr id="4" name="Platshållare för text 3">
+            <a:extLst>
+              <a:ext uri="{FF2B5EF4-FFF2-40B4-BE49-F238E27FC236}">
+                <a16:creationId xmlns:a16="http://schemas.microsoft.com/office/drawing/2014/main" id="{8FC66295-9FD8-C365-678E-F05A0AA0A1D5}"/>
+              </a:ext>
+            </a:extLst>
+          </p:cNvPr>
+          <p:cNvSpPr>
+            <a:spLocks noGrp="1"/>
+          </p:cNvSpPr>
+          <p:nvPr>
+            <p:ph type="body" sz="quarter" idx="15"/>
+          </p:nvPr>
+        </p:nvSpPr>
+        <p:spPr/>
+        <p:txBody>
+          <a:bodyPr/>
+          <a:lstStyle/>
+          <a:p>
+            <a:endParaRPr lang="sv-SE"/>
+          </a:p>
+        </p:txBody>
+      </p:sp>
+    </p:spTree>
+    <p:extLst>
+      <p:ext uri="{BB962C8B-B14F-4D97-AF65-F5344CB8AC3E}">
+        <p14:creationId xmlns:p14="http://schemas.microsoft.com/office/powerpoint/2010/main" val="4134515106"/>
+      </p:ext>
+    </p:extLst>
+  </p:cSld>
+  <p:clrMapOvr>
+    <a:masterClrMapping/>
+  </p:clrMapOvr>
+  <p:timing>
+    <p:tnLst>
+      <p:par>
+        <p:cTn id="1" dur="indefinite" restart="never" nodeType="tmRoot">
+          <p:childTnLst>
+            <p:seq concurrent="1" nextAc="seek">
+              <p:cTn id="2" dur="indefinite" nodeType="mainSeq">
+                <p:childTnLst>
+                  <p:par>
+                    <p:cTn id="3" fill="hold">
+                      <p:stCondLst>
+                        <p:cond delay="indefinite"/>
+                      </p:stCondLst>
+                      <p:childTnLst>
+                        <p:par>
+                          <p:cTn id="4" fill="hold">
+                            <p:stCondLst>
+                              <p:cond delay="0"/>
+                            </p:stCondLst>
+                            <p:childTnLst>
+                              <p:par>
+                                <p:cTn id="5" presetID="1" presetClass="entr" presetSubtype="0" fill="hold" grpId="0" nodeType="clickEffect">
+                                  <p:stCondLst>
+                                    <p:cond delay="0"/>
+                                  </p:stCondLst>
+                                  <p:childTnLst>
+                                    <p:set>
+                                      <p:cBhvr>
+                                        <p:cTn id="6" dur="1" fill="hold">
+                                          <p:stCondLst>
+                                            <p:cond delay="0"/>
+                                          </p:stCondLst>
+                                        </p:cTn>
+                                        <p:tgtEl>
+                                          <p:spTgt spid="3">
+                                            <p:txEl>
+                                              <p:pRg st="0" end="0"/>
+                                            </p:txEl>
+                                          </p:spTgt>
+                                        </p:tgtEl>
+                                        <p:attrNameLst>
+                                          <p:attrName>style.visibility</p:attrName>
+                                        </p:attrNameLst>
+                                      </p:cBhvr>
+                                      <p:to>
+                                        <p:strVal val="visible"/>
+                                      </p:to>
+                                    </p:set>
+                                  </p:childTnLst>
+                                </p:cTn>
+                              </p:par>
+                            </p:childTnLst>
+                          </p:cTn>
+                        </p:par>
+                      </p:childTnLst>
+                    </p:cTn>
+                  </p:par>
+                </p:childTnLst>
+              </p:cTn>
+              <p:prevCondLst>
+                <p:cond evt="onPrev" delay="0">
+                  <p:tgtEl>
+                    <p:sldTgt/>
+                  </p:tgtEl>
+                </p:cond>
+              </p:prevCondLst>
+              <p:nextCondLst>
+                <p:cond evt="onNext" delay="0">
+                  <p:tgtEl>
+                    <p:sldTgt/>
+                  </p:tgtEl>
+                </p:cond>
+              </p:nextCondLst>
+            </p:seq>
+          </p:childTnLst>
+        </p:cTn>
+      </p:par>
+    </p:tnLst>
+    <p:bldLst>
+      <p:bldP spid="3" grpId="0" build="p"/>
+    </p:bldLst>
+  </p:timing>
+</p:sld>
+</file>
+
+<file path=ppt/slides/slide5.xml><?xml version="1.0" encoding="utf-8"?>
 <p:sld xmlns:a="http://schemas.openxmlformats.org/drawingml/2006/main" xmlns:r="http://schemas.openxmlformats.org/officeDocument/2006/relationships" xmlns:p="http://schemas.openxmlformats.org/presentationml/2006/main">
   <p:cSld>
     <p:spTree>
@@ -13629,422 +20066,6 @@
 </p:sld>
 </file>
 
-<file path=ppt/slides/slide4.xml><?xml version="1.0" encoding="utf-8"?>
-<p:sld xmlns:a="http://schemas.openxmlformats.org/drawingml/2006/main" xmlns:r="http://schemas.openxmlformats.org/officeDocument/2006/relationships" xmlns:p="http://schemas.openxmlformats.org/presentationml/2006/main">
-  <p:cSld>
-    <p:spTree>
-      <p:nvGrpSpPr>
-        <p:cNvPr id="1" name=""/>
-        <p:cNvGrpSpPr/>
-        <p:nvPr/>
-      </p:nvGrpSpPr>
-      <p:grpSpPr>
-        <a:xfrm>
-          <a:off x="0" y="0"/>
-          <a:ext cx="0" cy="0"/>
-          <a:chOff x="0" y="0"/>
-          <a:chExt cx="0" cy="0"/>
-        </a:xfrm>
-      </p:grpSpPr>
-      <p:sp>
-        <p:nvSpPr>
-          <p:cNvPr id="2" name="Rubrik 1">
-            <a:extLst>
-              <a:ext uri="{FF2B5EF4-FFF2-40B4-BE49-F238E27FC236}">
-                <a16:creationId xmlns:a16="http://schemas.microsoft.com/office/drawing/2014/main" id="{BEE6BDA3-DE11-BA00-8375-DB64CC25206F}"/>
-              </a:ext>
-            </a:extLst>
-          </p:cNvPr>
-          <p:cNvSpPr>
-            <a:spLocks noGrp="1"/>
-          </p:cNvSpPr>
-          <p:nvPr>
-            <p:ph type="title"/>
-          </p:nvPr>
-        </p:nvSpPr>
-        <p:spPr/>
-        <p:txBody>
-          <a:bodyPr/>
-          <a:lstStyle/>
-          <a:p>
-            <a:r>
-              <a:rPr lang="sv-SE" dirty="0"/>
-              <a:t>Docker</a:t>
-            </a:r>
-          </a:p>
-        </p:txBody>
-      </p:sp>
-      <p:sp>
-        <p:nvSpPr>
-          <p:cNvPr id="3" name="Platshållare för text 2">
-            <a:extLst>
-              <a:ext uri="{FF2B5EF4-FFF2-40B4-BE49-F238E27FC236}">
-                <a16:creationId xmlns:a16="http://schemas.microsoft.com/office/drawing/2014/main" id="{760200AE-02D6-C056-3447-BB8978265955}"/>
-              </a:ext>
-            </a:extLst>
-          </p:cNvPr>
-          <p:cNvSpPr>
-            <a:spLocks noGrp="1"/>
-          </p:cNvSpPr>
-          <p:nvPr>
-            <p:ph type="body" sz="quarter" idx="13"/>
-          </p:nvPr>
-        </p:nvSpPr>
-        <p:spPr/>
-        <p:txBody>
-          <a:bodyPr>
-            <a:normAutofit/>
-          </a:bodyPr>
-          <a:lstStyle/>
-          <a:p>
-            <a:r>
-              <a:rPr lang="sv-SE" dirty="0"/>
-              <a:t>Infrastruktur som kod – buggrättningsbar, versionsspecifik</a:t>
-            </a:r>
-          </a:p>
-          <a:p>
-            <a:r>
-              <a:rPr lang="sv-SE" dirty="0"/>
-              <a:t>Robust och säkert</a:t>
-            </a:r>
-          </a:p>
-          <a:p>
-            <a:r>
-              <a:rPr lang="sv-SE" dirty="0"/>
-              <a:t>Inget </a:t>
-            </a:r>
-            <a:r>
-              <a:rPr lang="sv-SE" dirty="0" err="1"/>
-              <a:t>works</a:t>
-            </a:r>
-            <a:r>
-              <a:rPr lang="sv-SE" dirty="0"/>
-              <a:t>-on-my-</a:t>
-            </a:r>
-            <a:r>
-              <a:rPr lang="sv-SE" dirty="0" err="1"/>
-              <a:t>machine</a:t>
-            </a:r>
-            <a:endParaRPr lang="sv-SE" dirty="0"/>
-          </a:p>
-          <a:p>
-            <a:r>
-              <a:rPr lang="sv-SE" dirty="0"/>
-              <a:t>Färdiga fungerande paket (images/containers) inklusive alla beroenden minskar komplexitet i IT-landskapet</a:t>
-            </a:r>
-          </a:p>
-          <a:p>
-            <a:r>
-              <a:rPr lang="sv-SE" dirty="0" err="1"/>
-              <a:t>Arkitekturellt</a:t>
-            </a:r>
-            <a:r>
-              <a:rPr lang="sv-SE" dirty="0"/>
-              <a:t> SOLID</a:t>
-            </a:r>
-          </a:p>
-        </p:txBody>
-      </p:sp>
-      <p:sp>
-        <p:nvSpPr>
-          <p:cNvPr id="4" name="Platshållare för text 3">
-            <a:extLst>
-              <a:ext uri="{FF2B5EF4-FFF2-40B4-BE49-F238E27FC236}">
-                <a16:creationId xmlns:a16="http://schemas.microsoft.com/office/drawing/2014/main" id="{2CECB1E9-6B3A-89DA-3592-2315D91F7FEA}"/>
-              </a:ext>
-            </a:extLst>
-          </p:cNvPr>
-          <p:cNvSpPr>
-            <a:spLocks noGrp="1"/>
-          </p:cNvSpPr>
-          <p:nvPr>
-            <p:ph type="body" sz="quarter" idx="15"/>
-          </p:nvPr>
-        </p:nvSpPr>
-        <p:spPr/>
-        <p:txBody>
-          <a:bodyPr/>
-          <a:lstStyle/>
-          <a:p>
-            <a:endParaRPr lang="sv-SE"/>
-          </a:p>
-        </p:txBody>
-      </p:sp>
-    </p:spTree>
-    <p:extLst>
-      <p:ext uri="{BB962C8B-B14F-4D97-AF65-F5344CB8AC3E}">
-        <p14:creationId xmlns:p14="http://schemas.microsoft.com/office/powerpoint/2010/main" val="2729233413"/>
-      </p:ext>
-    </p:extLst>
-  </p:cSld>
-  <p:clrMapOvr>
-    <a:masterClrMapping/>
-  </p:clrMapOvr>
-</p:sld>
-</file>
-
-<file path=ppt/slides/slide5.xml><?xml version="1.0" encoding="utf-8"?>
-<p:sld xmlns:a="http://schemas.openxmlformats.org/drawingml/2006/main" xmlns:r="http://schemas.openxmlformats.org/officeDocument/2006/relationships" xmlns:p="http://schemas.openxmlformats.org/presentationml/2006/main">
-  <p:cSld>
-    <p:spTree>
-      <p:nvGrpSpPr>
-        <p:cNvPr id="1" name=""/>
-        <p:cNvGrpSpPr/>
-        <p:nvPr/>
-      </p:nvGrpSpPr>
-      <p:grpSpPr>
-        <a:xfrm>
-          <a:off x="0" y="0"/>
-          <a:ext cx="0" cy="0"/>
-          <a:chOff x="0" y="0"/>
-          <a:chExt cx="0" cy="0"/>
-        </a:xfrm>
-      </p:grpSpPr>
-      <p:sp>
-        <p:nvSpPr>
-          <p:cNvPr id="2" name="Rubrik 1">
-            <a:extLst>
-              <a:ext uri="{FF2B5EF4-FFF2-40B4-BE49-F238E27FC236}">
-                <a16:creationId xmlns:a16="http://schemas.microsoft.com/office/drawing/2014/main" id="{8BD44867-AE5E-386F-5224-695EBA1AA1FF}"/>
-              </a:ext>
-            </a:extLst>
-          </p:cNvPr>
-          <p:cNvSpPr>
-            <a:spLocks noGrp="1"/>
-          </p:cNvSpPr>
-          <p:nvPr>
-            <p:ph type="title"/>
-          </p:nvPr>
-        </p:nvSpPr>
-        <p:spPr/>
-        <p:txBody>
-          <a:bodyPr/>
-          <a:lstStyle/>
-          <a:p>
-            <a:r>
-              <a:rPr lang="sv-SE" dirty="0"/>
-              <a:t>Images – en ”grunddator” att starta från</a:t>
-            </a:r>
-          </a:p>
-        </p:txBody>
-      </p:sp>
-      <p:sp>
-        <p:nvSpPr>
-          <p:cNvPr id="3" name="Platshållare för text 2">
-            <a:extLst>
-              <a:ext uri="{FF2B5EF4-FFF2-40B4-BE49-F238E27FC236}">
-                <a16:creationId xmlns:a16="http://schemas.microsoft.com/office/drawing/2014/main" id="{E1B42C95-383B-00B8-90BE-437EB7052B07}"/>
-              </a:ext>
-            </a:extLst>
-          </p:cNvPr>
-          <p:cNvSpPr>
-            <a:spLocks noGrp="1"/>
-          </p:cNvSpPr>
-          <p:nvPr>
-            <p:ph type="body" sz="quarter" idx="13"/>
-          </p:nvPr>
-        </p:nvSpPr>
-        <p:spPr>
-          <a:xfrm>
-            <a:off x="438150" y="1485900"/>
-            <a:ext cx="9451637" cy="4362450"/>
-          </a:xfrm>
-        </p:spPr>
-        <p:txBody>
-          <a:bodyPr/>
-          <a:lstStyle/>
-          <a:p>
-            <a:r>
-              <a:rPr lang="sv-SE" dirty="0"/>
-              <a:t>Startpunkt för att bygga en mer specifik image som går att starta containers ifrån.</a:t>
-            </a:r>
-          </a:p>
-          <a:p>
-            <a:r>
-              <a:rPr lang="sv-SE" dirty="0"/>
-              <a:t>En bra startpunkt för </a:t>
-            </a:r>
-            <a:r>
-              <a:rPr lang="sv-SE" dirty="0" err="1"/>
-              <a:t>parent</a:t>
-            </a:r>
-            <a:r>
-              <a:rPr lang="sv-SE" dirty="0"/>
-              <a:t> images är </a:t>
-            </a:r>
-            <a:r>
-              <a:rPr lang="sv-SE" dirty="0">
-                <a:hlinkClick r:id="rId2"/>
-              </a:rPr>
-              <a:t>https://hub.docker.com</a:t>
-            </a:r>
-            <a:endParaRPr lang="sv-SE" dirty="0"/>
-          </a:p>
-          <a:p>
-            <a:r>
-              <a:rPr lang="sv-SE" dirty="0"/>
-              <a:t>Images har taggar som gör dem sökbara </a:t>
-            </a:r>
-          </a:p>
-          <a:p>
-            <a:r>
-              <a:rPr lang="sv-SE" dirty="0"/>
-              <a:t>Syntax för att hämta hem en image: </a:t>
-            </a:r>
-            <a:r>
-              <a:rPr lang="sv-SE" dirty="0" err="1">
-                <a:solidFill>
-                  <a:schemeClr val="bg1"/>
-                </a:solidFill>
-                <a:highlight>
-                  <a:srgbClr val="000000"/>
-                </a:highlight>
-              </a:rPr>
-              <a:t>docker</a:t>
-            </a:r>
-            <a:r>
-              <a:rPr lang="sv-SE" dirty="0">
-                <a:solidFill>
-                  <a:schemeClr val="bg1"/>
-                </a:solidFill>
-                <a:highlight>
-                  <a:srgbClr val="000000"/>
-                </a:highlight>
-              </a:rPr>
-              <a:t> </a:t>
-            </a:r>
-            <a:r>
-              <a:rPr lang="sv-SE" dirty="0" err="1">
-                <a:solidFill>
-                  <a:schemeClr val="bg1"/>
-                </a:solidFill>
-                <a:highlight>
-                  <a:srgbClr val="000000"/>
-                </a:highlight>
-              </a:rPr>
-              <a:t>pull</a:t>
-            </a:r>
-            <a:r>
-              <a:rPr lang="sv-SE" dirty="0">
-                <a:solidFill>
-                  <a:schemeClr val="bg1"/>
-                </a:solidFill>
-                <a:highlight>
-                  <a:srgbClr val="000000"/>
-                </a:highlight>
-              </a:rPr>
-              <a:t> &lt;</a:t>
-            </a:r>
-            <a:r>
-              <a:rPr lang="sv-SE" dirty="0" err="1">
-                <a:solidFill>
-                  <a:schemeClr val="bg1"/>
-                </a:solidFill>
-                <a:highlight>
-                  <a:srgbClr val="000000"/>
-                </a:highlight>
-              </a:rPr>
-              <a:t>imagename</a:t>
-            </a:r>
-            <a:r>
-              <a:rPr lang="sv-SE" dirty="0">
-                <a:solidFill>
-                  <a:schemeClr val="bg1"/>
-                </a:solidFill>
-                <a:highlight>
-                  <a:srgbClr val="000000"/>
-                </a:highlight>
-              </a:rPr>
-              <a:t>&gt;[:&lt;version&gt;]</a:t>
-            </a:r>
-          </a:p>
-          <a:p>
-            <a:r>
-              <a:rPr lang="sv-SE" dirty="0"/>
-              <a:t>Images är alltid read-</a:t>
-            </a:r>
-            <a:r>
-              <a:rPr lang="sv-SE" dirty="0" err="1"/>
-              <a:t>only</a:t>
-            </a:r>
-            <a:r>
-              <a:rPr lang="sv-SE" dirty="0"/>
-              <a:t>. Om man gör ändringar behöver man bygga om.</a:t>
-            </a:r>
-          </a:p>
-          <a:p>
-            <a:r>
-              <a:rPr lang="sv-SE" dirty="0"/>
-              <a:t>Read-</a:t>
-            </a:r>
-            <a:r>
-              <a:rPr lang="sv-SE" dirty="0" err="1"/>
-              <a:t>only</a:t>
-            </a:r>
-            <a:r>
-              <a:rPr lang="sv-SE"/>
-              <a:t> -&gt; </a:t>
-            </a:r>
-            <a:r>
-              <a:rPr lang="sv-SE" dirty="0" err="1"/>
-              <a:t>persistering</a:t>
-            </a:r>
-            <a:r>
-              <a:rPr lang="sv-SE" dirty="0"/>
-              <a:t>?</a:t>
-            </a:r>
-          </a:p>
-          <a:p>
-            <a:r>
-              <a:rPr lang="sv-SE" dirty="0"/>
-              <a:t>Man kan själv publicera upp egna images på Docker </a:t>
-            </a:r>
-            <a:r>
-              <a:rPr lang="sv-SE" dirty="0" err="1"/>
-              <a:t>Hub</a:t>
-            </a:r>
-            <a:endParaRPr lang="sv-SE" dirty="0"/>
-          </a:p>
-        </p:txBody>
-      </p:sp>
-      <p:sp>
-        <p:nvSpPr>
-          <p:cNvPr id="4" name="Platshållare för text 3">
-            <a:extLst>
-              <a:ext uri="{FF2B5EF4-FFF2-40B4-BE49-F238E27FC236}">
-                <a16:creationId xmlns:a16="http://schemas.microsoft.com/office/drawing/2014/main" id="{27003926-E7C2-4961-A5EF-2F1453F63257}"/>
-              </a:ext>
-            </a:extLst>
-          </p:cNvPr>
-          <p:cNvSpPr>
-            <a:spLocks noGrp="1"/>
-          </p:cNvSpPr>
-          <p:nvPr>
-            <p:ph type="body" sz="quarter" idx="15"/>
-          </p:nvPr>
-        </p:nvSpPr>
-        <p:spPr/>
-        <p:txBody>
-          <a:bodyPr/>
-          <a:lstStyle/>
-          <a:p>
-            <a:endParaRPr lang="sv-SE"/>
-          </a:p>
-        </p:txBody>
-      </p:sp>
-    </p:spTree>
-    <p:extLst>
-      <p:ext uri="{BB962C8B-B14F-4D97-AF65-F5344CB8AC3E}">
-        <p14:creationId xmlns:p14="http://schemas.microsoft.com/office/powerpoint/2010/main" val="424267287"/>
-      </p:ext>
-    </p:extLst>
-  </p:cSld>
-  <p:clrMapOvr>
-    <a:masterClrMapping/>
-  </p:clrMapOvr>
-</p:sld>
-</file>
-
 <file path=ppt/slides/slide6.xml><?xml version="1.0" encoding="utf-8"?>
 <p:sld xmlns:a="http://schemas.openxmlformats.org/drawingml/2006/main" xmlns:r="http://schemas.openxmlformats.org/officeDocument/2006/relationships" xmlns:p="http://schemas.openxmlformats.org/presentationml/2006/main">
   <p:cSld>
@@ -14067,7 +20088,7 @@
           <p:cNvPr id="2" name="Rubrik 1">
             <a:extLst>
               <a:ext uri="{FF2B5EF4-FFF2-40B4-BE49-F238E27FC236}">
-                <a16:creationId xmlns:a16="http://schemas.microsoft.com/office/drawing/2014/main" id="{7D479A95-4EC7-85C2-2B4F-3EB74B80677F}"/>
+                <a16:creationId xmlns:a16="http://schemas.microsoft.com/office/drawing/2014/main" id="{9D64ADE7-2DA9-F243-AE5D-B83A814AF3D2}"/>
               </a:ext>
             </a:extLst>
           </p:cNvPr>
@@ -14083,10 +20104,7 @@
           <a:bodyPr/>
           <a:lstStyle/>
           <a:p>
-            <a:r>
-              <a:rPr lang="sv-SE" dirty="0"/>
-              <a:t>Lager av images (Lab 1)</a:t>
-            </a:r>
+            <a:endParaRPr lang="sv-SE"/>
           </a:p>
         </p:txBody>
       </p:sp>
@@ -14095,7 +20113,7 @@
           <p:cNvPr id="3" name="Platshållare för text 2">
             <a:extLst>
               <a:ext uri="{FF2B5EF4-FFF2-40B4-BE49-F238E27FC236}">
-                <a16:creationId xmlns:a16="http://schemas.microsoft.com/office/drawing/2014/main" id="{C1313DEB-322D-2CB5-1B34-D3A79AD73A9D}"/>
+                <a16:creationId xmlns:a16="http://schemas.microsoft.com/office/drawing/2014/main" id="{9DF1D491-6984-2836-205E-DC5DFB8D92F3}"/>
               </a:ext>
             </a:extLst>
           </p:cNvPr>
@@ -14106,161 +20124,56 @@
             <p:ph type="body" sz="quarter" idx="13"/>
           </p:nvPr>
         </p:nvSpPr>
+        <p:spPr/>
+        <p:txBody>
+          <a:bodyPr/>
+          <a:lstStyle/>
+          <a:p>
+            <a:endParaRPr lang="sv-SE"/>
+          </a:p>
+        </p:txBody>
+      </p:sp>
+      <p:pic>
+        <p:nvPicPr>
+          <p:cNvPr id="7" name="Platshållare för innehåll 6" descr="En bild som visar text, skärmbild, kvadrat, Teckensnitt&#10;&#10;Automatiskt genererad beskrivning">
+            <a:extLst>
+              <a:ext uri="{FF2B5EF4-FFF2-40B4-BE49-F238E27FC236}">
+                <a16:creationId xmlns:a16="http://schemas.microsoft.com/office/drawing/2014/main" id="{76A1C8E6-66F6-A58F-DC33-A8CE8F5FFB45}"/>
+              </a:ext>
+            </a:extLst>
+          </p:cNvPr>
+          <p:cNvPicPr>
+            <a:picLocks noGrp="1" noChangeAspect="1"/>
+          </p:cNvPicPr>
+          <p:nvPr>
+            <p:ph sz="quarter" idx="16"/>
+          </p:nvPr>
+        </p:nvPicPr>
+        <p:blipFill>
+          <a:blip r:embed="rId2">
+            <a:extLst>
+              <a:ext uri="{28A0092B-C50C-407E-A947-70E740481C1C}">
+                <a14:useLocalDpi xmlns:a14="http://schemas.microsoft.com/office/drawing/2010/main" val="0"/>
+              </a:ext>
+            </a:extLst>
+          </a:blip>
+          <a:stretch>
+            <a:fillRect/>
+          </a:stretch>
+        </p:blipFill>
         <p:spPr>
           <a:xfrm>
-            <a:off x="438151" y="1485900"/>
-            <a:ext cx="7603382" cy="4362450"/>
+            <a:off x="343273" y="1093706"/>
+            <a:ext cx="11420102" cy="4670588"/>
           </a:xfrm>
         </p:spPr>
-        <p:txBody>
-          <a:bodyPr/>
-          <a:lstStyle/>
-          <a:p>
-            <a:r>
-              <a:rPr lang="sv-SE" dirty="0"/>
-              <a:t>Av den grund-image man laddar hem från Docker </a:t>
-            </a:r>
-            <a:r>
-              <a:rPr lang="sv-SE" dirty="0" err="1"/>
-              <a:t>Hub</a:t>
-            </a:r>
-            <a:r>
-              <a:rPr lang="sv-SE" dirty="0"/>
-              <a:t> kan man göra egna tillägg och skapa en egen lokal image.</a:t>
-            </a:r>
-          </a:p>
-          <a:p>
-            <a:r>
-              <a:rPr lang="sv-SE" dirty="0"/>
-              <a:t>Images byggs vanligen från </a:t>
-            </a:r>
-            <a:r>
-              <a:rPr lang="sv-SE" dirty="0" err="1">
-                <a:solidFill>
-                  <a:schemeClr val="bg1"/>
-                </a:solidFill>
-                <a:highlight>
-                  <a:srgbClr val="000000"/>
-                </a:highlight>
-              </a:rPr>
-              <a:t>Dockerfile</a:t>
-            </a:r>
-            <a:r>
-              <a:rPr lang="sv-SE" dirty="0"/>
-              <a:t>-filer som ligger i </a:t>
-            </a:r>
-            <a:r>
-              <a:rPr lang="sv-SE" dirty="0" err="1"/>
-              <a:t>rooten</a:t>
-            </a:r>
-            <a:r>
-              <a:rPr lang="sv-SE" dirty="0"/>
-              <a:t> på det man vill skapa en image av för att underlätta att det är samma för alla.</a:t>
-            </a:r>
-          </a:p>
-          <a:p>
-            <a:r>
-              <a:rPr lang="sv-SE" dirty="0"/>
-              <a:t>Det går att bygga images från kommandoprompten utan </a:t>
-            </a:r>
-            <a:r>
-              <a:rPr lang="sv-SE" dirty="0" err="1"/>
-              <a:t>Dockerfile</a:t>
-            </a:r>
-            <a:r>
-              <a:rPr lang="sv-SE" dirty="0"/>
-              <a:t>, men då blir portabiliteten lidande.</a:t>
-            </a:r>
-          </a:p>
-          <a:p>
-            <a:r>
-              <a:rPr lang="sv-SE" dirty="0"/>
-              <a:t>När snabbhet är viktigt är ordningen i </a:t>
-            </a:r>
-            <a:r>
-              <a:rPr lang="sv-SE" dirty="0" err="1"/>
-              <a:t>Dockerfile</a:t>
-            </a:r>
-            <a:r>
-              <a:rPr lang="sv-SE" dirty="0"/>
-              <a:t> viktig. Docker </a:t>
-            </a:r>
-            <a:r>
-              <a:rPr lang="sv-SE" dirty="0" err="1"/>
-              <a:t>cachar</a:t>
-            </a:r>
-            <a:r>
-              <a:rPr lang="sv-SE" dirty="0"/>
-              <a:t> allt den kan för snabbhetens skull.</a:t>
-            </a:r>
-          </a:p>
-          <a:p>
-            <a:r>
-              <a:rPr lang="sv-SE" dirty="0"/>
-              <a:t>När man själv skapar en image från en </a:t>
-            </a:r>
-            <a:r>
-              <a:rPr lang="sv-SE" dirty="0" err="1"/>
-              <a:t>Dockerfil</a:t>
-            </a:r>
-            <a:r>
-              <a:rPr lang="sv-SE" dirty="0"/>
-              <a:t> gör man det med </a:t>
-            </a:r>
-            <a:r>
-              <a:rPr lang="sv-SE" dirty="0" err="1">
-                <a:solidFill>
-                  <a:schemeClr val="bg1"/>
-                </a:solidFill>
-                <a:highlight>
-                  <a:srgbClr val="000000"/>
-                </a:highlight>
-              </a:rPr>
-              <a:t>docker</a:t>
-            </a:r>
-            <a:r>
-              <a:rPr lang="sv-SE" dirty="0">
-                <a:solidFill>
-                  <a:schemeClr val="bg1"/>
-                </a:solidFill>
-                <a:highlight>
-                  <a:srgbClr val="000000"/>
-                </a:highlight>
-              </a:rPr>
-              <a:t> </a:t>
-            </a:r>
-            <a:r>
-              <a:rPr lang="sv-SE" dirty="0" err="1">
-                <a:solidFill>
-                  <a:schemeClr val="bg1"/>
-                </a:solidFill>
-                <a:highlight>
-                  <a:srgbClr val="000000"/>
-                </a:highlight>
-              </a:rPr>
-              <a:t>build</a:t>
-            </a:r>
-            <a:r>
-              <a:rPr lang="sv-SE" dirty="0"/>
-              <a:t> från valfri image.</a:t>
-            </a:r>
-            <a:endParaRPr lang="sv-SE" dirty="0">
-              <a:solidFill>
-                <a:schemeClr val="bg1"/>
-              </a:solidFill>
-              <a:highlight>
-                <a:srgbClr val="000000"/>
-              </a:highlight>
-            </a:endParaRPr>
-          </a:p>
-        </p:txBody>
-      </p:sp>
-      <p:sp>
-        <p:nvSpPr>
-          <p:cNvPr id="4" name="Platshållare för text 3">
-            <a:extLst>
-              <a:ext uri="{FF2B5EF4-FFF2-40B4-BE49-F238E27FC236}">
-                <a16:creationId xmlns:a16="http://schemas.microsoft.com/office/drawing/2014/main" id="{B5DB0EE0-DE61-D0E9-DCCA-BE2E18AF54E7}"/>
+      </p:pic>
+      <p:sp>
+        <p:nvSpPr>
+          <p:cNvPr id="5" name="Platshållare för text 4">
+            <a:extLst>
+              <a:ext uri="{FF2B5EF4-FFF2-40B4-BE49-F238E27FC236}">
+                <a16:creationId xmlns:a16="http://schemas.microsoft.com/office/drawing/2014/main" id="{60C65CC7-B638-BE67-778C-E20E52CB61E7}"/>
               </a:ext>
             </a:extLst>
           </p:cNvPr>
@@ -14283,7 +20196,7 @@
     </p:spTree>
     <p:extLst>
       <p:ext uri="{BB962C8B-B14F-4D97-AF65-F5344CB8AC3E}">
-        <p14:creationId xmlns:p14="http://schemas.microsoft.com/office/powerpoint/2010/main" val="2331929315"/>
+        <p14:creationId xmlns:p14="http://schemas.microsoft.com/office/powerpoint/2010/main" val="2723589595"/>
       </p:ext>
     </p:extLst>
   </p:cSld>
@@ -14315,7 +20228,7 @@
           <p:cNvPr id="2" name="Rubrik 1">
             <a:extLst>
               <a:ext uri="{FF2B5EF4-FFF2-40B4-BE49-F238E27FC236}">
-                <a16:creationId xmlns:a16="http://schemas.microsoft.com/office/drawing/2014/main" id="{E6FECF85-BF5F-2B77-545B-628E4196B1DF}"/>
+                <a16:creationId xmlns:a16="http://schemas.microsoft.com/office/drawing/2014/main" id="{BEE6BDA3-DE11-BA00-8375-DB64CC25206F}"/>
               </a:ext>
             </a:extLst>
           </p:cNvPr>
@@ -14326,19 +20239,14 @@
             <p:ph type="title"/>
           </p:nvPr>
         </p:nvSpPr>
-        <p:spPr>
-          <a:xfrm>
-            <a:off x="8443914" y="421595"/>
-            <a:ext cx="6354947" cy="603380"/>
-          </a:xfrm>
-        </p:spPr>
+        <p:spPr/>
         <p:txBody>
           <a:bodyPr/>
           <a:lstStyle/>
           <a:p>
             <a:r>
               <a:rPr lang="sv-SE" dirty="0"/>
-              <a:t>Lager i image</a:t>
+              <a:t>Docker</a:t>
             </a:r>
           </a:p>
         </p:txBody>
@@ -14348,7 +20256,7 @@
           <p:cNvPr id="3" name="Platshållare för text 2">
             <a:extLst>
               <a:ext uri="{FF2B5EF4-FFF2-40B4-BE49-F238E27FC236}">
-                <a16:creationId xmlns:a16="http://schemas.microsoft.com/office/drawing/2014/main" id="{24AA72BE-F27B-E485-1472-78B11232DAAF}"/>
+                <a16:creationId xmlns:a16="http://schemas.microsoft.com/office/drawing/2014/main" id="{760200AE-02D6-C056-3447-BB8978265955}"/>
               </a:ext>
             </a:extLst>
           </p:cNvPr>
@@ -14357,6 +20265,77 @@
           </p:cNvSpPr>
           <p:nvPr>
             <p:ph type="body" sz="quarter" idx="13"/>
+          </p:nvPr>
+        </p:nvSpPr>
+        <p:spPr/>
+        <p:txBody>
+          <a:bodyPr>
+            <a:normAutofit/>
+          </a:bodyPr>
+          <a:lstStyle/>
+          <a:p>
+            <a:r>
+              <a:rPr lang="sv-SE" dirty="0"/>
+              <a:t>Infrastruktur som kod – buggrättningsbar, versionsspecifik</a:t>
+            </a:r>
+          </a:p>
+          <a:p>
+            <a:r>
+              <a:rPr lang="sv-SE" dirty="0"/>
+              <a:t>Robust och säkert</a:t>
+            </a:r>
+          </a:p>
+          <a:p>
+            <a:r>
+              <a:rPr lang="sv-SE" dirty="0"/>
+              <a:t>Inget </a:t>
+            </a:r>
+            <a:r>
+              <a:rPr lang="sv-SE" dirty="0" err="1"/>
+              <a:t>works</a:t>
+            </a:r>
+            <a:r>
+              <a:rPr lang="sv-SE" dirty="0"/>
+              <a:t>-on-my-</a:t>
+            </a:r>
+            <a:r>
+              <a:rPr lang="sv-SE" dirty="0" err="1"/>
+              <a:t>machine</a:t>
+            </a:r>
+            <a:endParaRPr lang="sv-SE" dirty="0"/>
+          </a:p>
+          <a:p>
+            <a:r>
+              <a:rPr lang="sv-SE" dirty="0"/>
+              <a:t>Färdiga fungerande paket (images/containers) inklusive alla beroenden minskar komplexitet i IT-landskapet</a:t>
+            </a:r>
+          </a:p>
+          <a:p>
+            <a:r>
+              <a:rPr lang="sv-SE" dirty="0" err="1"/>
+              <a:t>Arkitekturellt</a:t>
+            </a:r>
+            <a:r>
+              <a:rPr lang="sv-SE" dirty="0"/>
+              <a:t> SOLID</a:t>
+            </a:r>
+          </a:p>
+        </p:txBody>
+      </p:sp>
+      <p:sp>
+        <p:nvSpPr>
+          <p:cNvPr id="4" name="Platshållare för text 3">
+            <a:extLst>
+              <a:ext uri="{FF2B5EF4-FFF2-40B4-BE49-F238E27FC236}">
+                <a16:creationId xmlns:a16="http://schemas.microsoft.com/office/drawing/2014/main" id="{2CECB1E9-6B3A-89DA-3592-2315D91F7FEA}"/>
+              </a:ext>
+            </a:extLst>
+          </p:cNvPr>
+          <p:cNvSpPr>
+            <a:spLocks noGrp="1"/>
+          </p:cNvSpPr>
+          <p:nvPr>
+            <p:ph type="body" sz="quarter" idx="15"/>
           </p:nvPr>
         </p:nvSpPr>
         <p:spPr/>
@@ -14365,300 +20344,13 @@
           <a:lstStyle/>
           <a:p>
             <a:endParaRPr lang="sv-SE"/>
-          </a:p>
-        </p:txBody>
-      </p:sp>
-      <p:sp>
-        <p:nvSpPr>
-          <p:cNvPr id="4" name="Platshållare för text 3">
-            <a:extLst>
-              <a:ext uri="{FF2B5EF4-FFF2-40B4-BE49-F238E27FC236}">
-                <a16:creationId xmlns:a16="http://schemas.microsoft.com/office/drawing/2014/main" id="{B2AA258D-520F-FA3F-ED92-2C65E17512DE}"/>
-              </a:ext>
-            </a:extLst>
-          </p:cNvPr>
-          <p:cNvSpPr>
-            <a:spLocks noGrp="1"/>
-          </p:cNvSpPr>
-          <p:nvPr>
-            <p:ph type="body" sz="quarter" idx="15"/>
-          </p:nvPr>
-        </p:nvSpPr>
-        <p:spPr/>
-        <p:txBody>
-          <a:bodyPr/>
-          <a:lstStyle/>
-          <a:p>
-            <a:endParaRPr lang="sv-SE"/>
-          </a:p>
-        </p:txBody>
-      </p:sp>
-      <p:sp>
-        <p:nvSpPr>
-          <p:cNvPr id="5" name="Rektangel 4">
-            <a:extLst>
-              <a:ext uri="{FF2B5EF4-FFF2-40B4-BE49-F238E27FC236}">
-                <a16:creationId xmlns:a16="http://schemas.microsoft.com/office/drawing/2014/main" id="{7C076310-763D-42D0-73D0-EDBB0886288A}"/>
-              </a:ext>
-            </a:extLst>
-          </p:cNvPr>
-          <p:cNvSpPr/>
-          <p:nvPr/>
-        </p:nvSpPr>
-        <p:spPr>
-          <a:xfrm>
-            <a:off x="5116749" y="1867711"/>
-            <a:ext cx="5194571" cy="4487694"/>
-          </a:xfrm>
-          <a:prstGeom prst="rect">
-            <a:avLst/>
-          </a:prstGeom>
-        </p:spPr>
-        <p:style>
-          <a:lnRef idx="2">
-            <a:schemeClr val="accent1">
-              <a:shade val="15000"/>
-            </a:schemeClr>
-          </a:lnRef>
-          <a:fillRef idx="1">
-            <a:schemeClr val="accent1"/>
-          </a:fillRef>
-          <a:effectRef idx="0">
-            <a:schemeClr val="accent1"/>
-          </a:effectRef>
-          <a:fontRef idx="minor">
-            <a:schemeClr val="lt1"/>
-          </a:fontRef>
-        </p:style>
-        <p:txBody>
-          <a:bodyPr rtlCol="0" anchor="t"/>
-          <a:lstStyle/>
-          <a:p>
-            <a:pPr algn="ctr"/>
-            <a:r>
-              <a:rPr lang="sv-SE" dirty="0"/>
-              <a:t>Lager</a:t>
-            </a:r>
-          </a:p>
-        </p:txBody>
-      </p:sp>
-      <p:sp>
-        <p:nvSpPr>
-          <p:cNvPr id="6" name="Rektangel 5">
-            <a:extLst>
-              <a:ext uri="{FF2B5EF4-FFF2-40B4-BE49-F238E27FC236}">
-                <a16:creationId xmlns:a16="http://schemas.microsoft.com/office/drawing/2014/main" id="{930EA7E2-C57D-F505-424A-69BD477415A8}"/>
-              </a:ext>
-            </a:extLst>
-          </p:cNvPr>
-          <p:cNvSpPr/>
-          <p:nvPr/>
-        </p:nvSpPr>
-        <p:spPr>
-          <a:xfrm>
-            <a:off x="5570706" y="5454037"/>
-            <a:ext cx="4286656" cy="641963"/>
-          </a:xfrm>
-          <a:prstGeom prst="rect">
-            <a:avLst/>
-          </a:prstGeom>
-          <a:solidFill>
-            <a:schemeClr val="accent2"/>
-          </a:solidFill>
-        </p:spPr>
-        <p:style>
-          <a:lnRef idx="2">
-            <a:schemeClr val="accent1">
-              <a:shade val="15000"/>
-            </a:schemeClr>
-          </a:lnRef>
-          <a:fillRef idx="1">
-            <a:schemeClr val="accent1"/>
-          </a:fillRef>
-          <a:effectRef idx="0">
-            <a:schemeClr val="accent1"/>
-          </a:effectRef>
-          <a:fontRef idx="minor">
-            <a:schemeClr val="lt1"/>
-          </a:fontRef>
-        </p:style>
-        <p:txBody>
-          <a:bodyPr rtlCol="0" anchor="ctr"/>
-          <a:lstStyle/>
-          <a:p>
-            <a:pPr algn="ctr"/>
-            <a:r>
-              <a:rPr lang="sv-SE" dirty="0" err="1"/>
-              <a:t>Parent</a:t>
-            </a:r>
-            <a:r>
-              <a:rPr lang="sv-SE" dirty="0"/>
-              <a:t> image</a:t>
-            </a:r>
-          </a:p>
-        </p:txBody>
-      </p:sp>
-      <p:sp>
-        <p:nvSpPr>
-          <p:cNvPr id="7" name="Rektangel 6">
-            <a:extLst>
-              <a:ext uri="{FF2B5EF4-FFF2-40B4-BE49-F238E27FC236}">
-                <a16:creationId xmlns:a16="http://schemas.microsoft.com/office/drawing/2014/main" id="{44AAC875-E3A6-ECE8-CAB9-9C6881442E22}"/>
-              </a:ext>
-            </a:extLst>
-          </p:cNvPr>
-          <p:cNvSpPr/>
-          <p:nvPr/>
-        </p:nvSpPr>
-        <p:spPr>
-          <a:xfrm>
-            <a:off x="5570706" y="4489917"/>
-            <a:ext cx="4286656" cy="641963"/>
-          </a:xfrm>
-          <a:prstGeom prst="rect">
-            <a:avLst/>
-          </a:prstGeom>
-          <a:solidFill>
-            <a:schemeClr val="accent2"/>
-          </a:solidFill>
-        </p:spPr>
-        <p:style>
-          <a:lnRef idx="2">
-            <a:schemeClr val="accent1">
-              <a:shade val="15000"/>
-            </a:schemeClr>
-          </a:lnRef>
-          <a:fillRef idx="1">
-            <a:schemeClr val="accent1"/>
-          </a:fillRef>
-          <a:effectRef idx="0">
-            <a:schemeClr val="accent1"/>
-          </a:effectRef>
-          <a:fontRef idx="minor">
-            <a:schemeClr val="lt1"/>
-          </a:fontRef>
-        </p:style>
-        <p:txBody>
-          <a:bodyPr rtlCol="0" anchor="ctr"/>
-          <a:lstStyle/>
-          <a:p>
-            <a:pPr algn="ctr"/>
-            <a:r>
-              <a:rPr lang="sv-SE" dirty="0"/>
-              <a:t>Källkod</a:t>
-            </a:r>
-          </a:p>
-        </p:txBody>
-      </p:sp>
-      <p:sp>
-        <p:nvSpPr>
-          <p:cNvPr id="8" name="Rektangel 7">
-            <a:extLst>
-              <a:ext uri="{FF2B5EF4-FFF2-40B4-BE49-F238E27FC236}">
-                <a16:creationId xmlns:a16="http://schemas.microsoft.com/office/drawing/2014/main" id="{1ED3A919-8B2A-D781-B95E-234FC3B21C20}"/>
-              </a:ext>
-            </a:extLst>
-          </p:cNvPr>
-          <p:cNvSpPr/>
-          <p:nvPr/>
-        </p:nvSpPr>
-        <p:spPr>
-          <a:xfrm>
-            <a:off x="5570706" y="3525798"/>
-            <a:ext cx="4286656" cy="641963"/>
-          </a:xfrm>
-          <a:prstGeom prst="rect">
-            <a:avLst/>
-          </a:prstGeom>
-          <a:solidFill>
-            <a:schemeClr val="accent2"/>
-          </a:solidFill>
-        </p:spPr>
-        <p:style>
-          <a:lnRef idx="2">
-            <a:schemeClr val="accent1">
-              <a:shade val="15000"/>
-            </a:schemeClr>
-          </a:lnRef>
-          <a:fillRef idx="1">
-            <a:schemeClr val="accent1"/>
-          </a:fillRef>
-          <a:effectRef idx="0">
-            <a:schemeClr val="accent1"/>
-          </a:effectRef>
-          <a:fontRef idx="minor">
-            <a:schemeClr val="lt1"/>
-          </a:fontRef>
-        </p:style>
-        <p:txBody>
-          <a:bodyPr rtlCol="0" anchor="ctr"/>
-          <a:lstStyle/>
-          <a:p>
-            <a:pPr algn="ctr"/>
-            <a:r>
-              <a:rPr lang="sv-SE" dirty="0"/>
-              <a:t>Beroenden</a:t>
-            </a:r>
-          </a:p>
-        </p:txBody>
-      </p:sp>
-      <p:sp>
-        <p:nvSpPr>
-          <p:cNvPr id="9" name="Rektangel 8">
-            <a:extLst>
-              <a:ext uri="{FF2B5EF4-FFF2-40B4-BE49-F238E27FC236}">
-                <a16:creationId xmlns:a16="http://schemas.microsoft.com/office/drawing/2014/main" id="{ED9E5BE2-9A87-9ABE-A1E7-9A5511DFDFDD}"/>
-              </a:ext>
-            </a:extLst>
-          </p:cNvPr>
-          <p:cNvSpPr/>
-          <p:nvPr/>
-        </p:nvSpPr>
-        <p:spPr>
-          <a:xfrm>
-            <a:off x="5570706" y="2561679"/>
-            <a:ext cx="4286656" cy="641963"/>
-          </a:xfrm>
-          <a:prstGeom prst="rect">
-            <a:avLst/>
-          </a:prstGeom>
-          <a:solidFill>
-            <a:schemeClr val="accent2"/>
-          </a:solidFill>
-        </p:spPr>
-        <p:style>
-          <a:lnRef idx="2">
-            <a:schemeClr val="accent1">
-              <a:shade val="15000"/>
-            </a:schemeClr>
-          </a:lnRef>
-          <a:fillRef idx="1">
-            <a:schemeClr val="accent1"/>
-          </a:fillRef>
-          <a:effectRef idx="0">
-            <a:schemeClr val="accent1"/>
-          </a:effectRef>
-          <a:fontRef idx="minor">
-            <a:schemeClr val="lt1"/>
-          </a:fontRef>
-        </p:style>
-        <p:txBody>
-          <a:bodyPr rtlCol="0" anchor="ctr"/>
-          <a:lstStyle/>
-          <a:p>
-            <a:pPr algn="ctr"/>
-            <a:r>
-              <a:rPr lang="sv-SE" dirty="0" err="1"/>
-              <a:t>Körkommandon</a:t>
-            </a:r>
-            <a:endParaRPr lang="sv-SE" dirty="0"/>
           </a:p>
         </p:txBody>
       </p:sp>
     </p:spTree>
     <p:extLst>
       <p:ext uri="{BB962C8B-B14F-4D97-AF65-F5344CB8AC3E}">
-        <p14:creationId xmlns:p14="http://schemas.microsoft.com/office/powerpoint/2010/main" val="430114465"/>
+        <p14:creationId xmlns:p14="http://schemas.microsoft.com/office/powerpoint/2010/main" val="2729233413"/>
       </p:ext>
     </p:extLst>
   </p:cSld>
@@ -14690,7 +20382,7 @@
           <p:cNvPr id="2" name="Rubrik 1">
             <a:extLst>
               <a:ext uri="{FF2B5EF4-FFF2-40B4-BE49-F238E27FC236}">
-                <a16:creationId xmlns:a16="http://schemas.microsoft.com/office/drawing/2014/main" id="{DA076D3E-2D32-5B5C-3939-A5220BD6A93F}"/>
+                <a16:creationId xmlns:a16="http://schemas.microsoft.com/office/drawing/2014/main" id="{EE7030B2-3EA4-47D4-1B57-AB95C977688C}"/>
               </a:ext>
             </a:extLst>
           </p:cNvPr>
@@ -14703,8 +20395,8 @@
         </p:nvSpPr>
         <p:spPr>
           <a:xfrm>
-            <a:off x="4993842" y="1718617"/>
-            <a:ext cx="6354947" cy="603380"/>
+            <a:off x="2695845" y="4939119"/>
+            <a:ext cx="2805795" cy="603380"/>
           </a:xfrm>
         </p:spPr>
         <p:txBody>
@@ -14713,105 +20405,7 @@
           <a:p>
             <a:r>
               <a:rPr lang="sv-SE" dirty="0"/>
-              <a:t>Containers (Lab 2)</a:t>
-            </a:r>
-          </a:p>
-        </p:txBody>
-      </p:sp>
-      <p:sp>
-        <p:nvSpPr>
-          <p:cNvPr id="3" name="Platshållare för text 2">
-            <a:extLst>
-              <a:ext uri="{FF2B5EF4-FFF2-40B4-BE49-F238E27FC236}">
-                <a16:creationId xmlns:a16="http://schemas.microsoft.com/office/drawing/2014/main" id="{44EB8B34-28CA-58C0-1C5F-16A2CD723C30}"/>
-              </a:ext>
-            </a:extLst>
-          </p:cNvPr>
-          <p:cNvSpPr>
-            <a:spLocks noGrp="1"/>
-          </p:cNvSpPr>
-          <p:nvPr>
-            <p:ph type="body" sz="quarter" idx="13"/>
-          </p:nvPr>
-        </p:nvSpPr>
-        <p:spPr>
-          <a:xfrm>
-            <a:off x="4993842" y="2504507"/>
-            <a:ext cx="6354947" cy="3844412"/>
-          </a:xfrm>
-        </p:spPr>
-        <p:txBody>
-          <a:bodyPr>
-            <a:normAutofit/>
-          </a:bodyPr>
-          <a:lstStyle/>
-          <a:p>
-            <a:r>
-              <a:rPr lang="sv-SE" dirty="0"/>
-              <a:t>En container är fristående och isolerad och innehåller allt den behöver för att kunna köra: </a:t>
-            </a:r>
-          </a:p>
-          <a:p>
-            <a:pPr marL="285750" indent="-285750">
-              <a:buFont typeface="Arial" panose="020B0604020202020204" pitchFamily="34" charset="0"/>
-              <a:buChar char="•"/>
-            </a:pPr>
-            <a:r>
-              <a:rPr lang="sv-SE" dirty="0"/>
-              <a:t>Operativsystemsaccess</a:t>
-            </a:r>
-          </a:p>
-          <a:p>
-            <a:pPr marL="285750" indent="-285750">
-              <a:buFont typeface="Arial" panose="020B0604020202020204" pitchFamily="34" charset="0"/>
-              <a:buChar char="•"/>
-            </a:pPr>
-            <a:r>
-              <a:rPr lang="sv-SE" dirty="0" err="1"/>
-              <a:t>Middleware</a:t>
-            </a:r>
-            <a:endParaRPr lang="sv-SE" dirty="0"/>
-          </a:p>
-          <a:p>
-            <a:pPr marL="285750" indent="-285750">
-              <a:buFont typeface="Arial" panose="020B0604020202020204" pitchFamily="34" charset="0"/>
-              <a:buChar char="•"/>
-            </a:pPr>
-            <a:r>
-              <a:rPr lang="sv-SE" dirty="0"/>
-              <a:t>Filer</a:t>
-            </a:r>
-          </a:p>
-          <a:p>
-            <a:pPr marL="285750" indent="-285750">
-              <a:buFont typeface="Arial" panose="020B0604020202020204" pitchFamily="34" charset="0"/>
-              <a:buChar char="•"/>
-            </a:pPr>
-            <a:r>
-              <a:rPr lang="sv-SE" dirty="0"/>
-              <a:t>Beroenden</a:t>
-            </a:r>
-          </a:p>
-          <a:p>
-            <a:pPr marL="285750" indent="-285750">
-              <a:buFont typeface="Arial" panose="020B0604020202020204" pitchFamily="34" charset="0"/>
-              <a:buChar char="•"/>
-            </a:pPr>
-            <a:r>
-              <a:rPr lang="sv-SE" dirty="0"/>
-              <a:t>Kommandon </a:t>
-            </a:r>
-          </a:p>
-          <a:p>
-            <a:r>
-              <a:rPr lang="sv-SE" dirty="0"/>
-              <a:t>Containers är körbara instanser av images.</a:t>
-            </a:r>
-          </a:p>
-          <a:p>
-            <a:r>
-              <a:rPr lang="sv-SE" dirty="0"/>
-              <a:t>Från samma image kan man skapa många containers – som t.ex. flera frontservrar.</a:t>
+              <a:t>Containrar</a:t>
             </a:r>
           </a:p>
         </p:txBody>
@@ -14821,7 +20415,7 @@
           <p:cNvPr id="4" name="Platshållare för text 3">
             <a:extLst>
               <a:ext uri="{FF2B5EF4-FFF2-40B4-BE49-F238E27FC236}">
-                <a16:creationId xmlns:a16="http://schemas.microsoft.com/office/drawing/2014/main" id="{D3AA1B43-4FE8-1C77-F272-27E7A20F7D39}"/>
+                <a16:creationId xmlns:a16="http://schemas.microsoft.com/office/drawing/2014/main" id="{52B69533-4F28-19DB-50D4-5A70718FA796}"/>
               </a:ext>
             </a:extLst>
           </p:cNvPr>
@@ -14841,16 +20435,325 @@
           </a:p>
         </p:txBody>
       </p:sp>
+      <p:pic>
+        <p:nvPicPr>
+          <p:cNvPr id="2050" name="Picture 2" descr="Docker | InfluxData">
+            <a:extLst>
+              <a:ext uri="{FF2B5EF4-FFF2-40B4-BE49-F238E27FC236}">
+                <a16:creationId xmlns:a16="http://schemas.microsoft.com/office/drawing/2014/main" id="{35A7A9CF-ADA5-3FFE-EA7D-FCD049FA046A}"/>
+              </a:ext>
+            </a:extLst>
+          </p:cNvPr>
+          <p:cNvPicPr>
+            <a:picLocks noChangeAspect="1" noChangeArrowheads="1"/>
+          </p:cNvPicPr>
+          <p:nvPr/>
+        </p:nvPicPr>
+        <p:blipFill>
+          <a:blip r:embed="rId2">
+            <a:extLst>
+              <a:ext uri="{28A0092B-C50C-407E-A947-70E740481C1C}">
+                <a14:useLocalDpi xmlns:a14="http://schemas.microsoft.com/office/drawing/2010/main" val="0"/>
+              </a:ext>
+            </a:extLst>
+          </a:blip>
+          <a:srcRect/>
+          <a:stretch>
+            <a:fillRect/>
+          </a:stretch>
+        </p:blipFill>
+        <p:spPr bwMode="auto">
+          <a:xfrm>
+            <a:off x="7323438" y="-239770"/>
+            <a:ext cx="4639962" cy="4033014"/>
+          </a:xfrm>
+          <a:prstGeom prst="rect">
+            <a:avLst/>
+          </a:prstGeom>
+          <a:noFill/>
+          <a:extLst>
+            <a:ext uri="{909E8E84-426E-40DD-AFC4-6F175D3DCCD1}">
+              <a14:hiddenFill xmlns:a14="http://schemas.microsoft.com/office/drawing/2010/main">
+                <a:solidFill>
+                  <a:srgbClr val="FFFFFF"/>
+                </a:solidFill>
+              </a14:hiddenFill>
+            </a:ext>
+          </a:extLst>
+        </p:spPr>
+      </p:pic>
+      <p:pic>
+        <p:nvPicPr>
+          <p:cNvPr id="3074" name="Picture 2" descr="Docker Containers Basics | Basic Operations on Docker | Austral Tech">
+            <a:extLst>
+              <a:ext uri="{FF2B5EF4-FFF2-40B4-BE49-F238E27FC236}">
+                <a16:creationId xmlns:a16="http://schemas.microsoft.com/office/drawing/2014/main" id="{FEAA87F4-5804-B075-DA10-B6C3D36DD8B7}"/>
+              </a:ext>
+            </a:extLst>
+          </p:cNvPr>
+          <p:cNvPicPr>
+            <a:picLocks noChangeAspect="1" noChangeArrowheads="1"/>
+          </p:cNvPicPr>
+          <p:nvPr/>
+        </p:nvPicPr>
+        <p:blipFill>
+          <a:blip r:embed="rId3">
+            <a:extLst>
+              <a:ext uri="{28A0092B-C50C-407E-A947-70E740481C1C}">
+                <a14:useLocalDpi xmlns:a14="http://schemas.microsoft.com/office/drawing/2010/main" val="0"/>
+              </a:ext>
+            </a:extLst>
+          </a:blip>
+          <a:srcRect/>
+          <a:stretch>
+            <a:fillRect/>
+          </a:stretch>
+        </p:blipFill>
+        <p:spPr bwMode="auto">
+          <a:xfrm>
+            <a:off x="4319716" y="1647816"/>
+            <a:ext cx="3552568" cy="3034485"/>
+          </a:xfrm>
+          <a:prstGeom prst="rect">
+            <a:avLst/>
+          </a:prstGeom>
+          <a:noFill/>
+          <a:extLst>
+            <a:ext uri="{909E8E84-426E-40DD-AFC4-6F175D3DCCD1}">
+              <a14:hiddenFill xmlns:a14="http://schemas.microsoft.com/office/drawing/2010/main">
+                <a:solidFill>
+                  <a:srgbClr val="FFFFFF"/>
+                </a:solidFill>
+              </a14:hiddenFill>
+            </a:ext>
+          </a:extLst>
+        </p:spPr>
+      </p:pic>
+      <p:pic>
+        <p:nvPicPr>
+          <p:cNvPr id="3076" name="Picture 4" descr="What is Docker? Uses &amp; Limitations | by Jesús Cantú | Medium">
+            <a:extLst>
+              <a:ext uri="{FF2B5EF4-FFF2-40B4-BE49-F238E27FC236}">
+                <a16:creationId xmlns:a16="http://schemas.microsoft.com/office/drawing/2014/main" id="{F2F17B01-0B89-4BFB-4865-A17937E89AC4}"/>
+              </a:ext>
+            </a:extLst>
+          </p:cNvPr>
+          <p:cNvPicPr>
+            <a:picLocks noChangeAspect="1" noChangeArrowheads="1"/>
+          </p:cNvPicPr>
+          <p:nvPr/>
+        </p:nvPicPr>
+        <p:blipFill>
+          <a:blip r:embed="rId4">
+            <a:extLst>
+              <a:ext uri="{28A0092B-C50C-407E-A947-70E740481C1C}">
+                <a14:useLocalDpi xmlns:a14="http://schemas.microsoft.com/office/drawing/2010/main" val="0"/>
+              </a:ext>
+            </a:extLst>
+          </a:blip>
+          <a:srcRect/>
+          <a:stretch>
+            <a:fillRect/>
+          </a:stretch>
+        </p:blipFill>
+        <p:spPr bwMode="auto">
+          <a:xfrm>
+            <a:off x="7118565" y="3670292"/>
+            <a:ext cx="4388794" cy="2470305"/>
+          </a:xfrm>
+          <a:prstGeom prst="rect">
+            <a:avLst/>
+          </a:prstGeom>
+          <a:noFill/>
+          <a:extLst>
+            <a:ext uri="{909E8E84-426E-40DD-AFC4-6F175D3DCCD1}">
+              <a14:hiddenFill xmlns:a14="http://schemas.microsoft.com/office/drawing/2010/main">
+                <a:solidFill>
+                  <a:srgbClr val="FFFFFF"/>
+                </a:solidFill>
+              </a14:hiddenFill>
+            </a:ext>
+          </a:extLst>
+        </p:spPr>
+      </p:pic>
     </p:spTree>
     <p:extLst>
       <p:ext uri="{BB962C8B-B14F-4D97-AF65-F5344CB8AC3E}">
-        <p14:creationId xmlns:p14="http://schemas.microsoft.com/office/powerpoint/2010/main" val="2340791043"/>
+        <p14:creationId xmlns:p14="http://schemas.microsoft.com/office/powerpoint/2010/main" val="3215299412"/>
       </p:ext>
     </p:extLst>
   </p:cSld>
   <p:clrMapOvr>
     <a:masterClrMapping/>
   </p:clrMapOvr>
+  <p:timing>
+    <p:tnLst>
+      <p:par>
+        <p:cTn id="1" dur="indefinite" restart="never" nodeType="tmRoot">
+          <p:childTnLst>
+            <p:seq concurrent="1" nextAc="seek">
+              <p:cTn id="2" dur="indefinite" nodeType="mainSeq">
+                <p:childTnLst>
+                  <p:par>
+                    <p:cTn id="3" fill="hold">
+                      <p:stCondLst>
+                        <p:cond delay="indefinite"/>
+                      </p:stCondLst>
+                      <p:childTnLst>
+                        <p:par>
+                          <p:cTn id="4" fill="hold">
+                            <p:stCondLst>
+                              <p:cond delay="0"/>
+                            </p:stCondLst>
+                            <p:childTnLst>
+                              <p:par>
+                                <p:cTn id="5" presetID="1" presetClass="entr" presetSubtype="0" fill="hold" nodeType="clickEffect">
+                                  <p:stCondLst>
+                                    <p:cond delay="0"/>
+                                  </p:stCondLst>
+                                  <p:childTnLst>
+                                    <p:set>
+                                      <p:cBhvr>
+                                        <p:cTn id="6" dur="1" fill="hold">
+                                          <p:stCondLst>
+                                            <p:cond delay="0"/>
+                                          </p:stCondLst>
+                                        </p:cTn>
+                                        <p:tgtEl>
+                                          <p:spTgt spid="3074"/>
+                                        </p:tgtEl>
+                                        <p:attrNameLst>
+                                          <p:attrName>style.visibility</p:attrName>
+                                        </p:attrNameLst>
+                                      </p:cBhvr>
+                                      <p:to>
+                                        <p:strVal val="visible"/>
+                                      </p:to>
+                                    </p:set>
+                                  </p:childTnLst>
+                                </p:cTn>
+                              </p:par>
+                            </p:childTnLst>
+                          </p:cTn>
+                        </p:par>
+                      </p:childTnLst>
+                    </p:cTn>
+                  </p:par>
+                  <p:par>
+                    <p:cTn id="7" fill="hold">
+                      <p:stCondLst>
+                        <p:cond delay="indefinite"/>
+                      </p:stCondLst>
+                      <p:childTnLst>
+                        <p:par>
+                          <p:cTn id="8" fill="hold">
+                            <p:stCondLst>
+                              <p:cond delay="0"/>
+                            </p:stCondLst>
+                            <p:childTnLst>
+                              <p:par>
+                                <p:cTn id="9" presetID="1" presetClass="entr" presetSubtype="0" fill="hold" nodeType="clickEffect">
+                                  <p:stCondLst>
+                                    <p:cond delay="0"/>
+                                  </p:stCondLst>
+                                  <p:childTnLst>
+                                    <p:set>
+                                      <p:cBhvr>
+                                        <p:cTn id="10" dur="1" fill="hold">
+                                          <p:stCondLst>
+                                            <p:cond delay="0"/>
+                                          </p:stCondLst>
+                                        </p:cTn>
+                                        <p:tgtEl>
+                                          <p:spTgt spid="3076"/>
+                                        </p:tgtEl>
+                                        <p:attrNameLst>
+                                          <p:attrName>style.visibility</p:attrName>
+                                        </p:attrNameLst>
+                                      </p:cBhvr>
+                                      <p:to>
+                                        <p:strVal val="visible"/>
+                                      </p:to>
+                                    </p:set>
+                                  </p:childTnLst>
+                                </p:cTn>
+                              </p:par>
+                            </p:childTnLst>
+                          </p:cTn>
+                        </p:par>
+                      </p:childTnLst>
+                    </p:cTn>
+                  </p:par>
+                  <p:par>
+                    <p:cTn id="11" fill="hold">
+                      <p:stCondLst>
+                        <p:cond delay="indefinite"/>
+                      </p:stCondLst>
+                      <p:childTnLst>
+                        <p:par>
+                          <p:cTn id="12" fill="hold">
+                            <p:stCondLst>
+                              <p:cond delay="0"/>
+                            </p:stCondLst>
+                            <p:childTnLst>
+                              <p:par>
+                                <p:cTn id="13" presetID="1" presetClass="entr" presetSubtype="0" fill="hold" grpId="0" nodeType="clickEffect">
+                                  <p:stCondLst>
+                                    <p:cond delay="0"/>
+                                  </p:stCondLst>
+                                  <p:childTnLst>
+                                    <p:set>
+                                      <p:cBhvr>
+                                        <p:cTn id="14" dur="1" fill="hold">
+                                          <p:stCondLst>
+                                            <p:cond delay="0"/>
+                                          </p:stCondLst>
+                                        </p:cTn>
+                                        <p:tgtEl>
+                                          <p:spTgt spid="2"/>
+                                        </p:tgtEl>
+                                        <p:attrNameLst>
+                                          <p:attrName>style.visibility</p:attrName>
+                                        </p:attrNameLst>
+                                      </p:cBhvr>
+                                      <p:to>
+                                        <p:strVal val="visible"/>
+                                      </p:to>
+                                    </p:set>
+                                  </p:childTnLst>
+                                </p:cTn>
+                              </p:par>
+                            </p:childTnLst>
+                          </p:cTn>
+                        </p:par>
+                      </p:childTnLst>
+                    </p:cTn>
+                  </p:par>
+                </p:childTnLst>
+              </p:cTn>
+              <p:prevCondLst>
+                <p:cond evt="onPrev" delay="0">
+                  <p:tgtEl>
+                    <p:sldTgt/>
+                  </p:tgtEl>
+                </p:cond>
+              </p:prevCondLst>
+              <p:nextCondLst>
+                <p:cond evt="onNext" delay="0">
+                  <p:tgtEl>
+                    <p:sldTgt/>
+                  </p:tgtEl>
+                </p:cond>
+              </p:nextCondLst>
+            </p:seq>
+          </p:childTnLst>
+        </p:cTn>
+      </p:par>
+    </p:tnLst>
+    <p:bldLst>
+      <p:bldP spid="2" grpId="0"/>
+    </p:bldLst>
+  </p:timing>
 </p:sld>
 </file>
 
@@ -14876,7 +20779,7 @@
           <p:cNvPr id="2" name="Rubrik 1">
             <a:extLst>
               <a:ext uri="{FF2B5EF4-FFF2-40B4-BE49-F238E27FC236}">
-                <a16:creationId xmlns:a16="http://schemas.microsoft.com/office/drawing/2014/main" id="{404A466C-2979-B594-4FC6-2DE391364CE6}"/>
+                <a16:creationId xmlns:a16="http://schemas.microsoft.com/office/drawing/2014/main" id="{3FD58D68-9634-5213-79AE-988D5CFE2DA9}"/>
               </a:ext>
             </a:extLst>
           </p:cNvPr>
@@ -14893,12 +20796,8 @@
           <a:lstStyle/>
           <a:p>
             <a:r>
-              <a:rPr lang="sv-SE" dirty="0" err="1"/>
-              <a:t>Volumes</a:t>
-            </a:r>
-            <a:r>
-              <a:rPr lang="sv-SE" dirty="0"/>
-              <a:t> (Lab 3)</a:t>
+              <a:rPr lang="sv-SE" dirty="0"/>
+              <a:t>Images och containers</a:t>
             </a:r>
           </a:p>
         </p:txBody>
@@ -14908,23 +20807,59 @@
           <p:cNvPr id="3" name="Platshållare för text 2">
             <a:extLst>
               <a:ext uri="{FF2B5EF4-FFF2-40B4-BE49-F238E27FC236}">
-                <a16:creationId xmlns:a16="http://schemas.microsoft.com/office/drawing/2014/main" id="{D4ED046A-62F6-FEF1-D6CC-FF2A3D51334E}"/>
-              </a:ext>
-            </a:extLst>
-          </p:cNvPr>
-          <p:cNvSpPr>
-            <a:spLocks noGrp="1"/>
-          </p:cNvSpPr>
-          <p:nvPr>
-            <p:ph type="body" sz="quarter" idx="13"/>
-          </p:nvPr>
-        </p:nvSpPr>
-        <p:spPr/>
+                <a16:creationId xmlns:a16="http://schemas.microsoft.com/office/drawing/2014/main" id="{B2EC5810-D9E2-0D8D-1DA9-C13608F9D3EF}"/>
+              </a:ext>
+            </a:extLst>
+          </p:cNvPr>
+          <p:cNvSpPr>
+            <a:spLocks noGrp="1"/>
+          </p:cNvSpPr>
+          <p:nvPr>
+            <p:ph type="body" sz="quarter" idx="14"/>
+          </p:nvPr>
+        </p:nvSpPr>
+        <p:spPr>
+          <a:xfrm>
+            <a:off x="4920343" y="5378737"/>
+            <a:ext cx="6770913" cy="1252127"/>
+          </a:xfrm>
+        </p:spPr>
         <p:txBody>
           <a:bodyPr/>
           <a:lstStyle/>
           <a:p>
-            <a:endParaRPr lang="sv-SE" dirty="0"/>
+            <a:pPr marL="285750" indent="-285750">
+              <a:buFont typeface="Arial" panose="020B0604020202020204" pitchFamily="34" charset="0"/>
+              <a:buChar char="•"/>
+            </a:pPr>
+            <a:r>
+              <a:rPr lang="sv-SE" dirty="0" err="1"/>
+              <a:t>Dockerfile</a:t>
+            </a:r>
+            <a:r>
+              <a:rPr lang="sv-SE" dirty="0"/>
+              <a:t> är ett recept/instruktion/definitionsfil</a:t>
+            </a:r>
+          </a:p>
+          <a:p>
+            <a:pPr marL="285750" indent="-285750">
+              <a:buFont typeface="Arial" panose="020B0604020202020204" pitchFamily="34" charset="0"/>
+              <a:buChar char="•"/>
+            </a:pPr>
+            <a:r>
+              <a:rPr lang="sv-SE" dirty="0"/>
+              <a:t>Image är en mall</a:t>
+            </a:r>
+          </a:p>
+          <a:p>
+            <a:pPr marL="285750" indent="-285750">
+              <a:buFont typeface="Arial" panose="020B0604020202020204" pitchFamily="34" charset="0"/>
+              <a:buChar char="•"/>
+            </a:pPr>
+            <a:r>
+              <a:rPr lang="sv-SE" dirty="0"/>
+              <a:t>Container är en (påklädd) körbar instans av en image</a:t>
+            </a:r>
           </a:p>
         </p:txBody>
       </p:sp>
@@ -14933,7 +20868,7 @@
           <p:cNvPr id="4" name="Platshållare för text 3">
             <a:extLst>
               <a:ext uri="{FF2B5EF4-FFF2-40B4-BE49-F238E27FC236}">
-                <a16:creationId xmlns:a16="http://schemas.microsoft.com/office/drawing/2014/main" id="{D0042C59-206D-3214-63BA-F7131C0FA73C}"/>
+                <a16:creationId xmlns:a16="http://schemas.microsoft.com/office/drawing/2014/main" id="{A0843DC0-B439-4B20-1332-EEAF3FF63FF1}"/>
               </a:ext>
             </a:extLst>
           </p:cNvPr>
@@ -14953,16 +20888,257 @@
           </a:p>
         </p:txBody>
       </p:sp>
+      <p:pic>
+        <p:nvPicPr>
+          <p:cNvPr id="1026" name="Picture 2" descr="Introduction to Docker. What is Docker? | by Senali | Medium">
+            <a:extLst>
+              <a:ext uri="{FF2B5EF4-FFF2-40B4-BE49-F238E27FC236}">
+                <a16:creationId xmlns:a16="http://schemas.microsoft.com/office/drawing/2014/main" id="{C29031F2-6771-F4B9-6526-EBAE4DED4608}"/>
+              </a:ext>
+            </a:extLst>
+          </p:cNvPr>
+          <p:cNvPicPr>
+            <a:picLocks noChangeAspect="1" noChangeArrowheads="1"/>
+          </p:cNvPicPr>
+          <p:nvPr/>
+        </p:nvPicPr>
+        <p:blipFill>
+          <a:blip r:embed="rId2">
+            <a:extLst>
+              <a:ext uri="{28A0092B-C50C-407E-A947-70E740481C1C}">
+                <a14:useLocalDpi xmlns:a14="http://schemas.microsoft.com/office/drawing/2010/main" val="0"/>
+              </a:ext>
+            </a:extLst>
+          </a:blip>
+          <a:srcRect/>
+          <a:stretch>
+            <a:fillRect/>
+          </a:stretch>
+        </p:blipFill>
+        <p:spPr bwMode="auto">
+          <a:xfrm>
+            <a:off x="957262" y="1564616"/>
+            <a:ext cx="10277475" cy="3657600"/>
+          </a:xfrm>
+          <a:prstGeom prst="rect">
+            <a:avLst/>
+          </a:prstGeom>
+          <a:noFill/>
+          <a:ln w="76200">
+            <a:solidFill>
+              <a:schemeClr val="accent3"/>
+            </a:solidFill>
+          </a:ln>
+          <a:extLst>
+            <a:ext uri="{909E8E84-426E-40DD-AFC4-6F175D3DCCD1}">
+              <a14:hiddenFill xmlns:a14="http://schemas.microsoft.com/office/drawing/2010/main">
+                <a:solidFill>
+                  <a:srgbClr val="FFFFFF"/>
+                </a:solidFill>
+              </a14:hiddenFill>
+            </a:ext>
+          </a:extLst>
+        </p:spPr>
+      </p:pic>
     </p:spTree>
     <p:extLst>
       <p:ext uri="{BB962C8B-B14F-4D97-AF65-F5344CB8AC3E}">
-        <p14:creationId xmlns:p14="http://schemas.microsoft.com/office/powerpoint/2010/main" val="102281822"/>
+        <p14:creationId xmlns:p14="http://schemas.microsoft.com/office/powerpoint/2010/main" val="2272486956"/>
       </p:ext>
     </p:extLst>
   </p:cSld>
   <p:clrMapOvr>
     <a:masterClrMapping/>
   </p:clrMapOvr>
+  <p:timing>
+    <p:tnLst>
+      <p:par>
+        <p:cTn id="1" dur="indefinite" restart="never" nodeType="tmRoot">
+          <p:childTnLst>
+            <p:seq concurrent="1" nextAc="seek">
+              <p:cTn id="2" dur="indefinite" nodeType="mainSeq">
+                <p:childTnLst>
+                  <p:par>
+                    <p:cTn id="3" fill="hold">
+                      <p:stCondLst>
+                        <p:cond delay="indefinite"/>
+                      </p:stCondLst>
+                      <p:childTnLst>
+                        <p:par>
+                          <p:cTn id="4" fill="hold">
+                            <p:stCondLst>
+                              <p:cond delay="0"/>
+                            </p:stCondLst>
+                            <p:childTnLst>
+                              <p:par>
+                                <p:cTn id="5" presetID="1" presetClass="entr" presetSubtype="0" fill="hold" nodeType="clickEffect">
+                                  <p:stCondLst>
+                                    <p:cond delay="0"/>
+                                  </p:stCondLst>
+                                  <p:childTnLst>
+                                    <p:set>
+                                      <p:cBhvr>
+                                        <p:cTn id="6" dur="1" fill="hold">
+                                          <p:stCondLst>
+                                            <p:cond delay="0"/>
+                                          </p:stCondLst>
+                                        </p:cTn>
+                                        <p:tgtEl>
+                                          <p:spTgt spid="1026"/>
+                                        </p:tgtEl>
+                                        <p:attrNameLst>
+                                          <p:attrName>style.visibility</p:attrName>
+                                        </p:attrNameLst>
+                                      </p:cBhvr>
+                                      <p:to>
+                                        <p:strVal val="visible"/>
+                                      </p:to>
+                                    </p:set>
+                                  </p:childTnLst>
+                                </p:cTn>
+                              </p:par>
+                            </p:childTnLst>
+                          </p:cTn>
+                        </p:par>
+                      </p:childTnLst>
+                    </p:cTn>
+                  </p:par>
+                  <p:par>
+                    <p:cTn id="7" fill="hold">
+                      <p:stCondLst>
+                        <p:cond delay="indefinite"/>
+                      </p:stCondLst>
+                      <p:childTnLst>
+                        <p:par>
+                          <p:cTn id="8" fill="hold">
+                            <p:stCondLst>
+                              <p:cond delay="0"/>
+                            </p:stCondLst>
+                            <p:childTnLst>
+                              <p:par>
+                                <p:cTn id="9" presetID="1" presetClass="entr" presetSubtype="0" fill="hold" grpId="0" nodeType="clickEffect">
+                                  <p:stCondLst>
+                                    <p:cond delay="0"/>
+                                  </p:stCondLst>
+                                  <p:childTnLst>
+                                    <p:set>
+                                      <p:cBhvr>
+                                        <p:cTn id="10" dur="1" fill="hold">
+                                          <p:stCondLst>
+                                            <p:cond delay="0"/>
+                                          </p:stCondLst>
+                                        </p:cTn>
+                                        <p:tgtEl>
+                                          <p:spTgt spid="3">
+                                            <p:txEl>
+                                              <p:pRg st="0" end="0"/>
+                                            </p:txEl>
+                                          </p:spTgt>
+                                        </p:tgtEl>
+                                        <p:attrNameLst>
+                                          <p:attrName>style.visibility</p:attrName>
+                                        </p:attrNameLst>
+                                      </p:cBhvr>
+                                      <p:to>
+                                        <p:strVal val="visible"/>
+                                      </p:to>
+                                    </p:set>
+                                  </p:childTnLst>
+                                </p:cTn>
+                              </p:par>
+                              <p:par>
+                                <p:cTn id="11" presetID="1" presetClass="entr" presetSubtype="0" fill="hold" grpId="0" nodeType="withEffect">
+                                  <p:stCondLst>
+                                    <p:cond delay="0"/>
+                                  </p:stCondLst>
+                                  <p:childTnLst>
+                                    <p:set>
+                                      <p:cBhvr>
+                                        <p:cTn id="12" dur="1" fill="hold">
+                                          <p:stCondLst>
+                                            <p:cond delay="0"/>
+                                          </p:stCondLst>
+                                        </p:cTn>
+                                        <p:tgtEl>
+                                          <p:spTgt spid="3">
+                                            <p:txEl>
+                                              <p:pRg st="1" end="1"/>
+                                            </p:txEl>
+                                          </p:spTgt>
+                                        </p:tgtEl>
+                                        <p:attrNameLst>
+                                          <p:attrName>style.visibility</p:attrName>
+                                        </p:attrNameLst>
+                                      </p:cBhvr>
+                                      <p:to>
+                                        <p:strVal val="visible"/>
+                                      </p:to>
+                                    </p:set>
+                                  </p:childTnLst>
+                                </p:cTn>
+                              </p:par>
+                              <p:par>
+                                <p:cTn id="13" presetID="1" presetClass="entr" presetSubtype="0" fill="hold" grpId="0" nodeType="withEffect">
+                                  <p:stCondLst>
+                                    <p:cond delay="0"/>
+                                  </p:stCondLst>
+                                  <p:childTnLst>
+                                    <p:set>
+                                      <p:cBhvr>
+                                        <p:cTn id="14" dur="1" fill="hold">
+                                          <p:stCondLst>
+                                            <p:cond delay="0"/>
+                                          </p:stCondLst>
+                                        </p:cTn>
+                                        <p:tgtEl>
+                                          <p:spTgt spid="3">
+                                            <p:txEl>
+                                              <p:pRg st="2" end="2"/>
+                                            </p:txEl>
+                                          </p:spTgt>
+                                        </p:tgtEl>
+                                        <p:attrNameLst>
+                                          <p:attrName>style.visibility</p:attrName>
+                                        </p:attrNameLst>
+                                      </p:cBhvr>
+                                      <p:to>
+                                        <p:strVal val="visible"/>
+                                      </p:to>
+                                    </p:set>
+                                  </p:childTnLst>
+                                </p:cTn>
+                              </p:par>
+                            </p:childTnLst>
+                          </p:cTn>
+                        </p:par>
+                      </p:childTnLst>
+                    </p:cTn>
+                  </p:par>
+                </p:childTnLst>
+              </p:cTn>
+              <p:prevCondLst>
+                <p:cond evt="onPrev" delay="0">
+                  <p:tgtEl>
+                    <p:sldTgt/>
+                  </p:tgtEl>
+                </p:cond>
+              </p:prevCondLst>
+              <p:nextCondLst>
+                <p:cond evt="onNext" delay="0">
+                  <p:tgtEl>
+                    <p:sldTgt/>
+                  </p:tgtEl>
+                </p:cond>
+              </p:nextCondLst>
+            </p:seq>
+          </p:childTnLst>
+        </p:cTn>
+      </p:par>
+    </p:tnLst>
+    <p:bldLst>
+      <p:bldP spid="3" grpId="0" build="allAtOnce"/>
+    </p:bldLst>
+  </p:timing>
 </p:sld>
 </file>
 
